--- a/doc/task14/final_presentation.pptx
+++ b/doc/task14/final_presentation.pptx
@@ -116,6 +116,22 @@
       </a:defRPr>
     </a:lvl9pPr>
   </p:defaultTextStyle>
+  <p:extLst>
+    <p:ext uri="{EFAFB233-063F-42B5-8137-9DF3F51BA10A}">
+      <p15:sldGuideLst xmlns:p15="http://schemas.microsoft.com/office/powerpoint/2012/main">
+        <p15:guide id="1" orient="horz" pos="2160">
+          <p15:clr>
+            <a:srgbClr val="A4A3A4"/>
+          </p15:clr>
+        </p15:guide>
+        <p15:guide id="2" pos="3840">
+          <p15:clr>
+            <a:srgbClr val="A4A3A4"/>
+          </p15:clr>
+        </p15:guide>
+      </p15:sldGuideLst>
+    </p:ext>
+  </p:extLst>
 </p:presentation>
 </file>
 
@@ -169,7 +185,7 @@
           <a:noFill/>
           <a:extLst>
             <a:ext uri="{909E8E84-426E-40dd-AFC4-6F175D3DCCD1}">
-              <a14:hiddenFill xmlns:a14="http://schemas.microsoft.com/office/drawing/2010/main">
+              <a14:hiddenFill xmlns:a14="http://schemas.microsoft.com/office/drawing/2010/main" xmlns="">
                 <a:solidFill>
                   <a:srgbClr val="FFFFFF"/>
                 </a:solidFill>
@@ -229,7 +245,7 @@
             </a:ln>
             <a:extLst>
               <a:ext uri="{91240B29-F687-4f45-9708-019B960494DF}">
-                <a14:hiddenLine xmlns:a14="http://schemas.microsoft.com/office/drawing/2010/main" w="9525">
+                <a14:hiddenLine xmlns:a14="http://schemas.microsoft.com/office/drawing/2010/main" xmlns="" w="9525">
                   <a:solidFill>
                     <a:srgbClr val="000000"/>
                   </a:solidFill>
@@ -319,7 +335,7 @@
             </a:ln>
             <a:extLst>
               <a:ext uri="{91240B29-F687-4f45-9708-019B960494DF}">
-                <a14:hiddenLine xmlns:a14="http://schemas.microsoft.com/office/drawing/2010/main" w="9525">
+                <a14:hiddenLine xmlns:a14="http://schemas.microsoft.com/office/drawing/2010/main" xmlns="" w="9525">
                   <a:solidFill>
                     <a:srgbClr val="000000"/>
                   </a:solidFill>
@@ -409,7 +425,7 @@
             </a:ln>
             <a:extLst>
               <a:ext uri="{91240B29-F687-4f45-9708-019B960494DF}">
-                <a14:hiddenLine xmlns:a14="http://schemas.microsoft.com/office/drawing/2010/main" w="9525">
+                <a14:hiddenLine xmlns:a14="http://schemas.microsoft.com/office/drawing/2010/main" xmlns="" w="9525">
                   <a:solidFill>
                     <a:srgbClr val="000000"/>
                   </a:solidFill>
@@ -443,7 +459,7 @@
             </a:ln>
             <a:extLst>
               <a:ext uri="{91240B29-F687-4f45-9708-019B960494DF}">
-                <a14:hiddenLine xmlns:a14="http://schemas.microsoft.com/office/drawing/2010/main" w="9525">
+                <a14:hiddenLine xmlns:a14="http://schemas.microsoft.com/office/drawing/2010/main" xmlns="" w="9525">
                   <a:solidFill>
                     <a:srgbClr val="000000"/>
                   </a:solidFill>
@@ -533,7 +549,7 @@
             </a:ln>
             <a:extLst>
               <a:ext uri="{91240B29-F687-4f45-9708-019B960494DF}">
-                <a14:hiddenLine xmlns:a14="http://schemas.microsoft.com/office/drawing/2010/main" w="9525">
+                <a14:hiddenLine xmlns:a14="http://schemas.microsoft.com/office/drawing/2010/main" xmlns="" w="9525">
                   <a:solidFill>
                     <a:srgbClr val="000000"/>
                   </a:solidFill>
@@ -595,7 +611,7 @@
             </a:ln>
             <a:extLst>
               <a:ext uri="{91240B29-F687-4f45-9708-019B960494DF}">
-                <a14:hiddenLine xmlns:a14="http://schemas.microsoft.com/office/drawing/2010/main" w="9525">
+                <a14:hiddenLine xmlns:a14="http://schemas.microsoft.com/office/drawing/2010/main" xmlns="" w="9525">
                   <a:solidFill>
                     <a:srgbClr val="000000"/>
                   </a:solidFill>
@@ -657,7 +673,7 @@
             </a:ln>
             <a:extLst>
               <a:ext uri="{91240B29-F687-4f45-9708-019B960494DF}">
-                <a14:hiddenLine xmlns:a14="http://schemas.microsoft.com/office/drawing/2010/main" w="9525">
+                <a14:hiddenLine xmlns:a14="http://schemas.microsoft.com/office/drawing/2010/main" xmlns="" w="9525">
                   <a:solidFill>
                     <a:srgbClr val="000000"/>
                   </a:solidFill>
@@ -747,7 +763,7 @@
             </a:ln>
             <a:extLst>
               <a:ext uri="{91240B29-F687-4f45-9708-019B960494DF}">
-                <a14:hiddenLine xmlns:a14="http://schemas.microsoft.com/office/drawing/2010/main" w="9525">
+                <a14:hiddenLine xmlns:a14="http://schemas.microsoft.com/office/drawing/2010/main" xmlns="" w="9525">
                   <a:solidFill>
                     <a:srgbClr val="000000"/>
                   </a:solidFill>
@@ -809,7 +825,7 @@
             </a:ln>
             <a:extLst>
               <a:ext uri="{91240B29-F687-4f45-9708-019B960494DF}">
-                <a14:hiddenLine xmlns:a14="http://schemas.microsoft.com/office/drawing/2010/main" w="9525">
+                <a14:hiddenLine xmlns:a14="http://schemas.microsoft.com/office/drawing/2010/main" xmlns="" w="9525">
                   <a:solidFill>
                     <a:srgbClr val="000000"/>
                   </a:solidFill>
@@ -871,7 +887,7 @@
             </a:ln>
             <a:extLst>
               <a:ext uri="{91240B29-F687-4f45-9708-019B960494DF}">
-                <a14:hiddenLine xmlns:a14="http://schemas.microsoft.com/office/drawing/2010/main" w="9525">
+                <a14:hiddenLine xmlns:a14="http://schemas.microsoft.com/office/drawing/2010/main" xmlns="" w="9525">
                   <a:solidFill>
                     <a:srgbClr val="000000"/>
                   </a:solidFill>
@@ -961,7 +977,7 @@
             </a:ln>
             <a:extLst>
               <a:ext uri="{91240B29-F687-4f45-9708-019B960494DF}">
-                <a14:hiddenLine xmlns:a14="http://schemas.microsoft.com/office/drawing/2010/main" w="9525">
+                <a14:hiddenLine xmlns:a14="http://schemas.microsoft.com/office/drawing/2010/main" xmlns="" w="9525">
                   <a:solidFill>
                     <a:srgbClr val="000000"/>
                   </a:solidFill>
@@ -1051,7 +1067,7 @@
             </a:ln>
             <a:extLst>
               <a:ext uri="{91240B29-F687-4f45-9708-019B960494DF}">
-                <a14:hiddenLine xmlns:a14="http://schemas.microsoft.com/office/drawing/2010/main" w="9525">
+                <a14:hiddenLine xmlns:a14="http://schemas.microsoft.com/office/drawing/2010/main" xmlns="" w="9525">
                   <a:solidFill>
                     <a:srgbClr val="000000"/>
                   </a:solidFill>
@@ -1113,7 +1129,7 @@
             </a:ln>
             <a:extLst>
               <a:ext uri="{91240B29-F687-4f45-9708-019B960494DF}">
-                <a14:hiddenLine xmlns:a14="http://schemas.microsoft.com/office/drawing/2010/main" w="9525">
+                <a14:hiddenLine xmlns:a14="http://schemas.microsoft.com/office/drawing/2010/main" xmlns="" w="9525">
                   <a:solidFill>
                     <a:srgbClr val="000000"/>
                   </a:solidFill>
@@ -1223,7 +1239,7 @@
             </a:ln>
             <a:extLst>
               <a:ext uri="{91240B29-F687-4f45-9708-019B960494DF}">
-                <a14:hiddenLine xmlns:a14="http://schemas.microsoft.com/office/drawing/2010/main" w="9525">
+                <a14:hiddenLine xmlns:a14="http://schemas.microsoft.com/office/drawing/2010/main" xmlns="" w="9525">
                   <a:solidFill>
                     <a:srgbClr val="000000"/>
                   </a:solidFill>
@@ -1285,7 +1301,7 @@
             </a:ln>
             <a:extLst>
               <a:ext uri="{91240B29-F687-4f45-9708-019B960494DF}">
-                <a14:hiddenLine xmlns:a14="http://schemas.microsoft.com/office/drawing/2010/main" w="9525">
+                <a14:hiddenLine xmlns:a14="http://schemas.microsoft.com/office/drawing/2010/main" xmlns="" w="9525">
                   <a:solidFill>
                     <a:srgbClr val="000000"/>
                   </a:solidFill>
@@ -1375,7 +1391,7 @@
             </a:ln>
             <a:extLst>
               <a:ext uri="{91240B29-F687-4f45-9708-019B960494DF}">
-                <a14:hiddenLine xmlns:a14="http://schemas.microsoft.com/office/drawing/2010/main" w="9525">
+                <a14:hiddenLine xmlns:a14="http://schemas.microsoft.com/office/drawing/2010/main" xmlns="" w="9525">
                   <a:solidFill>
                     <a:srgbClr val="000000"/>
                   </a:solidFill>
@@ -1465,7 +1481,7 @@
             </a:ln>
             <a:extLst>
               <a:ext uri="{91240B29-F687-4f45-9708-019B960494DF}">
-                <a14:hiddenLine xmlns:a14="http://schemas.microsoft.com/office/drawing/2010/main" w="9525">
+                <a14:hiddenLine xmlns:a14="http://schemas.microsoft.com/office/drawing/2010/main" xmlns="" w="9525">
                   <a:solidFill>
                     <a:srgbClr val="000000"/>
                   </a:solidFill>
@@ -1527,7 +1543,7 @@
             </a:ln>
             <a:extLst>
               <a:ext uri="{91240B29-F687-4f45-9708-019B960494DF}">
-                <a14:hiddenLine xmlns:a14="http://schemas.microsoft.com/office/drawing/2010/main" w="9525">
+                <a14:hiddenLine xmlns:a14="http://schemas.microsoft.com/office/drawing/2010/main" xmlns="" w="9525">
                   <a:solidFill>
                     <a:srgbClr val="000000"/>
                   </a:solidFill>
@@ -1617,7 +1633,7 @@
             </a:ln>
             <a:extLst>
               <a:ext uri="{91240B29-F687-4f45-9708-019B960494DF}">
-                <a14:hiddenLine xmlns:a14="http://schemas.microsoft.com/office/drawing/2010/main" w="9525">
+                <a14:hiddenLine xmlns:a14="http://schemas.microsoft.com/office/drawing/2010/main" xmlns="" w="9525">
                   <a:solidFill>
                     <a:srgbClr val="000000"/>
                   </a:solidFill>
@@ -1707,7 +1723,7 @@
             </a:ln>
             <a:extLst>
               <a:ext uri="{91240B29-F687-4f45-9708-019B960494DF}">
-                <a14:hiddenLine xmlns:a14="http://schemas.microsoft.com/office/drawing/2010/main" w="9525">
+                <a14:hiddenLine xmlns:a14="http://schemas.microsoft.com/office/drawing/2010/main" xmlns="" w="9525">
                   <a:solidFill>
                     <a:srgbClr val="000000"/>
                   </a:solidFill>
@@ -1763,7 +1779,7 @@
             </a:ln>
             <a:extLst>
               <a:ext uri="{91240B29-F687-4f45-9708-019B960494DF}">
-                <a14:hiddenLine xmlns:a14="http://schemas.microsoft.com/office/drawing/2010/main" w="9525">
+                <a14:hiddenLine xmlns:a14="http://schemas.microsoft.com/office/drawing/2010/main" xmlns="" w="9525">
                   <a:solidFill>
                     <a:srgbClr val="000000"/>
                   </a:solidFill>
@@ -1853,7 +1869,7 @@
             </a:ln>
             <a:extLst>
               <a:ext uri="{91240B29-F687-4f45-9708-019B960494DF}">
-                <a14:hiddenLine xmlns:a14="http://schemas.microsoft.com/office/drawing/2010/main" w="9525">
+                <a14:hiddenLine xmlns:a14="http://schemas.microsoft.com/office/drawing/2010/main" xmlns="" w="9525">
                   <a:solidFill>
                     <a:srgbClr val="000000"/>
                   </a:solidFill>
@@ -1909,7 +1925,7 @@
             </a:ln>
             <a:extLst>
               <a:ext uri="{91240B29-F687-4f45-9708-019B960494DF}">
-                <a14:hiddenLine xmlns:a14="http://schemas.microsoft.com/office/drawing/2010/main" w="9525">
+                <a14:hiddenLine xmlns:a14="http://schemas.microsoft.com/office/drawing/2010/main" xmlns="" w="9525">
                   <a:solidFill>
                     <a:srgbClr val="000000"/>
                   </a:solidFill>
@@ -1999,7 +2015,7 @@
             </a:ln>
             <a:extLst>
               <a:ext uri="{91240B29-F687-4f45-9708-019B960494DF}">
-                <a14:hiddenLine xmlns:a14="http://schemas.microsoft.com/office/drawing/2010/main" w="9525">
+                <a14:hiddenLine xmlns:a14="http://schemas.microsoft.com/office/drawing/2010/main" xmlns="" w="9525">
                   <a:solidFill>
                     <a:srgbClr val="000000"/>
                   </a:solidFill>
@@ -2067,7 +2083,7 @@
             </a:ln>
             <a:extLst>
               <a:ext uri="{91240B29-F687-4f45-9708-019B960494DF}">
-                <a14:hiddenLine xmlns:a14="http://schemas.microsoft.com/office/drawing/2010/main" w="9525">
+                <a14:hiddenLine xmlns:a14="http://schemas.microsoft.com/office/drawing/2010/main" xmlns="" w="9525">
                   <a:solidFill>
                     <a:srgbClr val="000000"/>
                   </a:solidFill>
@@ -2157,7 +2173,7 @@
             </a:ln>
             <a:extLst>
               <a:ext uri="{91240B29-F687-4f45-9708-019B960494DF}">
-                <a14:hiddenLine xmlns:a14="http://schemas.microsoft.com/office/drawing/2010/main" w="9525">
+                <a14:hiddenLine xmlns:a14="http://schemas.microsoft.com/office/drawing/2010/main" xmlns="" w="9525">
                   <a:solidFill>
                     <a:srgbClr val="000000"/>
                   </a:solidFill>
@@ -2225,7 +2241,7 @@
             </a:ln>
             <a:extLst>
               <a:ext uri="{91240B29-F687-4f45-9708-019B960494DF}">
-                <a14:hiddenLine xmlns:a14="http://schemas.microsoft.com/office/drawing/2010/main" w="9525">
+                <a14:hiddenLine xmlns:a14="http://schemas.microsoft.com/office/drawing/2010/main" xmlns="" w="9525">
                   <a:solidFill>
                     <a:srgbClr val="000000"/>
                   </a:solidFill>
@@ -2315,7 +2331,7 @@
             </a:ln>
             <a:extLst>
               <a:ext uri="{91240B29-F687-4f45-9708-019B960494DF}">
-                <a14:hiddenLine xmlns:a14="http://schemas.microsoft.com/office/drawing/2010/main" w="9525">
+                <a14:hiddenLine xmlns:a14="http://schemas.microsoft.com/office/drawing/2010/main" xmlns="" w="9525">
                   <a:solidFill>
                     <a:srgbClr val="000000"/>
                   </a:solidFill>
@@ -2349,7 +2365,7 @@
             </a:ln>
             <a:extLst>
               <a:ext uri="{91240B29-F687-4f45-9708-019B960494DF}">
-                <a14:hiddenLine xmlns:a14="http://schemas.microsoft.com/office/drawing/2010/main" w="9525">
+                <a14:hiddenLine xmlns:a14="http://schemas.microsoft.com/office/drawing/2010/main" xmlns="" w="9525">
                   <a:solidFill>
                     <a:srgbClr val="000000"/>
                   </a:solidFill>
@@ -2439,7 +2455,7 @@
             </a:ln>
             <a:extLst>
               <a:ext uri="{91240B29-F687-4f45-9708-019B960494DF}">
-                <a14:hiddenLine xmlns:a14="http://schemas.microsoft.com/office/drawing/2010/main" w="9525">
+                <a14:hiddenLine xmlns:a14="http://schemas.microsoft.com/office/drawing/2010/main" xmlns="" w="9525">
                   <a:solidFill>
                     <a:srgbClr val="000000"/>
                   </a:solidFill>
@@ -2501,7 +2517,7 @@
             </a:ln>
             <a:extLst>
               <a:ext uri="{91240B29-F687-4f45-9708-019B960494DF}">
-                <a14:hiddenLine xmlns:a14="http://schemas.microsoft.com/office/drawing/2010/main" w="9525">
+                <a14:hiddenLine xmlns:a14="http://schemas.microsoft.com/office/drawing/2010/main" xmlns="" w="9525">
                   <a:solidFill>
                     <a:srgbClr val="000000"/>
                   </a:solidFill>
@@ -2563,7 +2579,7 @@
             </a:ln>
             <a:extLst>
               <a:ext uri="{91240B29-F687-4f45-9708-019B960494DF}">
-                <a14:hiddenLine xmlns:a14="http://schemas.microsoft.com/office/drawing/2010/main" w="9525">
+                <a14:hiddenLine xmlns:a14="http://schemas.microsoft.com/office/drawing/2010/main" xmlns="" w="9525">
                   <a:solidFill>
                     <a:srgbClr val="000000"/>
                   </a:solidFill>
@@ -2653,7 +2669,7 @@
             </a:ln>
             <a:extLst>
               <a:ext uri="{91240B29-F687-4f45-9708-019B960494DF}">
-                <a14:hiddenLine xmlns:a14="http://schemas.microsoft.com/office/drawing/2010/main" w="9525">
+                <a14:hiddenLine xmlns:a14="http://schemas.microsoft.com/office/drawing/2010/main" xmlns="" w="9525">
                   <a:solidFill>
                     <a:srgbClr val="000000"/>
                   </a:solidFill>
@@ -2721,7 +2737,7 @@
             </a:ln>
             <a:extLst>
               <a:ext uri="{91240B29-F687-4f45-9708-019B960494DF}">
-                <a14:hiddenLine xmlns:a14="http://schemas.microsoft.com/office/drawing/2010/main" w="9525">
+                <a14:hiddenLine xmlns:a14="http://schemas.microsoft.com/office/drawing/2010/main" xmlns="" w="9525">
                   <a:solidFill>
                     <a:srgbClr val="000000"/>
                   </a:solidFill>
@@ -2783,7 +2799,7 @@
             </a:ln>
             <a:extLst>
               <a:ext uri="{91240B29-F687-4f45-9708-019B960494DF}">
-                <a14:hiddenLine xmlns:a14="http://schemas.microsoft.com/office/drawing/2010/main" w="9525">
+                <a14:hiddenLine xmlns:a14="http://schemas.microsoft.com/office/drawing/2010/main" xmlns="" w="9525">
                   <a:solidFill>
                     <a:srgbClr val="000000"/>
                   </a:solidFill>
@@ -2873,7 +2889,7 @@
             </a:ln>
             <a:extLst>
               <a:ext uri="{91240B29-F687-4f45-9708-019B960494DF}">
-                <a14:hiddenLine xmlns:a14="http://schemas.microsoft.com/office/drawing/2010/main" w="9525">
+                <a14:hiddenLine xmlns:a14="http://schemas.microsoft.com/office/drawing/2010/main" xmlns="" w="9525">
                   <a:solidFill>
                     <a:srgbClr val="000000"/>
                   </a:solidFill>
@@ -2935,7 +2951,7 @@
             </a:ln>
             <a:extLst>
               <a:ext uri="{91240B29-F687-4f45-9708-019B960494DF}">
-                <a14:hiddenLine xmlns:a14="http://schemas.microsoft.com/office/drawing/2010/main" w="9525">
+                <a14:hiddenLine xmlns:a14="http://schemas.microsoft.com/office/drawing/2010/main" xmlns="" w="9525">
                   <a:solidFill>
                     <a:srgbClr val="000000"/>
                   </a:solidFill>
@@ -3025,7 +3041,7 @@
             </a:ln>
             <a:extLst>
               <a:ext uri="{91240B29-F687-4f45-9708-019B960494DF}">
-                <a14:hiddenLine xmlns:a14="http://schemas.microsoft.com/office/drawing/2010/main" w="9525">
+                <a14:hiddenLine xmlns:a14="http://schemas.microsoft.com/office/drawing/2010/main" xmlns="" w="9525">
                   <a:solidFill>
                     <a:srgbClr val="000000"/>
                   </a:solidFill>
@@ -3087,7 +3103,7 @@
             </a:ln>
             <a:extLst>
               <a:ext uri="{91240B29-F687-4f45-9708-019B960494DF}">
-                <a14:hiddenLine xmlns:a14="http://schemas.microsoft.com/office/drawing/2010/main" w="9525">
+                <a14:hiddenLine xmlns:a14="http://schemas.microsoft.com/office/drawing/2010/main" xmlns="" w="9525">
                   <a:solidFill>
                     <a:srgbClr val="000000"/>
                   </a:solidFill>
@@ -3177,7 +3193,7 @@
             </a:ln>
             <a:extLst>
               <a:ext uri="{91240B29-F687-4f45-9708-019B960494DF}">
-                <a14:hiddenLine xmlns:a14="http://schemas.microsoft.com/office/drawing/2010/main" w="9525">
+                <a14:hiddenLine xmlns:a14="http://schemas.microsoft.com/office/drawing/2010/main" xmlns="" w="9525">
                   <a:solidFill>
                     <a:srgbClr val="000000"/>
                   </a:solidFill>
@@ -3211,7 +3227,7 @@
             </a:ln>
             <a:extLst>
               <a:ext uri="{91240B29-F687-4f45-9708-019B960494DF}">
-                <a14:hiddenLine xmlns:a14="http://schemas.microsoft.com/office/drawing/2010/main" w="9525">
+                <a14:hiddenLine xmlns:a14="http://schemas.microsoft.com/office/drawing/2010/main" xmlns="" w="9525">
                   <a:solidFill>
                     <a:srgbClr val="000000"/>
                   </a:solidFill>
@@ -3276,7 +3292,7 @@
             </a:ln>
             <a:extLst>
               <a:ext uri="{91240B29-F687-4f45-9708-019B960494DF}">
-                <a14:hiddenLine xmlns:a14="http://schemas.microsoft.com/office/drawing/2010/main" w="9525">
+                <a14:hiddenLine xmlns:a14="http://schemas.microsoft.com/office/drawing/2010/main" xmlns="" w="9525">
                   <a:solidFill>
                     <a:srgbClr val="000000"/>
                   </a:solidFill>
@@ -3366,7 +3382,7 @@
             </a:ln>
             <a:extLst>
               <a:ext uri="{91240B29-F687-4f45-9708-019B960494DF}">
-                <a14:hiddenLine xmlns:a14="http://schemas.microsoft.com/office/drawing/2010/main" w="9525">
+                <a14:hiddenLine xmlns:a14="http://schemas.microsoft.com/office/drawing/2010/main" xmlns="" w="9525">
                   <a:solidFill>
                     <a:srgbClr val="000000"/>
                   </a:solidFill>
@@ -3428,7 +3444,7 @@
             </a:ln>
             <a:extLst>
               <a:ext uri="{91240B29-F687-4f45-9708-019B960494DF}">
-                <a14:hiddenLine xmlns:a14="http://schemas.microsoft.com/office/drawing/2010/main" w="9525">
+                <a14:hiddenLine xmlns:a14="http://schemas.microsoft.com/office/drawing/2010/main" xmlns="" w="9525">
                   <a:solidFill>
                     <a:srgbClr val="000000"/>
                   </a:solidFill>
@@ -3518,7 +3534,7 @@
             </a:ln>
             <a:extLst>
               <a:ext uri="{91240B29-F687-4f45-9708-019B960494DF}">
-                <a14:hiddenLine xmlns:a14="http://schemas.microsoft.com/office/drawing/2010/main" w="9525">
+                <a14:hiddenLine xmlns:a14="http://schemas.microsoft.com/office/drawing/2010/main" xmlns="" w="9525">
                   <a:solidFill>
                     <a:srgbClr val="000000"/>
                   </a:solidFill>
@@ -3608,7 +3624,7 @@
             </a:ln>
             <a:extLst>
               <a:ext uri="{91240B29-F687-4f45-9708-019B960494DF}">
-                <a14:hiddenLine xmlns:a14="http://schemas.microsoft.com/office/drawing/2010/main" w="9525">
+                <a14:hiddenLine xmlns:a14="http://schemas.microsoft.com/office/drawing/2010/main" xmlns="" w="9525">
                   <a:solidFill>
                     <a:srgbClr val="000000"/>
                   </a:solidFill>
@@ -3673,7 +3689,7 @@
             </a:ln>
             <a:extLst>
               <a:ext uri="{91240B29-F687-4f45-9708-019B960494DF}">
-                <a14:hiddenLine xmlns:a14="http://schemas.microsoft.com/office/drawing/2010/main" w="9525">
+                <a14:hiddenLine xmlns:a14="http://schemas.microsoft.com/office/drawing/2010/main" xmlns="" w="9525">
                   <a:solidFill>
                     <a:srgbClr val="000000"/>
                   </a:solidFill>
@@ -3735,7 +3751,7 @@
             </a:ln>
             <a:extLst>
               <a:ext uri="{91240B29-F687-4f45-9708-019B960494DF}">
-                <a14:hiddenLine xmlns:a14="http://schemas.microsoft.com/office/drawing/2010/main" w="9525">
+                <a14:hiddenLine xmlns:a14="http://schemas.microsoft.com/office/drawing/2010/main" xmlns="" w="9525">
                   <a:solidFill>
                     <a:srgbClr val="000000"/>
                   </a:solidFill>
@@ -3825,7 +3841,7 @@
             </a:ln>
             <a:extLst>
               <a:ext uri="{91240B29-F687-4f45-9708-019B960494DF}">
-                <a14:hiddenLine xmlns:a14="http://schemas.microsoft.com/office/drawing/2010/main" w="9525">
+                <a14:hiddenLine xmlns:a14="http://schemas.microsoft.com/office/drawing/2010/main" xmlns="" w="9525">
                   <a:solidFill>
                     <a:srgbClr val="000000"/>
                   </a:solidFill>
@@ -3915,7 +3931,7 @@
             </a:ln>
             <a:extLst>
               <a:ext uri="{91240B29-F687-4f45-9708-019B960494DF}">
-                <a14:hiddenLine xmlns:a14="http://schemas.microsoft.com/office/drawing/2010/main" w="9525">
+                <a14:hiddenLine xmlns:a14="http://schemas.microsoft.com/office/drawing/2010/main" xmlns="" w="9525">
                   <a:solidFill>
                     <a:srgbClr val="000000"/>
                   </a:solidFill>
@@ -3977,7 +3993,7 @@
             </a:ln>
             <a:extLst>
               <a:ext uri="{91240B29-F687-4f45-9708-019B960494DF}">
-                <a14:hiddenLine xmlns:a14="http://schemas.microsoft.com/office/drawing/2010/main" w="9525">
+                <a14:hiddenLine xmlns:a14="http://schemas.microsoft.com/office/drawing/2010/main" xmlns="" w="9525">
                   <a:solidFill>
                     <a:srgbClr val="000000"/>
                   </a:solidFill>
@@ -4097,7 +4113,7 @@
             </a:ln>
             <a:extLst>
               <a:ext uri="{91240B29-F687-4f45-9708-019B960494DF}">
-                <a14:hiddenLine xmlns:a14="http://schemas.microsoft.com/office/drawing/2010/main" w="9525">
+                <a14:hiddenLine xmlns:a14="http://schemas.microsoft.com/office/drawing/2010/main" xmlns="" w="9525">
                   <a:solidFill>
                     <a:srgbClr val="000000"/>
                   </a:solidFill>
@@ -4165,7 +4181,7 @@
             </a:ln>
             <a:extLst>
               <a:ext uri="{91240B29-F687-4f45-9708-019B960494DF}">
-                <a14:hiddenLine xmlns:a14="http://schemas.microsoft.com/office/drawing/2010/main" w="9525">
+                <a14:hiddenLine xmlns:a14="http://schemas.microsoft.com/office/drawing/2010/main" xmlns="" w="9525">
                   <a:solidFill>
                     <a:srgbClr val="000000"/>
                   </a:solidFill>
@@ -4255,7 +4271,7 @@
             </a:ln>
             <a:extLst>
               <a:ext uri="{91240B29-F687-4f45-9708-019B960494DF}">
-                <a14:hiddenLine xmlns:a14="http://schemas.microsoft.com/office/drawing/2010/main" w="9525">
+                <a14:hiddenLine xmlns:a14="http://schemas.microsoft.com/office/drawing/2010/main" xmlns="" w="9525">
                   <a:solidFill>
                     <a:srgbClr val="000000"/>
                   </a:solidFill>
@@ -4395,7 +4411,7 @@
           <a:p>
             <a:fld id="{48A87A34-81AB-432B-8DAE-1953F412C126}" type="datetimeFigureOut">
               <a:rPr lang="en-US" dirty="0"/>
-              <a:t>14.06.16</a:t>
+              <a:t>6/14/16</a:t>
             </a:fld>
             <a:endParaRPr lang="en-US" dirty="0"/>
           </a:p>
@@ -4447,7 +4463,7 @@
           <a:p>
             <a:fld id="{6D22F896-40B5-4ADD-8801-0D06FADFA095}" type="slidenum">
               <a:rPr lang="en-US" dirty="0"/>
-              <a:t>‹Nr.›</a:t>
+              <a:t>‹#›</a:t>
             </a:fld>
             <a:endParaRPr lang="en-US" dirty="0"/>
           </a:p>
@@ -4657,7 +4673,7 @@
           <a:p>
             <a:fld id="{48A87A34-81AB-432B-8DAE-1953F412C126}" type="datetimeFigureOut">
               <a:rPr lang="en-US" dirty="0"/>
-              <a:t>14.06.16</a:t>
+              <a:t>6/14/16</a:t>
             </a:fld>
             <a:endParaRPr lang="en-US" dirty="0"/>
           </a:p>
@@ -4699,7 +4715,7 @@
           <a:p>
             <a:fld id="{6D22F896-40B5-4ADD-8801-0D06FADFA095}" type="slidenum">
               <a:rPr lang="en-US" dirty="0"/>
-              <a:t>‹Nr.›</a:t>
+              <a:t>‹#›</a:t>
             </a:fld>
             <a:endParaRPr lang="en-US" dirty="0"/>
           </a:p>
@@ -4848,7 +4864,7 @@
           <a:p>
             <a:fld id="{48A87A34-81AB-432B-8DAE-1953F412C126}" type="datetimeFigureOut">
               <a:rPr lang="en-US" dirty="0"/>
-              <a:t>14.06.16</a:t>
+              <a:t>6/14/16</a:t>
             </a:fld>
             <a:endParaRPr lang="en-US" dirty="0"/>
           </a:p>
@@ -4890,7 +4906,7 @@
           <a:p>
             <a:fld id="{6D22F896-40B5-4ADD-8801-0D06FADFA095}" type="slidenum">
               <a:rPr lang="en-US" dirty="0"/>
-              <a:t>‹Nr.›</a:t>
+              <a:t>‹#›</a:t>
             </a:fld>
             <a:endParaRPr lang="en-US" dirty="0"/>
           </a:p>
@@ -5106,7 +5122,7 @@
           <a:p>
             <a:fld id="{48A87A34-81AB-432B-8DAE-1953F412C126}" type="datetimeFigureOut">
               <a:rPr lang="en-US" dirty="0"/>
-              <a:t>14.06.16</a:t>
+              <a:t>6/14/16</a:t>
             </a:fld>
             <a:endParaRPr lang="en-US" dirty="0"/>
           </a:p>
@@ -5148,7 +5164,7 @@
           <a:p>
             <a:fld id="{6D22F896-40B5-4ADD-8801-0D06FADFA095}" type="slidenum">
               <a:rPr lang="en-US" dirty="0"/>
-              <a:t>‹Nr.›</a:t>
+              <a:t>‹#›</a:t>
             </a:fld>
             <a:endParaRPr lang="en-US" dirty="0"/>
           </a:p>
@@ -5535,7 +5551,7 @@
           <a:p>
             <a:fld id="{48A87A34-81AB-432B-8DAE-1953F412C126}" type="datetimeFigureOut">
               <a:rPr lang="en-US" dirty="0"/>
-              <a:t>14.06.16</a:t>
+              <a:t>6/14/16</a:t>
             </a:fld>
             <a:endParaRPr lang="en-US" dirty="0"/>
           </a:p>
@@ -5577,7 +5593,7 @@
           <a:p>
             <a:fld id="{6D22F896-40B5-4ADD-8801-0D06FADFA095}" type="slidenum">
               <a:rPr lang="en-US" dirty="0"/>
-              <a:t>‹Nr.›</a:t>
+              <a:t>‹#›</a:t>
             </a:fld>
             <a:endParaRPr lang="en-US" dirty="0"/>
           </a:p>
@@ -6076,7 +6092,7 @@
           <a:p>
             <a:fld id="{48A87A34-81AB-432B-8DAE-1953F412C126}" type="datetimeFigureOut">
               <a:rPr lang="en-US" dirty="0"/>
-              <a:t>14.06.16</a:t>
+              <a:t>6/14/16</a:t>
             </a:fld>
             <a:endParaRPr lang="en-US" dirty="0"/>
           </a:p>
@@ -6118,7 +6134,7 @@
           <a:p>
             <a:fld id="{6D22F896-40B5-4ADD-8801-0D06FADFA095}" type="slidenum">
               <a:rPr lang="en-US" dirty="0"/>
-              <a:t>‹Nr.›</a:t>
+              <a:t>‹#›</a:t>
             </a:fld>
             <a:endParaRPr lang="en-US" dirty="0"/>
           </a:p>
@@ -6791,7 +6807,7 @@
           <a:p>
             <a:fld id="{48A87A34-81AB-432B-8DAE-1953F412C126}" type="datetimeFigureOut">
               <a:rPr lang="en-US" dirty="0"/>
-              <a:t>14.06.16</a:t>
+              <a:t>6/14/16</a:t>
             </a:fld>
             <a:endParaRPr lang="en-US" dirty="0"/>
           </a:p>
@@ -6833,7 +6849,7 @@
           <a:p>
             <a:fld id="{6D22F896-40B5-4ADD-8801-0D06FADFA095}" type="slidenum">
               <a:rPr lang="en-US" dirty="0"/>
-              <a:t>‹Nr.›</a:t>
+              <a:t>‹#›</a:t>
             </a:fld>
             <a:endParaRPr lang="en-US" dirty="0"/>
           </a:p>
@@ -6956,7 +6972,7 @@
           <a:p>
             <a:fld id="{48A87A34-81AB-432B-8DAE-1953F412C126}" type="datetimeFigureOut">
               <a:rPr lang="en-US" dirty="0"/>
-              <a:t>14.06.16</a:t>
+              <a:t>6/14/16</a:t>
             </a:fld>
             <a:endParaRPr lang="en-US" dirty="0"/>
           </a:p>
@@ -6998,7 +7014,7 @@
           <a:p>
             <a:fld id="{6D22F896-40B5-4ADD-8801-0D06FADFA095}" type="slidenum">
               <a:rPr lang="en-US" dirty="0"/>
-              <a:t>‹Nr.›</a:t>
+              <a:t>‹#›</a:t>
             </a:fld>
             <a:endParaRPr lang="en-US" dirty="0"/>
           </a:p>
@@ -7131,7 +7147,7 @@
           <a:p>
             <a:fld id="{48A87A34-81AB-432B-8DAE-1953F412C126}" type="datetimeFigureOut">
               <a:rPr lang="en-US" dirty="0"/>
-              <a:t>14.06.16</a:t>
+              <a:t>6/14/16</a:t>
             </a:fld>
             <a:endParaRPr lang="en-US" dirty="0"/>
           </a:p>
@@ -7173,7 +7189,7 @@
           <a:p>
             <a:fld id="{6D22F896-40B5-4ADD-8801-0D06FADFA095}" type="slidenum">
               <a:rPr lang="en-US" dirty="0"/>
-              <a:t>‹Nr.›</a:t>
+              <a:t>‹#›</a:t>
             </a:fld>
             <a:endParaRPr lang="en-US" dirty="0"/>
           </a:p>
@@ -7296,7 +7312,7 @@
           <a:p>
             <a:fld id="{48A87A34-81AB-432B-8DAE-1953F412C126}" type="datetimeFigureOut">
               <a:rPr lang="en-US" dirty="0"/>
-              <a:t>14.06.16</a:t>
+              <a:t>6/14/16</a:t>
             </a:fld>
             <a:endParaRPr lang="en-US" dirty="0"/>
           </a:p>
@@ -7338,7 +7354,7 @@
           <a:p>
             <a:fld id="{6D22F896-40B5-4ADD-8801-0D06FADFA095}" type="slidenum">
               <a:rPr lang="en-US" dirty="0"/>
-              <a:t>‹Nr.›</a:t>
+              <a:t>‹#›</a:t>
             </a:fld>
             <a:endParaRPr lang="en-US" dirty="0"/>
           </a:p>
@@ -7541,7 +7557,7 @@
           <a:p>
             <a:fld id="{48A87A34-81AB-432B-8DAE-1953F412C126}" type="datetimeFigureOut">
               <a:rPr lang="en-US" dirty="0"/>
-              <a:t>14.06.16</a:t>
+              <a:t>6/14/16</a:t>
             </a:fld>
             <a:endParaRPr lang="en-US" dirty="0"/>
           </a:p>
@@ -7583,7 +7599,7 @@
           <a:p>
             <a:fld id="{6D22F896-40B5-4ADD-8801-0D06FADFA095}" type="slidenum">
               <a:rPr lang="en-US" dirty="0"/>
-              <a:t>‹Nr.›</a:t>
+              <a:t>‹#›</a:t>
             </a:fld>
             <a:endParaRPr lang="en-US" dirty="0"/>
           </a:p>
@@ -7768,7 +7784,7 @@
           <a:p>
             <a:fld id="{48A87A34-81AB-432B-8DAE-1953F412C126}" type="datetimeFigureOut">
               <a:rPr lang="en-US" dirty="0"/>
-              <a:t>14.06.16</a:t>
+              <a:t>6/14/16</a:t>
             </a:fld>
             <a:endParaRPr lang="en-US" dirty="0"/>
           </a:p>
@@ -7810,7 +7826,7 @@
           <a:p>
             <a:fld id="{6D22F896-40B5-4ADD-8801-0D06FADFA095}" type="slidenum">
               <a:rPr lang="en-US" dirty="0"/>
-              <a:t>‹Nr.›</a:t>
+              <a:t>‹#›</a:t>
             </a:fld>
             <a:endParaRPr lang="en-US" dirty="0"/>
           </a:p>
@@ -8144,7 +8160,7 @@
           <a:p>
             <a:fld id="{48A87A34-81AB-432B-8DAE-1953F412C126}" type="datetimeFigureOut">
               <a:rPr lang="en-US" dirty="0"/>
-              <a:t>14.06.16</a:t>
+              <a:t>6/14/16</a:t>
             </a:fld>
             <a:endParaRPr lang="en-US" dirty="0"/>
           </a:p>
@@ -8186,7 +8202,7 @@
           <a:p>
             <a:fld id="{6D22F896-40B5-4ADD-8801-0D06FADFA095}" type="slidenum">
               <a:rPr lang="en-US" dirty="0"/>
-              <a:t>‹Nr.›</a:t>
+              <a:t>‹#›</a:t>
             </a:fld>
             <a:endParaRPr lang="en-US" dirty="0"/>
           </a:p>
@@ -8257,7 +8273,7 @@
           <a:p>
             <a:fld id="{48A87A34-81AB-432B-8DAE-1953F412C126}" type="datetimeFigureOut">
               <a:rPr lang="en-US" dirty="0"/>
-              <a:t>14.06.16</a:t>
+              <a:t>6/14/16</a:t>
             </a:fld>
             <a:endParaRPr lang="en-US" dirty="0"/>
           </a:p>
@@ -8299,7 +8315,7 @@
           <a:p>
             <a:fld id="{6D22F896-40B5-4ADD-8801-0D06FADFA095}" type="slidenum">
               <a:rPr lang="en-US" dirty="0"/>
-              <a:t>‹Nr.›</a:t>
+              <a:t>‹#›</a:t>
             </a:fld>
             <a:endParaRPr lang="en-US" dirty="0"/>
           </a:p>
@@ -8347,7 +8363,7 @@
           <a:p>
             <a:fld id="{48A87A34-81AB-432B-8DAE-1953F412C126}" type="datetimeFigureOut">
               <a:rPr lang="en-US" dirty="0"/>
-              <a:t>14.06.16</a:t>
+              <a:t>6/14/16</a:t>
             </a:fld>
             <a:endParaRPr lang="en-US" dirty="0"/>
           </a:p>
@@ -8389,7 +8405,7 @@
           <a:p>
             <a:fld id="{6D22F896-40B5-4ADD-8801-0D06FADFA095}" type="slidenum">
               <a:rPr lang="en-US" dirty="0"/>
-              <a:t>‹Nr.›</a:t>
+              <a:t>‹#›</a:t>
             </a:fld>
             <a:endParaRPr lang="en-US" dirty="0"/>
           </a:p>
@@ -8591,7 +8607,7 @@
           <a:p>
             <a:fld id="{48A87A34-81AB-432B-8DAE-1953F412C126}" type="datetimeFigureOut">
               <a:rPr lang="en-US" dirty="0"/>
-              <a:t>14.06.16</a:t>
+              <a:t>6/14/16</a:t>
             </a:fld>
             <a:endParaRPr lang="en-US" dirty="0"/>
           </a:p>
@@ -8633,7 +8649,7 @@
           <a:p>
             <a:fld id="{6D22F896-40B5-4ADD-8801-0D06FADFA095}" type="slidenum">
               <a:rPr lang="en-US" dirty="0"/>
-              <a:t>‹Nr.›</a:t>
+              <a:t>‹#›</a:t>
             </a:fld>
             <a:endParaRPr lang="en-US" dirty="0"/>
           </a:p>
@@ -8866,7 +8882,7 @@
           <a:p>
             <a:fld id="{48A87A34-81AB-432B-8DAE-1953F412C126}" type="datetimeFigureOut">
               <a:rPr lang="en-US" dirty="0"/>
-              <a:t>14.06.16</a:t>
+              <a:t>6/14/16</a:t>
             </a:fld>
             <a:endParaRPr lang="en-US" dirty="0"/>
           </a:p>
@@ -8908,7 +8924,7 @@
           <a:p>
             <a:fld id="{6D22F896-40B5-4ADD-8801-0D06FADFA095}" type="slidenum">
               <a:rPr lang="en-US" dirty="0"/>
-              <a:t>‹Nr.›</a:t>
+              <a:t>‹#›</a:t>
             </a:fld>
             <a:endParaRPr lang="en-US" dirty="0"/>
           </a:p>
@@ -8977,7 +8993,7 @@
           <a:noFill/>
           <a:extLst>
             <a:ext uri="{909E8E84-426E-40dd-AFC4-6F175D3DCCD1}">
-              <a14:hiddenFill xmlns:a14="http://schemas.microsoft.com/office/drawing/2010/main">
+              <a14:hiddenFill xmlns:a14="http://schemas.microsoft.com/office/drawing/2010/main" xmlns="">
                 <a:solidFill>
                   <a:srgbClr val="FFFFFF"/>
                 </a:solidFill>
@@ -9051,7 +9067,7 @@
               </a:ln>
               <a:extLst>
                 <a:ext uri="{91240B29-F687-4f45-9708-019B960494DF}">
-                  <a14:hiddenLine xmlns:a14="http://schemas.microsoft.com/office/drawing/2010/main" w="9525">
+                  <a14:hiddenLine xmlns:a14="http://schemas.microsoft.com/office/drawing/2010/main" xmlns="" w="9525">
                     <a:solidFill>
                       <a:srgbClr val="000000"/>
                     </a:solidFill>
@@ -9141,7 +9157,7 @@
               </a:ln>
               <a:extLst>
                 <a:ext uri="{91240B29-F687-4f45-9708-019B960494DF}">
-                  <a14:hiddenLine xmlns:a14="http://schemas.microsoft.com/office/drawing/2010/main" w="9525">
+                  <a14:hiddenLine xmlns:a14="http://schemas.microsoft.com/office/drawing/2010/main" xmlns="" w="9525">
                     <a:solidFill>
                       <a:srgbClr val="000000"/>
                     </a:solidFill>
@@ -9231,7 +9247,7 @@
               </a:ln>
               <a:extLst>
                 <a:ext uri="{91240B29-F687-4f45-9708-019B960494DF}">
-                  <a14:hiddenLine xmlns:a14="http://schemas.microsoft.com/office/drawing/2010/main" w="9525">
+                  <a14:hiddenLine xmlns:a14="http://schemas.microsoft.com/office/drawing/2010/main" xmlns="" w="9525">
                     <a:solidFill>
                       <a:srgbClr val="000000"/>
                     </a:solidFill>
@@ -9293,7 +9309,7 @@
               </a:ln>
               <a:extLst>
                 <a:ext uri="{91240B29-F687-4f45-9708-019B960494DF}">
-                  <a14:hiddenLine xmlns:a14="http://schemas.microsoft.com/office/drawing/2010/main" w="9525">
+                  <a14:hiddenLine xmlns:a14="http://schemas.microsoft.com/office/drawing/2010/main" xmlns="" w="9525">
                     <a:solidFill>
                       <a:srgbClr val="000000"/>
                     </a:solidFill>
@@ -9383,7 +9399,7 @@
               </a:ln>
               <a:extLst>
                 <a:ext uri="{91240B29-F687-4f45-9708-019B960494DF}">
-                  <a14:hiddenLine xmlns:a14="http://schemas.microsoft.com/office/drawing/2010/main" w="9525">
+                  <a14:hiddenLine xmlns:a14="http://schemas.microsoft.com/office/drawing/2010/main" xmlns="" w="9525">
                     <a:solidFill>
                       <a:srgbClr val="000000"/>
                     </a:solidFill>
@@ -9445,7 +9461,7 @@
               </a:ln>
               <a:extLst>
                 <a:ext uri="{91240B29-F687-4f45-9708-019B960494DF}">
-                  <a14:hiddenLine xmlns:a14="http://schemas.microsoft.com/office/drawing/2010/main" w="9525">
+                  <a14:hiddenLine xmlns:a14="http://schemas.microsoft.com/office/drawing/2010/main" xmlns="" w="9525">
                     <a:solidFill>
                       <a:srgbClr val="000000"/>
                     </a:solidFill>
@@ -9507,7 +9523,7 @@
               </a:ln>
               <a:extLst>
                 <a:ext uri="{91240B29-F687-4f45-9708-019B960494DF}">
-                  <a14:hiddenLine xmlns:a14="http://schemas.microsoft.com/office/drawing/2010/main" w="9525">
+                  <a14:hiddenLine xmlns:a14="http://schemas.microsoft.com/office/drawing/2010/main" xmlns="" w="9525">
                     <a:solidFill>
                       <a:srgbClr val="000000"/>
                     </a:solidFill>
@@ -9597,7 +9613,7 @@
               </a:ln>
               <a:extLst>
                 <a:ext uri="{91240B29-F687-4f45-9708-019B960494DF}">
-                  <a14:hiddenLine xmlns:a14="http://schemas.microsoft.com/office/drawing/2010/main" w="9525">
+                  <a14:hiddenLine xmlns:a14="http://schemas.microsoft.com/office/drawing/2010/main" xmlns="" w="9525">
                     <a:solidFill>
                       <a:srgbClr val="000000"/>
                     </a:solidFill>
@@ -9687,7 +9703,7 @@
               </a:ln>
               <a:extLst>
                 <a:ext uri="{91240B29-F687-4f45-9708-019B960494DF}">
-                  <a14:hiddenLine xmlns:a14="http://schemas.microsoft.com/office/drawing/2010/main" w="9525">
+                  <a14:hiddenLine xmlns:a14="http://schemas.microsoft.com/office/drawing/2010/main" xmlns="" w="9525">
                     <a:solidFill>
                       <a:srgbClr val="000000"/>
                     </a:solidFill>
@@ -9749,7 +9765,7 @@
               </a:ln>
               <a:extLst>
                 <a:ext uri="{91240B29-F687-4f45-9708-019B960494DF}">
-                  <a14:hiddenLine xmlns:a14="http://schemas.microsoft.com/office/drawing/2010/main" w="9525">
+                  <a14:hiddenLine xmlns:a14="http://schemas.microsoft.com/office/drawing/2010/main" xmlns="" w="9525">
                     <a:solidFill>
                       <a:srgbClr val="000000"/>
                     </a:solidFill>
@@ -9859,7 +9875,7 @@
               </a:ln>
               <a:extLst>
                 <a:ext uri="{91240B29-F687-4f45-9708-019B960494DF}">
-                  <a14:hiddenLine xmlns:a14="http://schemas.microsoft.com/office/drawing/2010/main" w="9525">
+                  <a14:hiddenLine xmlns:a14="http://schemas.microsoft.com/office/drawing/2010/main" xmlns="" w="9525">
                     <a:solidFill>
                       <a:srgbClr val="000000"/>
                     </a:solidFill>
@@ -9943,7 +9959,7 @@
               </a:ln>
               <a:extLst>
                 <a:ext uri="{91240B29-F687-4f45-9708-019B960494DF}">
-                  <a14:hiddenLine xmlns:a14="http://schemas.microsoft.com/office/drawing/2010/main" w="9525">
+                  <a14:hiddenLine xmlns:a14="http://schemas.microsoft.com/office/drawing/2010/main" xmlns="" w="9525">
                     <a:solidFill>
                       <a:srgbClr val="000000"/>
                     </a:solidFill>
@@ -10005,7 +10021,7 @@
               </a:ln>
               <a:extLst>
                 <a:ext uri="{91240B29-F687-4f45-9708-019B960494DF}">
-                  <a14:hiddenLine xmlns:a14="http://schemas.microsoft.com/office/drawing/2010/main" w="9525">
+                  <a14:hiddenLine xmlns:a14="http://schemas.microsoft.com/office/drawing/2010/main" xmlns="" w="9525">
                     <a:solidFill>
                       <a:srgbClr val="000000"/>
                     </a:solidFill>
@@ -10067,7 +10083,7 @@
               </a:ln>
               <a:extLst>
                 <a:ext uri="{91240B29-F687-4f45-9708-019B960494DF}">
-                  <a14:hiddenLine xmlns:a14="http://schemas.microsoft.com/office/drawing/2010/main" w="9525">
+                  <a14:hiddenLine xmlns:a14="http://schemas.microsoft.com/office/drawing/2010/main" xmlns="" w="9525">
                     <a:solidFill>
                       <a:srgbClr val="000000"/>
                     </a:solidFill>
@@ -10157,7 +10173,7 @@
               </a:ln>
               <a:extLst>
                 <a:ext uri="{91240B29-F687-4f45-9708-019B960494DF}">
-                  <a14:hiddenLine xmlns:a14="http://schemas.microsoft.com/office/drawing/2010/main" w="9525">
+                  <a14:hiddenLine xmlns:a14="http://schemas.microsoft.com/office/drawing/2010/main" xmlns="" w="9525">
                     <a:solidFill>
                       <a:srgbClr val="000000"/>
                     </a:solidFill>
@@ -10191,7 +10207,7 @@
               </a:ln>
               <a:extLst>
                 <a:ext uri="{91240B29-F687-4f45-9708-019B960494DF}">
-                  <a14:hiddenLine xmlns:a14="http://schemas.microsoft.com/office/drawing/2010/main" w="9525">
+                  <a14:hiddenLine xmlns:a14="http://schemas.microsoft.com/office/drawing/2010/main" xmlns="" w="9525">
                     <a:solidFill>
                       <a:srgbClr val="000000"/>
                     </a:solidFill>
@@ -10256,7 +10272,7 @@
               </a:ln>
               <a:extLst>
                 <a:ext uri="{91240B29-F687-4f45-9708-019B960494DF}">
-                  <a14:hiddenLine xmlns:a14="http://schemas.microsoft.com/office/drawing/2010/main" w="9525">
+                  <a14:hiddenLine xmlns:a14="http://schemas.microsoft.com/office/drawing/2010/main" xmlns="" w="9525">
                     <a:solidFill>
                       <a:srgbClr val="000000"/>
                     </a:solidFill>
@@ -10346,7 +10362,7 @@
               </a:ln>
               <a:extLst>
                 <a:ext uri="{91240B29-F687-4f45-9708-019B960494DF}">
-                  <a14:hiddenLine xmlns:a14="http://schemas.microsoft.com/office/drawing/2010/main" w="9525">
+                  <a14:hiddenLine xmlns:a14="http://schemas.microsoft.com/office/drawing/2010/main" xmlns="" w="9525">
                     <a:solidFill>
                       <a:srgbClr val="000000"/>
                     </a:solidFill>
@@ -10408,7 +10424,7 @@
               </a:ln>
               <a:extLst>
                 <a:ext uri="{91240B29-F687-4f45-9708-019B960494DF}">
-                  <a14:hiddenLine xmlns:a14="http://schemas.microsoft.com/office/drawing/2010/main" w="9525">
+                  <a14:hiddenLine xmlns:a14="http://schemas.microsoft.com/office/drawing/2010/main" xmlns="" w="9525">
                     <a:solidFill>
                       <a:srgbClr val="000000"/>
                     </a:solidFill>
@@ -10498,7 +10514,7 @@
               </a:ln>
               <a:extLst>
                 <a:ext uri="{91240B29-F687-4f45-9708-019B960494DF}">
-                  <a14:hiddenLine xmlns:a14="http://schemas.microsoft.com/office/drawing/2010/main" w="9525">
+                  <a14:hiddenLine xmlns:a14="http://schemas.microsoft.com/office/drawing/2010/main" xmlns="" w="9525">
                     <a:solidFill>
                       <a:srgbClr val="000000"/>
                     </a:solidFill>
@@ -10563,7 +10579,7 @@
               </a:ln>
               <a:extLst>
                 <a:ext uri="{91240B29-F687-4f45-9708-019B960494DF}">
-                  <a14:hiddenLine xmlns:a14="http://schemas.microsoft.com/office/drawing/2010/main" w="9525">
+                  <a14:hiddenLine xmlns:a14="http://schemas.microsoft.com/office/drawing/2010/main" xmlns="" w="9525">
                     <a:solidFill>
                       <a:srgbClr val="000000"/>
                     </a:solidFill>
@@ -10625,7 +10641,7 @@
               </a:ln>
               <a:extLst>
                 <a:ext uri="{91240B29-F687-4f45-9708-019B960494DF}">
-                  <a14:hiddenLine xmlns:a14="http://schemas.microsoft.com/office/drawing/2010/main" w="9525">
+                  <a14:hiddenLine xmlns:a14="http://schemas.microsoft.com/office/drawing/2010/main" xmlns="" w="9525">
                     <a:solidFill>
                       <a:srgbClr val="000000"/>
                     </a:solidFill>
@@ -10715,7 +10731,7 @@
               </a:ln>
               <a:extLst>
                 <a:ext uri="{91240B29-F687-4f45-9708-019B960494DF}">
-                  <a14:hiddenLine xmlns:a14="http://schemas.microsoft.com/office/drawing/2010/main" w="9525">
+                  <a14:hiddenLine xmlns:a14="http://schemas.microsoft.com/office/drawing/2010/main" xmlns="" w="9525">
                     <a:solidFill>
                       <a:srgbClr val="000000"/>
                     </a:solidFill>
@@ -10805,7 +10821,7 @@
               </a:ln>
               <a:extLst>
                 <a:ext uri="{91240B29-F687-4f45-9708-019B960494DF}">
-                  <a14:hiddenLine xmlns:a14="http://schemas.microsoft.com/office/drawing/2010/main" w="9525">
+                  <a14:hiddenLine xmlns:a14="http://schemas.microsoft.com/office/drawing/2010/main" xmlns="" w="9525">
                     <a:solidFill>
                       <a:srgbClr val="000000"/>
                     </a:solidFill>
@@ -10870,7 +10886,7 @@
               </a:ln>
               <a:extLst>
                 <a:ext uri="{91240B29-F687-4f45-9708-019B960494DF}">
-                  <a14:hiddenLine xmlns:a14="http://schemas.microsoft.com/office/drawing/2010/main" w="9525">
+                  <a14:hiddenLine xmlns:a14="http://schemas.microsoft.com/office/drawing/2010/main" xmlns="" w="9525">
                     <a:solidFill>
                       <a:srgbClr val="000000"/>
                     </a:solidFill>
@@ -10990,7 +11006,7 @@
               </a:ln>
               <a:extLst>
                 <a:ext uri="{91240B29-F687-4f45-9708-019B960494DF}">
-                  <a14:hiddenLine xmlns:a14="http://schemas.microsoft.com/office/drawing/2010/main" w="9525">
+                  <a14:hiddenLine xmlns:a14="http://schemas.microsoft.com/office/drawing/2010/main" xmlns="" w="9525">
                     <a:solidFill>
                       <a:srgbClr val="000000"/>
                     </a:solidFill>
@@ -11088,7 +11104,7 @@
               </a:ln>
               <a:extLst>
                 <a:ext uri="{91240B29-F687-4f45-9708-019B960494DF}">
-                  <a14:hiddenLine xmlns:a14="http://schemas.microsoft.com/office/drawing/2010/main" w="9525">
+                  <a14:hiddenLine xmlns:a14="http://schemas.microsoft.com/office/drawing/2010/main" xmlns="" w="9525">
                     <a:solidFill>
                       <a:srgbClr val="000000"/>
                     </a:solidFill>
@@ -11203,7 +11219,7 @@
               </a:ln>
               <a:extLst>
                 <a:ext uri="{91240B29-F687-4f45-9708-019B960494DF}">
-                  <a14:hiddenLine xmlns:a14="http://schemas.microsoft.com/office/drawing/2010/main" w="9525">
+                  <a14:hiddenLine xmlns:a14="http://schemas.microsoft.com/office/drawing/2010/main" xmlns="" w="9525">
                     <a:solidFill>
                       <a:srgbClr val="000000"/>
                     </a:solidFill>
@@ -11293,7 +11309,7 @@
               </a:ln>
               <a:extLst>
                 <a:ext uri="{91240B29-F687-4f45-9708-019B960494DF}">
-                  <a14:hiddenLine xmlns:a14="http://schemas.microsoft.com/office/drawing/2010/main" w="9525">
+                  <a14:hiddenLine xmlns:a14="http://schemas.microsoft.com/office/drawing/2010/main" xmlns="" w="9525">
                     <a:solidFill>
                       <a:srgbClr val="000000"/>
                     </a:solidFill>
@@ -11358,7 +11374,7 @@
               </a:ln>
               <a:extLst>
                 <a:ext uri="{91240B29-F687-4f45-9708-019B960494DF}">
-                  <a14:hiddenLine xmlns:a14="http://schemas.microsoft.com/office/drawing/2010/main" w="9525">
+                  <a14:hiddenLine xmlns:a14="http://schemas.microsoft.com/office/drawing/2010/main" xmlns="" w="9525">
                     <a:solidFill>
                       <a:srgbClr val="000000"/>
                     </a:solidFill>
@@ -11448,7 +11464,7 @@
               </a:ln>
               <a:extLst>
                 <a:ext uri="{91240B29-F687-4f45-9708-019B960494DF}">
-                  <a14:hiddenLine xmlns:a14="http://schemas.microsoft.com/office/drawing/2010/main" w="9525">
+                  <a14:hiddenLine xmlns:a14="http://schemas.microsoft.com/office/drawing/2010/main" xmlns="" w="9525">
                     <a:solidFill>
                       <a:srgbClr val="000000"/>
                     </a:solidFill>
@@ -11516,7 +11532,7 @@
               </a:ln>
               <a:extLst>
                 <a:ext uri="{91240B29-F687-4f45-9708-019B960494DF}">
-                  <a14:hiddenLine xmlns:a14="http://schemas.microsoft.com/office/drawing/2010/main" w="9525">
+                  <a14:hiddenLine xmlns:a14="http://schemas.microsoft.com/office/drawing/2010/main" xmlns="" w="9525">
                     <a:solidFill>
                       <a:srgbClr val="000000"/>
                     </a:solidFill>
@@ -11606,7 +11622,7 @@
               </a:ln>
               <a:extLst>
                 <a:ext uri="{91240B29-F687-4f45-9708-019B960494DF}">
-                  <a14:hiddenLine xmlns:a14="http://schemas.microsoft.com/office/drawing/2010/main" w="9525">
+                  <a14:hiddenLine xmlns:a14="http://schemas.microsoft.com/office/drawing/2010/main" xmlns="" w="9525">
                     <a:solidFill>
                       <a:srgbClr val="000000"/>
                     </a:solidFill>
@@ -11674,7 +11690,7 @@
               </a:ln>
               <a:extLst>
                 <a:ext uri="{91240B29-F687-4f45-9708-019B960494DF}">
-                  <a14:hiddenLine xmlns:a14="http://schemas.microsoft.com/office/drawing/2010/main" w="9525">
+                  <a14:hiddenLine xmlns:a14="http://schemas.microsoft.com/office/drawing/2010/main" xmlns="" w="9525">
                     <a:solidFill>
                       <a:srgbClr val="000000"/>
                     </a:solidFill>
@@ -11764,7 +11780,7 @@
               </a:ln>
               <a:extLst>
                 <a:ext uri="{91240B29-F687-4f45-9708-019B960494DF}">
-                  <a14:hiddenLine xmlns:a14="http://schemas.microsoft.com/office/drawing/2010/main" w="9525">
+                  <a14:hiddenLine xmlns:a14="http://schemas.microsoft.com/office/drawing/2010/main" xmlns="" w="9525">
                     <a:solidFill>
                       <a:srgbClr val="000000"/>
                     </a:solidFill>
@@ -11798,7 +11814,7 @@
               </a:ln>
               <a:extLst>
                 <a:ext uri="{91240B29-F687-4f45-9708-019B960494DF}">
-                  <a14:hiddenLine xmlns:a14="http://schemas.microsoft.com/office/drawing/2010/main" w="9525">
+                  <a14:hiddenLine xmlns:a14="http://schemas.microsoft.com/office/drawing/2010/main" xmlns="" w="9525">
                     <a:solidFill>
                       <a:srgbClr val="000000"/>
                     </a:solidFill>
@@ -11939,7 +11955,7 @@
             <a:fld id="{48A87A34-81AB-432B-8DAE-1953F412C126}" type="datetimeFigureOut">
               <a:rPr lang="en-US" dirty="0"/>
               <a:pPr/>
-              <a:t>14.06.16</a:t>
+              <a:t>6/14/16</a:t>
             </a:fld>
             <a:endParaRPr lang="en-US" dirty="0"/>
           </a:p>
@@ -12018,7 +12034,7 @@
             <a:fld id="{6D22F896-40B5-4ADD-8801-0D06FADFA095}" type="slidenum">
               <a:rPr lang="en-US" dirty="0"/>
               <a:pPr/>
-              <a:t>‹Nr.›</a:t>
+              <a:t>‹#›</a:t>
             </a:fld>
             <a:endParaRPr lang="en-US" dirty="0"/>
           </a:p>
@@ -12431,7 +12447,7 @@
   <p:timing>
     <p:tnLst>
       <p:par>
-        <p:cTn xmlns:p14="http://schemas.microsoft.com/office/powerpoint/2010/main" id="1" dur="indefinite" restart="never" nodeType="tmRoot"/>
+        <p:cTn id="1" dur="indefinite" restart="never" nodeType="tmRoot"/>
       </p:par>
     </p:tnLst>
   </p:timing>
@@ -12781,7 +12797,6 @@
               <a:rPr lang="en-US" sz="3200" dirty="0" smtClean="0"/>
               <a:t>Hard to manage a team of 6 people</a:t>
             </a:r>
-            <a:endParaRPr lang="en-US" sz="3200" dirty="0" smtClean="0"/>
           </a:p>
           <a:p>
             <a:endParaRPr lang="en-US" sz="3200" dirty="0" smtClean="0"/>
@@ -12804,7 +12819,7 @@
   <p:timing>
     <p:tnLst>
       <p:par>
-        <p:cTn xmlns:p14="http://schemas.microsoft.com/office/powerpoint/2010/main" id="1" dur="indefinite" restart="never" nodeType="tmRoot"/>
+        <p:cTn id="1" dur="indefinite" restart="never" nodeType="tmRoot"/>
       </p:par>
     </p:tnLst>
   </p:timing>
@@ -12945,7 +12960,7 @@
   <p:timing>
     <p:tnLst>
       <p:par>
-        <p:cTn xmlns:p14="http://schemas.microsoft.com/office/powerpoint/2010/main" id="1" dur="indefinite" restart="never" nodeType="tmRoot"/>
+        <p:cTn id="1" dur="indefinite" restart="never" nodeType="tmRoot"/>
       </p:par>
     </p:tnLst>
   </p:timing>
@@ -13036,7 +13051,7 @@
   <p:timing>
     <p:tnLst>
       <p:par>
-        <p:cTn xmlns:p14="http://schemas.microsoft.com/office/powerpoint/2010/main" id="1" dur="indefinite" restart="never" nodeType="tmRoot"/>
+        <p:cTn id="1" dur="indefinite" restart="never" nodeType="tmRoot"/>
       </p:par>
     </p:tnLst>
   </p:timing>
@@ -13128,7 +13143,7 @@
   <p:timing>
     <p:tnLst>
       <p:par>
-        <p:cTn xmlns:p14="http://schemas.microsoft.com/office/powerpoint/2010/main" id="1" dur="indefinite" restart="never" nodeType="tmRoot"/>
+        <p:cTn id="1" dur="indefinite" restart="never" nodeType="tmRoot"/>
       </p:par>
     </p:tnLst>
   </p:timing>
@@ -13267,7 +13282,7 @@
   <p:timing>
     <p:tnLst>
       <p:par>
-        <p:cTn xmlns:p14="http://schemas.microsoft.com/office/powerpoint/2010/main" id="1" dur="indefinite" restart="never" nodeType="tmRoot"/>
+        <p:cTn id="1" dur="indefinite" restart="never" nodeType="tmRoot"/>
       </p:par>
     </p:tnLst>
   </p:timing>
@@ -13398,7 +13413,7 @@
   <p:timing>
     <p:tnLst>
       <p:par>
-        <p:cTn xmlns:p14="http://schemas.microsoft.com/office/powerpoint/2010/main" id="1" dur="indefinite" restart="never" nodeType="tmRoot"/>
+        <p:cTn id="1" dur="indefinite" restart="never" nodeType="tmRoot"/>
       </p:par>
     </p:tnLst>
   </p:timing>
@@ -13533,7 +13548,7 @@
   <p:timing>
     <p:tnLst>
       <p:par>
-        <p:cTn xmlns:p14="http://schemas.microsoft.com/office/powerpoint/2010/main" id="1" dur="indefinite" restart="never" nodeType="tmRoot"/>
+        <p:cTn id="1" dur="indefinite" restart="never" nodeType="tmRoot"/>
       </p:par>
     </p:tnLst>
   </p:timing>
@@ -13632,8 +13647,21 @@
           <a:p>
             <a:r>
               <a:rPr lang="de-DE" dirty="0" smtClean="0"/>
-              <a:t>...</a:t>
-            </a:r>
+              <a:t>Drugs, </a:t>
+            </a:r>
+            <a:r>
+              <a:rPr lang="de-DE" dirty="0" err="1" smtClean="0"/>
+              <a:t>DrugOrder</a:t>
+            </a:r>
+            <a:r>
+              <a:rPr lang="de-DE" dirty="0" smtClean="0"/>
+              <a:t> (Model, View, Entity), </a:t>
+            </a:r>
+            <a:r>
+              <a:rPr lang="de-DE" dirty="0" err="1" smtClean="0"/>
+              <a:t>DrugCart</a:t>
+            </a:r>
+            <a:endParaRPr lang="de-DE" dirty="0" smtClean="0"/>
           </a:p>
           <a:p>
             <a:endParaRPr lang="de-DE" dirty="0"/>
@@ -13649,9 +13677,108 @@
           </a:p>
           <a:p>
             <a:r>
+              <a:rPr lang="de-DE" dirty="0" err="1" smtClean="0"/>
+              <a:t>How</a:t>
+            </a:r>
+            <a:r>
+              <a:rPr lang="de-DE" dirty="0" smtClean="0"/>
+              <a:t> </a:t>
+            </a:r>
+            <a:r>
+              <a:rPr lang="de-DE" dirty="0" err="1" smtClean="0"/>
+              <a:t>you</a:t>
+            </a:r>
+            <a:r>
+              <a:rPr lang="de-DE" dirty="0" smtClean="0"/>
+              <a:t> (</a:t>
+            </a:r>
+            <a:r>
+              <a:rPr lang="de-DE" dirty="0" err="1" smtClean="0"/>
+              <a:t>should</a:t>
+            </a:r>
+            <a:r>
+              <a:rPr lang="de-DE" dirty="0" smtClean="0"/>
+              <a:t>) </a:t>
+            </a:r>
+            <a:r>
+              <a:rPr lang="de-DE" dirty="0" err="1" smtClean="0"/>
+              <a:t>use</a:t>
+            </a:r>
+            <a:r>
+              <a:rPr lang="de-DE" dirty="0" smtClean="0"/>
+              <a:t> </a:t>
+            </a:r>
+            <a:r>
+              <a:rPr lang="de-DE" dirty="0" err="1" smtClean="0"/>
+              <a:t>Git</a:t>
+            </a:r>
+            <a:endParaRPr lang="de-DE" dirty="0" smtClean="0"/>
+          </a:p>
+          <a:p>
+            <a:r>
+              <a:rPr lang="de-DE" dirty="0" err="1" smtClean="0"/>
+              <a:t>How</a:t>
+            </a:r>
+            <a:r>
+              <a:rPr lang="de-DE" dirty="0" smtClean="0"/>
+              <a:t> Java </a:t>
+            </a:r>
+            <a:r>
+              <a:rPr lang="de-DE" dirty="0" err="1" smtClean="0"/>
+              <a:t>Persistence</a:t>
+            </a:r>
+            <a:r>
+              <a:rPr lang="de-DE" dirty="0" smtClean="0"/>
+              <a:t> API </a:t>
+            </a:r>
+            <a:r>
+              <a:rPr lang="de-DE" dirty="0" err="1" smtClean="0"/>
+              <a:t>works</a:t>
+            </a:r>
+            <a:endParaRPr lang="de-DE" dirty="0" smtClean="0"/>
+          </a:p>
+          <a:p>
+            <a:r>
               <a:rPr lang="de-DE" dirty="0" smtClean="0"/>
               <a:t>...</a:t>
             </a:r>
+            <a:r>
+              <a:rPr lang="de-DE" dirty="0" err="1" smtClean="0"/>
+              <a:t>never</a:t>
+            </a:r>
+            <a:r>
+              <a:rPr lang="de-DE" dirty="0" smtClean="0"/>
+              <a:t> </a:t>
+            </a:r>
+            <a:r>
+              <a:rPr lang="de-DE" dirty="0" err="1" smtClean="0"/>
+              <a:t>to</a:t>
+            </a:r>
+            <a:r>
+              <a:rPr lang="de-DE" dirty="0" smtClean="0"/>
+              <a:t> </a:t>
+            </a:r>
+            <a:r>
+              <a:rPr lang="de-DE" dirty="0" err="1" smtClean="0"/>
+              <a:t>use</a:t>
+            </a:r>
+            <a:r>
+              <a:rPr lang="de-DE" dirty="0" smtClean="0"/>
+              <a:t> </a:t>
+            </a:r>
+            <a:r>
+              <a:rPr lang="de-DE" dirty="0" err="1" smtClean="0"/>
+              <a:t>Vaadin</a:t>
+            </a:r>
+            <a:r>
+              <a:rPr lang="de-DE" dirty="0" smtClean="0"/>
+              <a:t> </a:t>
+            </a:r>
+            <a:r>
+              <a:rPr lang="de-DE" dirty="0" err="1" smtClean="0"/>
+              <a:t>again</a:t>
+            </a:r>
+            <a:endParaRPr lang="de-DE" dirty="0" smtClean="0"/>
           </a:p>
         </p:txBody>
       </p:sp>
@@ -13668,7 +13795,7 @@
   <p:timing>
     <p:tnLst>
       <p:par>
-        <p:cTn xmlns:p14="http://schemas.microsoft.com/office/powerpoint/2010/main" id="1" dur="indefinite" restart="never" nodeType="tmRoot"/>
+        <p:cTn id="1" dur="indefinite" restart="never" nodeType="tmRoot"/>
       </p:par>
     </p:tnLst>
   </p:timing>
@@ -13734,7 +13861,6 @@
               <a:rPr lang="en-US" dirty="0"/>
               <a:t>Sutter</a:t>
             </a:r>
-            <a:endParaRPr lang="en-US" dirty="0"/>
           </a:p>
         </p:txBody>
       </p:sp>
@@ -13807,7 +13933,7 @@
   <p:timing>
     <p:tnLst>
       <p:par>
-        <p:cTn xmlns:p14="http://schemas.microsoft.com/office/powerpoint/2010/main" id="1" dur="indefinite" restart="never" nodeType="tmRoot"/>
+        <p:cTn id="1" dur="indefinite" restart="never" nodeType="tmRoot"/>
       </p:par>
     </p:tnLst>
   </p:timing>
@@ -14022,7 +14148,7 @@
   <p:timing>
     <p:tnLst>
       <p:par>
-        <p:cTn xmlns:p14="http://schemas.microsoft.com/office/powerpoint/2010/main" id="1" dur="indefinite" restart="never" nodeType="tmRoot"/>
+        <p:cTn id="1" dur="indefinite" restart="never" nodeType="tmRoot"/>
       </p:par>
     </p:tnLst>
   </p:timing>
@@ -14572,7 +14698,7 @@
   <a:extraClrSchemeLst/>
   <a:extLst>
     <a:ext uri="{05A4C25C-085E-4340-85A3-A5531E510DB2}">
-      <thm15:themeFamily xmlns:thm15="http://schemas.microsoft.com/office/thememl/2012/main" xmlns="" name="Circuit" id="{0AC2F7E7-15F5-431C-B2A2-456FE929F56C}" vid="{0911B802-464C-4241-8DD9-B60FF88E379F}"/>
+      <thm15:themeFamily xmlns:thm15="http://schemas.microsoft.com/office/thememl/2012/main" name="Circuit" id="{0AC2F7E7-15F5-431C-B2A2-456FE929F56C}" vid="{0911B802-464C-4241-8DD9-B60FF88E379F}"/>
     </a:ext>
   </a:extLst>
 </a:theme>

--- a/doc/task14/final_presentation.pptx
+++ b/doc/task14/final_presentation.pptx
@@ -15,9 +15,8 @@
     <p:sldId id="266" r:id="rId9"/>
     <p:sldId id="262" r:id="rId10"/>
     <p:sldId id="263" r:id="rId11"/>
-    <p:sldId id="261" r:id="rId12"/>
-    <p:sldId id="264" r:id="rId13"/>
-    <p:sldId id="265" r:id="rId14"/>
+    <p:sldId id="264" r:id="rId12"/>
+    <p:sldId id="265" r:id="rId13"/>
   </p:sldIdLst>
   <p:sldSz cx="12192000" cy="6858000"/>
   <p:notesSz cx="6858000" cy="9144000"/>
@@ -185,7 +184,7 @@
           <a:noFill/>
           <a:extLst>
             <a:ext uri="{909E8E84-426E-40dd-AFC4-6F175D3DCCD1}">
-              <a14:hiddenFill xmlns:a14="http://schemas.microsoft.com/office/drawing/2010/main" xmlns="">
+              <a14:hiddenFill xmlns="" xmlns:a14="http://schemas.microsoft.com/office/drawing/2010/main">
                 <a:solidFill>
                   <a:srgbClr val="FFFFFF"/>
                 </a:solidFill>
@@ -245,7 +244,7 @@
             </a:ln>
             <a:extLst>
               <a:ext uri="{91240B29-F687-4f45-9708-019B960494DF}">
-                <a14:hiddenLine xmlns:a14="http://schemas.microsoft.com/office/drawing/2010/main" xmlns="" w="9525">
+                <a14:hiddenLine xmlns="" xmlns:a14="http://schemas.microsoft.com/office/drawing/2010/main" w="9525">
                   <a:solidFill>
                     <a:srgbClr val="000000"/>
                   </a:solidFill>
@@ -335,7 +334,7 @@
             </a:ln>
             <a:extLst>
               <a:ext uri="{91240B29-F687-4f45-9708-019B960494DF}">
-                <a14:hiddenLine xmlns:a14="http://schemas.microsoft.com/office/drawing/2010/main" xmlns="" w="9525">
+                <a14:hiddenLine xmlns="" xmlns:a14="http://schemas.microsoft.com/office/drawing/2010/main" w="9525">
                   <a:solidFill>
                     <a:srgbClr val="000000"/>
                   </a:solidFill>
@@ -425,7 +424,7 @@
             </a:ln>
             <a:extLst>
               <a:ext uri="{91240B29-F687-4f45-9708-019B960494DF}">
-                <a14:hiddenLine xmlns:a14="http://schemas.microsoft.com/office/drawing/2010/main" xmlns="" w="9525">
+                <a14:hiddenLine xmlns="" xmlns:a14="http://schemas.microsoft.com/office/drawing/2010/main" w="9525">
                   <a:solidFill>
                     <a:srgbClr val="000000"/>
                   </a:solidFill>
@@ -459,7 +458,7 @@
             </a:ln>
             <a:extLst>
               <a:ext uri="{91240B29-F687-4f45-9708-019B960494DF}">
-                <a14:hiddenLine xmlns:a14="http://schemas.microsoft.com/office/drawing/2010/main" xmlns="" w="9525">
+                <a14:hiddenLine xmlns="" xmlns:a14="http://schemas.microsoft.com/office/drawing/2010/main" w="9525">
                   <a:solidFill>
                     <a:srgbClr val="000000"/>
                   </a:solidFill>
@@ -549,7 +548,7 @@
             </a:ln>
             <a:extLst>
               <a:ext uri="{91240B29-F687-4f45-9708-019B960494DF}">
-                <a14:hiddenLine xmlns:a14="http://schemas.microsoft.com/office/drawing/2010/main" xmlns="" w="9525">
+                <a14:hiddenLine xmlns="" xmlns:a14="http://schemas.microsoft.com/office/drawing/2010/main" w="9525">
                   <a:solidFill>
                     <a:srgbClr val="000000"/>
                   </a:solidFill>
@@ -611,7 +610,7 @@
             </a:ln>
             <a:extLst>
               <a:ext uri="{91240B29-F687-4f45-9708-019B960494DF}">
-                <a14:hiddenLine xmlns:a14="http://schemas.microsoft.com/office/drawing/2010/main" xmlns="" w="9525">
+                <a14:hiddenLine xmlns="" xmlns:a14="http://schemas.microsoft.com/office/drawing/2010/main" w="9525">
                   <a:solidFill>
                     <a:srgbClr val="000000"/>
                   </a:solidFill>
@@ -673,7 +672,7 @@
             </a:ln>
             <a:extLst>
               <a:ext uri="{91240B29-F687-4f45-9708-019B960494DF}">
-                <a14:hiddenLine xmlns:a14="http://schemas.microsoft.com/office/drawing/2010/main" xmlns="" w="9525">
+                <a14:hiddenLine xmlns="" xmlns:a14="http://schemas.microsoft.com/office/drawing/2010/main" w="9525">
                   <a:solidFill>
                     <a:srgbClr val="000000"/>
                   </a:solidFill>
@@ -763,7 +762,7 @@
             </a:ln>
             <a:extLst>
               <a:ext uri="{91240B29-F687-4f45-9708-019B960494DF}">
-                <a14:hiddenLine xmlns:a14="http://schemas.microsoft.com/office/drawing/2010/main" xmlns="" w="9525">
+                <a14:hiddenLine xmlns="" xmlns:a14="http://schemas.microsoft.com/office/drawing/2010/main" w="9525">
                   <a:solidFill>
                     <a:srgbClr val="000000"/>
                   </a:solidFill>
@@ -825,7 +824,7 @@
             </a:ln>
             <a:extLst>
               <a:ext uri="{91240B29-F687-4f45-9708-019B960494DF}">
-                <a14:hiddenLine xmlns:a14="http://schemas.microsoft.com/office/drawing/2010/main" xmlns="" w="9525">
+                <a14:hiddenLine xmlns="" xmlns:a14="http://schemas.microsoft.com/office/drawing/2010/main" w="9525">
                   <a:solidFill>
                     <a:srgbClr val="000000"/>
                   </a:solidFill>
@@ -887,7 +886,7 @@
             </a:ln>
             <a:extLst>
               <a:ext uri="{91240B29-F687-4f45-9708-019B960494DF}">
-                <a14:hiddenLine xmlns:a14="http://schemas.microsoft.com/office/drawing/2010/main" xmlns="" w="9525">
+                <a14:hiddenLine xmlns="" xmlns:a14="http://schemas.microsoft.com/office/drawing/2010/main" w="9525">
                   <a:solidFill>
                     <a:srgbClr val="000000"/>
                   </a:solidFill>
@@ -977,7 +976,7 @@
             </a:ln>
             <a:extLst>
               <a:ext uri="{91240B29-F687-4f45-9708-019B960494DF}">
-                <a14:hiddenLine xmlns:a14="http://schemas.microsoft.com/office/drawing/2010/main" xmlns="" w="9525">
+                <a14:hiddenLine xmlns="" xmlns:a14="http://schemas.microsoft.com/office/drawing/2010/main" w="9525">
                   <a:solidFill>
                     <a:srgbClr val="000000"/>
                   </a:solidFill>
@@ -1067,7 +1066,7 @@
             </a:ln>
             <a:extLst>
               <a:ext uri="{91240B29-F687-4f45-9708-019B960494DF}">
-                <a14:hiddenLine xmlns:a14="http://schemas.microsoft.com/office/drawing/2010/main" xmlns="" w="9525">
+                <a14:hiddenLine xmlns="" xmlns:a14="http://schemas.microsoft.com/office/drawing/2010/main" w="9525">
                   <a:solidFill>
                     <a:srgbClr val="000000"/>
                   </a:solidFill>
@@ -1129,7 +1128,7 @@
             </a:ln>
             <a:extLst>
               <a:ext uri="{91240B29-F687-4f45-9708-019B960494DF}">
-                <a14:hiddenLine xmlns:a14="http://schemas.microsoft.com/office/drawing/2010/main" xmlns="" w="9525">
+                <a14:hiddenLine xmlns="" xmlns:a14="http://schemas.microsoft.com/office/drawing/2010/main" w="9525">
                   <a:solidFill>
                     <a:srgbClr val="000000"/>
                   </a:solidFill>
@@ -1239,7 +1238,7 @@
             </a:ln>
             <a:extLst>
               <a:ext uri="{91240B29-F687-4f45-9708-019B960494DF}">
-                <a14:hiddenLine xmlns:a14="http://schemas.microsoft.com/office/drawing/2010/main" xmlns="" w="9525">
+                <a14:hiddenLine xmlns="" xmlns:a14="http://schemas.microsoft.com/office/drawing/2010/main" w="9525">
                   <a:solidFill>
                     <a:srgbClr val="000000"/>
                   </a:solidFill>
@@ -1301,7 +1300,7 @@
             </a:ln>
             <a:extLst>
               <a:ext uri="{91240B29-F687-4f45-9708-019B960494DF}">
-                <a14:hiddenLine xmlns:a14="http://schemas.microsoft.com/office/drawing/2010/main" xmlns="" w="9525">
+                <a14:hiddenLine xmlns="" xmlns:a14="http://schemas.microsoft.com/office/drawing/2010/main" w="9525">
                   <a:solidFill>
                     <a:srgbClr val="000000"/>
                   </a:solidFill>
@@ -1391,7 +1390,7 @@
             </a:ln>
             <a:extLst>
               <a:ext uri="{91240B29-F687-4f45-9708-019B960494DF}">
-                <a14:hiddenLine xmlns:a14="http://schemas.microsoft.com/office/drawing/2010/main" xmlns="" w="9525">
+                <a14:hiddenLine xmlns="" xmlns:a14="http://schemas.microsoft.com/office/drawing/2010/main" w="9525">
                   <a:solidFill>
                     <a:srgbClr val="000000"/>
                   </a:solidFill>
@@ -1481,7 +1480,7 @@
             </a:ln>
             <a:extLst>
               <a:ext uri="{91240B29-F687-4f45-9708-019B960494DF}">
-                <a14:hiddenLine xmlns:a14="http://schemas.microsoft.com/office/drawing/2010/main" xmlns="" w="9525">
+                <a14:hiddenLine xmlns="" xmlns:a14="http://schemas.microsoft.com/office/drawing/2010/main" w="9525">
                   <a:solidFill>
                     <a:srgbClr val="000000"/>
                   </a:solidFill>
@@ -1543,7 +1542,7 @@
             </a:ln>
             <a:extLst>
               <a:ext uri="{91240B29-F687-4f45-9708-019B960494DF}">
-                <a14:hiddenLine xmlns:a14="http://schemas.microsoft.com/office/drawing/2010/main" xmlns="" w="9525">
+                <a14:hiddenLine xmlns="" xmlns:a14="http://schemas.microsoft.com/office/drawing/2010/main" w="9525">
                   <a:solidFill>
                     <a:srgbClr val="000000"/>
                   </a:solidFill>
@@ -1633,7 +1632,7 @@
             </a:ln>
             <a:extLst>
               <a:ext uri="{91240B29-F687-4f45-9708-019B960494DF}">
-                <a14:hiddenLine xmlns:a14="http://schemas.microsoft.com/office/drawing/2010/main" xmlns="" w="9525">
+                <a14:hiddenLine xmlns="" xmlns:a14="http://schemas.microsoft.com/office/drawing/2010/main" w="9525">
                   <a:solidFill>
                     <a:srgbClr val="000000"/>
                   </a:solidFill>
@@ -1723,7 +1722,7 @@
             </a:ln>
             <a:extLst>
               <a:ext uri="{91240B29-F687-4f45-9708-019B960494DF}">
-                <a14:hiddenLine xmlns:a14="http://schemas.microsoft.com/office/drawing/2010/main" xmlns="" w="9525">
+                <a14:hiddenLine xmlns="" xmlns:a14="http://schemas.microsoft.com/office/drawing/2010/main" w="9525">
                   <a:solidFill>
                     <a:srgbClr val="000000"/>
                   </a:solidFill>
@@ -1779,7 +1778,7 @@
             </a:ln>
             <a:extLst>
               <a:ext uri="{91240B29-F687-4f45-9708-019B960494DF}">
-                <a14:hiddenLine xmlns:a14="http://schemas.microsoft.com/office/drawing/2010/main" xmlns="" w="9525">
+                <a14:hiddenLine xmlns="" xmlns:a14="http://schemas.microsoft.com/office/drawing/2010/main" w="9525">
                   <a:solidFill>
                     <a:srgbClr val="000000"/>
                   </a:solidFill>
@@ -1869,7 +1868,7 @@
             </a:ln>
             <a:extLst>
               <a:ext uri="{91240B29-F687-4f45-9708-019B960494DF}">
-                <a14:hiddenLine xmlns:a14="http://schemas.microsoft.com/office/drawing/2010/main" xmlns="" w="9525">
+                <a14:hiddenLine xmlns="" xmlns:a14="http://schemas.microsoft.com/office/drawing/2010/main" w="9525">
                   <a:solidFill>
                     <a:srgbClr val="000000"/>
                   </a:solidFill>
@@ -1925,7 +1924,7 @@
             </a:ln>
             <a:extLst>
               <a:ext uri="{91240B29-F687-4f45-9708-019B960494DF}">
-                <a14:hiddenLine xmlns:a14="http://schemas.microsoft.com/office/drawing/2010/main" xmlns="" w="9525">
+                <a14:hiddenLine xmlns="" xmlns:a14="http://schemas.microsoft.com/office/drawing/2010/main" w="9525">
                   <a:solidFill>
                     <a:srgbClr val="000000"/>
                   </a:solidFill>
@@ -2015,7 +2014,7 @@
             </a:ln>
             <a:extLst>
               <a:ext uri="{91240B29-F687-4f45-9708-019B960494DF}">
-                <a14:hiddenLine xmlns:a14="http://schemas.microsoft.com/office/drawing/2010/main" xmlns="" w="9525">
+                <a14:hiddenLine xmlns="" xmlns:a14="http://schemas.microsoft.com/office/drawing/2010/main" w="9525">
                   <a:solidFill>
                     <a:srgbClr val="000000"/>
                   </a:solidFill>
@@ -2083,7 +2082,7 @@
             </a:ln>
             <a:extLst>
               <a:ext uri="{91240B29-F687-4f45-9708-019B960494DF}">
-                <a14:hiddenLine xmlns:a14="http://schemas.microsoft.com/office/drawing/2010/main" xmlns="" w="9525">
+                <a14:hiddenLine xmlns="" xmlns:a14="http://schemas.microsoft.com/office/drawing/2010/main" w="9525">
                   <a:solidFill>
                     <a:srgbClr val="000000"/>
                   </a:solidFill>
@@ -2173,7 +2172,7 @@
             </a:ln>
             <a:extLst>
               <a:ext uri="{91240B29-F687-4f45-9708-019B960494DF}">
-                <a14:hiddenLine xmlns:a14="http://schemas.microsoft.com/office/drawing/2010/main" xmlns="" w="9525">
+                <a14:hiddenLine xmlns="" xmlns:a14="http://schemas.microsoft.com/office/drawing/2010/main" w="9525">
                   <a:solidFill>
                     <a:srgbClr val="000000"/>
                   </a:solidFill>
@@ -2241,7 +2240,7 @@
             </a:ln>
             <a:extLst>
               <a:ext uri="{91240B29-F687-4f45-9708-019B960494DF}">
-                <a14:hiddenLine xmlns:a14="http://schemas.microsoft.com/office/drawing/2010/main" xmlns="" w="9525">
+                <a14:hiddenLine xmlns="" xmlns:a14="http://schemas.microsoft.com/office/drawing/2010/main" w="9525">
                   <a:solidFill>
                     <a:srgbClr val="000000"/>
                   </a:solidFill>
@@ -2331,7 +2330,7 @@
             </a:ln>
             <a:extLst>
               <a:ext uri="{91240B29-F687-4f45-9708-019B960494DF}">
-                <a14:hiddenLine xmlns:a14="http://schemas.microsoft.com/office/drawing/2010/main" xmlns="" w="9525">
+                <a14:hiddenLine xmlns="" xmlns:a14="http://schemas.microsoft.com/office/drawing/2010/main" w="9525">
                   <a:solidFill>
                     <a:srgbClr val="000000"/>
                   </a:solidFill>
@@ -2365,7 +2364,7 @@
             </a:ln>
             <a:extLst>
               <a:ext uri="{91240B29-F687-4f45-9708-019B960494DF}">
-                <a14:hiddenLine xmlns:a14="http://schemas.microsoft.com/office/drawing/2010/main" xmlns="" w="9525">
+                <a14:hiddenLine xmlns="" xmlns:a14="http://schemas.microsoft.com/office/drawing/2010/main" w="9525">
                   <a:solidFill>
                     <a:srgbClr val="000000"/>
                   </a:solidFill>
@@ -2455,7 +2454,7 @@
             </a:ln>
             <a:extLst>
               <a:ext uri="{91240B29-F687-4f45-9708-019B960494DF}">
-                <a14:hiddenLine xmlns:a14="http://schemas.microsoft.com/office/drawing/2010/main" xmlns="" w="9525">
+                <a14:hiddenLine xmlns="" xmlns:a14="http://schemas.microsoft.com/office/drawing/2010/main" w="9525">
                   <a:solidFill>
                     <a:srgbClr val="000000"/>
                   </a:solidFill>
@@ -2517,7 +2516,7 @@
             </a:ln>
             <a:extLst>
               <a:ext uri="{91240B29-F687-4f45-9708-019B960494DF}">
-                <a14:hiddenLine xmlns:a14="http://schemas.microsoft.com/office/drawing/2010/main" xmlns="" w="9525">
+                <a14:hiddenLine xmlns="" xmlns:a14="http://schemas.microsoft.com/office/drawing/2010/main" w="9525">
                   <a:solidFill>
                     <a:srgbClr val="000000"/>
                   </a:solidFill>
@@ -2579,7 +2578,7 @@
             </a:ln>
             <a:extLst>
               <a:ext uri="{91240B29-F687-4f45-9708-019B960494DF}">
-                <a14:hiddenLine xmlns:a14="http://schemas.microsoft.com/office/drawing/2010/main" xmlns="" w="9525">
+                <a14:hiddenLine xmlns="" xmlns:a14="http://schemas.microsoft.com/office/drawing/2010/main" w="9525">
                   <a:solidFill>
                     <a:srgbClr val="000000"/>
                   </a:solidFill>
@@ -2669,7 +2668,7 @@
             </a:ln>
             <a:extLst>
               <a:ext uri="{91240B29-F687-4f45-9708-019B960494DF}">
-                <a14:hiddenLine xmlns:a14="http://schemas.microsoft.com/office/drawing/2010/main" xmlns="" w="9525">
+                <a14:hiddenLine xmlns="" xmlns:a14="http://schemas.microsoft.com/office/drawing/2010/main" w="9525">
                   <a:solidFill>
                     <a:srgbClr val="000000"/>
                   </a:solidFill>
@@ -2737,7 +2736,7 @@
             </a:ln>
             <a:extLst>
               <a:ext uri="{91240B29-F687-4f45-9708-019B960494DF}">
-                <a14:hiddenLine xmlns:a14="http://schemas.microsoft.com/office/drawing/2010/main" xmlns="" w="9525">
+                <a14:hiddenLine xmlns="" xmlns:a14="http://schemas.microsoft.com/office/drawing/2010/main" w="9525">
                   <a:solidFill>
                     <a:srgbClr val="000000"/>
                   </a:solidFill>
@@ -2799,7 +2798,7 @@
             </a:ln>
             <a:extLst>
               <a:ext uri="{91240B29-F687-4f45-9708-019B960494DF}">
-                <a14:hiddenLine xmlns:a14="http://schemas.microsoft.com/office/drawing/2010/main" xmlns="" w="9525">
+                <a14:hiddenLine xmlns="" xmlns:a14="http://schemas.microsoft.com/office/drawing/2010/main" w="9525">
                   <a:solidFill>
                     <a:srgbClr val="000000"/>
                   </a:solidFill>
@@ -2889,7 +2888,7 @@
             </a:ln>
             <a:extLst>
               <a:ext uri="{91240B29-F687-4f45-9708-019B960494DF}">
-                <a14:hiddenLine xmlns:a14="http://schemas.microsoft.com/office/drawing/2010/main" xmlns="" w="9525">
+                <a14:hiddenLine xmlns="" xmlns:a14="http://schemas.microsoft.com/office/drawing/2010/main" w="9525">
                   <a:solidFill>
                     <a:srgbClr val="000000"/>
                   </a:solidFill>
@@ -2951,7 +2950,7 @@
             </a:ln>
             <a:extLst>
               <a:ext uri="{91240B29-F687-4f45-9708-019B960494DF}">
-                <a14:hiddenLine xmlns:a14="http://schemas.microsoft.com/office/drawing/2010/main" xmlns="" w="9525">
+                <a14:hiddenLine xmlns="" xmlns:a14="http://schemas.microsoft.com/office/drawing/2010/main" w="9525">
                   <a:solidFill>
                     <a:srgbClr val="000000"/>
                   </a:solidFill>
@@ -3041,7 +3040,7 @@
             </a:ln>
             <a:extLst>
               <a:ext uri="{91240B29-F687-4f45-9708-019B960494DF}">
-                <a14:hiddenLine xmlns:a14="http://schemas.microsoft.com/office/drawing/2010/main" xmlns="" w="9525">
+                <a14:hiddenLine xmlns="" xmlns:a14="http://schemas.microsoft.com/office/drawing/2010/main" w="9525">
                   <a:solidFill>
                     <a:srgbClr val="000000"/>
                   </a:solidFill>
@@ -3103,7 +3102,7 @@
             </a:ln>
             <a:extLst>
               <a:ext uri="{91240B29-F687-4f45-9708-019B960494DF}">
-                <a14:hiddenLine xmlns:a14="http://schemas.microsoft.com/office/drawing/2010/main" xmlns="" w="9525">
+                <a14:hiddenLine xmlns="" xmlns:a14="http://schemas.microsoft.com/office/drawing/2010/main" w="9525">
                   <a:solidFill>
                     <a:srgbClr val="000000"/>
                   </a:solidFill>
@@ -3193,7 +3192,7 @@
             </a:ln>
             <a:extLst>
               <a:ext uri="{91240B29-F687-4f45-9708-019B960494DF}">
-                <a14:hiddenLine xmlns:a14="http://schemas.microsoft.com/office/drawing/2010/main" xmlns="" w="9525">
+                <a14:hiddenLine xmlns="" xmlns:a14="http://schemas.microsoft.com/office/drawing/2010/main" w="9525">
                   <a:solidFill>
                     <a:srgbClr val="000000"/>
                   </a:solidFill>
@@ -3227,7 +3226,7 @@
             </a:ln>
             <a:extLst>
               <a:ext uri="{91240B29-F687-4f45-9708-019B960494DF}">
-                <a14:hiddenLine xmlns:a14="http://schemas.microsoft.com/office/drawing/2010/main" xmlns="" w="9525">
+                <a14:hiddenLine xmlns="" xmlns:a14="http://schemas.microsoft.com/office/drawing/2010/main" w="9525">
                   <a:solidFill>
                     <a:srgbClr val="000000"/>
                   </a:solidFill>
@@ -3292,7 +3291,7 @@
             </a:ln>
             <a:extLst>
               <a:ext uri="{91240B29-F687-4f45-9708-019B960494DF}">
-                <a14:hiddenLine xmlns:a14="http://schemas.microsoft.com/office/drawing/2010/main" xmlns="" w="9525">
+                <a14:hiddenLine xmlns="" xmlns:a14="http://schemas.microsoft.com/office/drawing/2010/main" w="9525">
                   <a:solidFill>
                     <a:srgbClr val="000000"/>
                   </a:solidFill>
@@ -3382,7 +3381,7 @@
             </a:ln>
             <a:extLst>
               <a:ext uri="{91240B29-F687-4f45-9708-019B960494DF}">
-                <a14:hiddenLine xmlns:a14="http://schemas.microsoft.com/office/drawing/2010/main" xmlns="" w="9525">
+                <a14:hiddenLine xmlns="" xmlns:a14="http://schemas.microsoft.com/office/drawing/2010/main" w="9525">
                   <a:solidFill>
                     <a:srgbClr val="000000"/>
                   </a:solidFill>
@@ -3444,7 +3443,7 @@
             </a:ln>
             <a:extLst>
               <a:ext uri="{91240B29-F687-4f45-9708-019B960494DF}">
-                <a14:hiddenLine xmlns:a14="http://schemas.microsoft.com/office/drawing/2010/main" xmlns="" w="9525">
+                <a14:hiddenLine xmlns="" xmlns:a14="http://schemas.microsoft.com/office/drawing/2010/main" w="9525">
                   <a:solidFill>
                     <a:srgbClr val="000000"/>
                   </a:solidFill>
@@ -3534,7 +3533,7 @@
             </a:ln>
             <a:extLst>
               <a:ext uri="{91240B29-F687-4f45-9708-019B960494DF}">
-                <a14:hiddenLine xmlns:a14="http://schemas.microsoft.com/office/drawing/2010/main" xmlns="" w="9525">
+                <a14:hiddenLine xmlns="" xmlns:a14="http://schemas.microsoft.com/office/drawing/2010/main" w="9525">
                   <a:solidFill>
                     <a:srgbClr val="000000"/>
                   </a:solidFill>
@@ -3624,7 +3623,7 @@
             </a:ln>
             <a:extLst>
               <a:ext uri="{91240B29-F687-4f45-9708-019B960494DF}">
-                <a14:hiddenLine xmlns:a14="http://schemas.microsoft.com/office/drawing/2010/main" xmlns="" w="9525">
+                <a14:hiddenLine xmlns="" xmlns:a14="http://schemas.microsoft.com/office/drawing/2010/main" w="9525">
                   <a:solidFill>
                     <a:srgbClr val="000000"/>
                   </a:solidFill>
@@ -3689,7 +3688,7 @@
             </a:ln>
             <a:extLst>
               <a:ext uri="{91240B29-F687-4f45-9708-019B960494DF}">
-                <a14:hiddenLine xmlns:a14="http://schemas.microsoft.com/office/drawing/2010/main" xmlns="" w="9525">
+                <a14:hiddenLine xmlns="" xmlns:a14="http://schemas.microsoft.com/office/drawing/2010/main" w="9525">
                   <a:solidFill>
                     <a:srgbClr val="000000"/>
                   </a:solidFill>
@@ -3751,7 +3750,7 @@
             </a:ln>
             <a:extLst>
               <a:ext uri="{91240B29-F687-4f45-9708-019B960494DF}">
-                <a14:hiddenLine xmlns:a14="http://schemas.microsoft.com/office/drawing/2010/main" xmlns="" w="9525">
+                <a14:hiddenLine xmlns="" xmlns:a14="http://schemas.microsoft.com/office/drawing/2010/main" w="9525">
                   <a:solidFill>
                     <a:srgbClr val="000000"/>
                   </a:solidFill>
@@ -3841,7 +3840,7 @@
             </a:ln>
             <a:extLst>
               <a:ext uri="{91240B29-F687-4f45-9708-019B960494DF}">
-                <a14:hiddenLine xmlns:a14="http://schemas.microsoft.com/office/drawing/2010/main" xmlns="" w="9525">
+                <a14:hiddenLine xmlns="" xmlns:a14="http://schemas.microsoft.com/office/drawing/2010/main" w="9525">
                   <a:solidFill>
                     <a:srgbClr val="000000"/>
                   </a:solidFill>
@@ -3931,7 +3930,7 @@
             </a:ln>
             <a:extLst>
               <a:ext uri="{91240B29-F687-4f45-9708-019B960494DF}">
-                <a14:hiddenLine xmlns:a14="http://schemas.microsoft.com/office/drawing/2010/main" xmlns="" w="9525">
+                <a14:hiddenLine xmlns="" xmlns:a14="http://schemas.microsoft.com/office/drawing/2010/main" w="9525">
                   <a:solidFill>
                     <a:srgbClr val="000000"/>
                   </a:solidFill>
@@ -3993,7 +3992,7 @@
             </a:ln>
             <a:extLst>
               <a:ext uri="{91240B29-F687-4f45-9708-019B960494DF}">
-                <a14:hiddenLine xmlns:a14="http://schemas.microsoft.com/office/drawing/2010/main" xmlns="" w="9525">
+                <a14:hiddenLine xmlns="" xmlns:a14="http://schemas.microsoft.com/office/drawing/2010/main" w="9525">
                   <a:solidFill>
                     <a:srgbClr val="000000"/>
                   </a:solidFill>
@@ -4113,7 +4112,7 @@
             </a:ln>
             <a:extLst>
               <a:ext uri="{91240B29-F687-4f45-9708-019B960494DF}">
-                <a14:hiddenLine xmlns:a14="http://schemas.microsoft.com/office/drawing/2010/main" xmlns="" w="9525">
+                <a14:hiddenLine xmlns="" xmlns:a14="http://schemas.microsoft.com/office/drawing/2010/main" w="9525">
                   <a:solidFill>
                     <a:srgbClr val="000000"/>
                   </a:solidFill>
@@ -4181,7 +4180,7 @@
             </a:ln>
             <a:extLst>
               <a:ext uri="{91240B29-F687-4f45-9708-019B960494DF}">
-                <a14:hiddenLine xmlns:a14="http://schemas.microsoft.com/office/drawing/2010/main" xmlns="" w="9525">
+                <a14:hiddenLine xmlns="" xmlns:a14="http://schemas.microsoft.com/office/drawing/2010/main" w="9525">
                   <a:solidFill>
                     <a:srgbClr val="000000"/>
                   </a:solidFill>
@@ -4271,7 +4270,7 @@
             </a:ln>
             <a:extLst>
               <a:ext uri="{91240B29-F687-4f45-9708-019B960494DF}">
-                <a14:hiddenLine xmlns:a14="http://schemas.microsoft.com/office/drawing/2010/main" xmlns="" w="9525">
+                <a14:hiddenLine xmlns="" xmlns:a14="http://schemas.microsoft.com/office/drawing/2010/main" w="9525">
                   <a:solidFill>
                     <a:srgbClr val="000000"/>
                   </a:solidFill>
@@ -8993,7 +8992,7 @@
           <a:noFill/>
           <a:extLst>
             <a:ext uri="{909E8E84-426E-40dd-AFC4-6F175D3DCCD1}">
-              <a14:hiddenFill xmlns:a14="http://schemas.microsoft.com/office/drawing/2010/main" xmlns="">
+              <a14:hiddenFill xmlns="" xmlns:a14="http://schemas.microsoft.com/office/drawing/2010/main">
                 <a:solidFill>
                   <a:srgbClr val="FFFFFF"/>
                 </a:solidFill>
@@ -9067,7 +9066,7 @@
               </a:ln>
               <a:extLst>
                 <a:ext uri="{91240B29-F687-4f45-9708-019B960494DF}">
-                  <a14:hiddenLine xmlns:a14="http://schemas.microsoft.com/office/drawing/2010/main" xmlns="" w="9525">
+                  <a14:hiddenLine xmlns="" xmlns:a14="http://schemas.microsoft.com/office/drawing/2010/main" w="9525">
                     <a:solidFill>
                       <a:srgbClr val="000000"/>
                     </a:solidFill>
@@ -9157,7 +9156,7 @@
               </a:ln>
               <a:extLst>
                 <a:ext uri="{91240B29-F687-4f45-9708-019B960494DF}">
-                  <a14:hiddenLine xmlns:a14="http://schemas.microsoft.com/office/drawing/2010/main" xmlns="" w="9525">
+                  <a14:hiddenLine xmlns="" xmlns:a14="http://schemas.microsoft.com/office/drawing/2010/main" w="9525">
                     <a:solidFill>
                       <a:srgbClr val="000000"/>
                     </a:solidFill>
@@ -9247,7 +9246,7 @@
               </a:ln>
               <a:extLst>
                 <a:ext uri="{91240B29-F687-4f45-9708-019B960494DF}">
-                  <a14:hiddenLine xmlns:a14="http://schemas.microsoft.com/office/drawing/2010/main" xmlns="" w="9525">
+                  <a14:hiddenLine xmlns="" xmlns:a14="http://schemas.microsoft.com/office/drawing/2010/main" w="9525">
                     <a:solidFill>
                       <a:srgbClr val="000000"/>
                     </a:solidFill>
@@ -9309,7 +9308,7 @@
               </a:ln>
               <a:extLst>
                 <a:ext uri="{91240B29-F687-4f45-9708-019B960494DF}">
-                  <a14:hiddenLine xmlns:a14="http://schemas.microsoft.com/office/drawing/2010/main" xmlns="" w="9525">
+                  <a14:hiddenLine xmlns="" xmlns:a14="http://schemas.microsoft.com/office/drawing/2010/main" w="9525">
                     <a:solidFill>
                       <a:srgbClr val="000000"/>
                     </a:solidFill>
@@ -9399,7 +9398,7 @@
               </a:ln>
               <a:extLst>
                 <a:ext uri="{91240B29-F687-4f45-9708-019B960494DF}">
-                  <a14:hiddenLine xmlns:a14="http://schemas.microsoft.com/office/drawing/2010/main" xmlns="" w="9525">
+                  <a14:hiddenLine xmlns="" xmlns:a14="http://schemas.microsoft.com/office/drawing/2010/main" w="9525">
                     <a:solidFill>
                       <a:srgbClr val="000000"/>
                     </a:solidFill>
@@ -9461,7 +9460,7 @@
               </a:ln>
               <a:extLst>
                 <a:ext uri="{91240B29-F687-4f45-9708-019B960494DF}">
-                  <a14:hiddenLine xmlns:a14="http://schemas.microsoft.com/office/drawing/2010/main" xmlns="" w="9525">
+                  <a14:hiddenLine xmlns="" xmlns:a14="http://schemas.microsoft.com/office/drawing/2010/main" w="9525">
                     <a:solidFill>
                       <a:srgbClr val="000000"/>
                     </a:solidFill>
@@ -9523,7 +9522,7 @@
               </a:ln>
               <a:extLst>
                 <a:ext uri="{91240B29-F687-4f45-9708-019B960494DF}">
-                  <a14:hiddenLine xmlns:a14="http://schemas.microsoft.com/office/drawing/2010/main" xmlns="" w="9525">
+                  <a14:hiddenLine xmlns="" xmlns:a14="http://schemas.microsoft.com/office/drawing/2010/main" w="9525">
                     <a:solidFill>
                       <a:srgbClr val="000000"/>
                     </a:solidFill>
@@ -9613,7 +9612,7 @@
               </a:ln>
               <a:extLst>
                 <a:ext uri="{91240B29-F687-4f45-9708-019B960494DF}">
-                  <a14:hiddenLine xmlns:a14="http://schemas.microsoft.com/office/drawing/2010/main" xmlns="" w="9525">
+                  <a14:hiddenLine xmlns="" xmlns:a14="http://schemas.microsoft.com/office/drawing/2010/main" w="9525">
                     <a:solidFill>
                       <a:srgbClr val="000000"/>
                     </a:solidFill>
@@ -9703,7 +9702,7 @@
               </a:ln>
               <a:extLst>
                 <a:ext uri="{91240B29-F687-4f45-9708-019B960494DF}">
-                  <a14:hiddenLine xmlns:a14="http://schemas.microsoft.com/office/drawing/2010/main" xmlns="" w="9525">
+                  <a14:hiddenLine xmlns="" xmlns:a14="http://schemas.microsoft.com/office/drawing/2010/main" w="9525">
                     <a:solidFill>
                       <a:srgbClr val="000000"/>
                     </a:solidFill>
@@ -9765,7 +9764,7 @@
               </a:ln>
               <a:extLst>
                 <a:ext uri="{91240B29-F687-4f45-9708-019B960494DF}">
-                  <a14:hiddenLine xmlns:a14="http://schemas.microsoft.com/office/drawing/2010/main" xmlns="" w="9525">
+                  <a14:hiddenLine xmlns="" xmlns:a14="http://schemas.microsoft.com/office/drawing/2010/main" w="9525">
                     <a:solidFill>
                       <a:srgbClr val="000000"/>
                     </a:solidFill>
@@ -9875,7 +9874,7 @@
               </a:ln>
               <a:extLst>
                 <a:ext uri="{91240B29-F687-4f45-9708-019B960494DF}">
-                  <a14:hiddenLine xmlns:a14="http://schemas.microsoft.com/office/drawing/2010/main" xmlns="" w="9525">
+                  <a14:hiddenLine xmlns="" xmlns:a14="http://schemas.microsoft.com/office/drawing/2010/main" w="9525">
                     <a:solidFill>
                       <a:srgbClr val="000000"/>
                     </a:solidFill>
@@ -9959,7 +9958,7 @@
               </a:ln>
               <a:extLst>
                 <a:ext uri="{91240B29-F687-4f45-9708-019B960494DF}">
-                  <a14:hiddenLine xmlns:a14="http://schemas.microsoft.com/office/drawing/2010/main" xmlns="" w="9525">
+                  <a14:hiddenLine xmlns="" xmlns:a14="http://schemas.microsoft.com/office/drawing/2010/main" w="9525">
                     <a:solidFill>
                       <a:srgbClr val="000000"/>
                     </a:solidFill>
@@ -10021,7 +10020,7 @@
               </a:ln>
               <a:extLst>
                 <a:ext uri="{91240B29-F687-4f45-9708-019B960494DF}">
-                  <a14:hiddenLine xmlns:a14="http://schemas.microsoft.com/office/drawing/2010/main" xmlns="" w="9525">
+                  <a14:hiddenLine xmlns="" xmlns:a14="http://schemas.microsoft.com/office/drawing/2010/main" w="9525">
                     <a:solidFill>
                       <a:srgbClr val="000000"/>
                     </a:solidFill>
@@ -10083,7 +10082,7 @@
               </a:ln>
               <a:extLst>
                 <a:ext uri="{91240B29-F687-4f45-9708-019B960494DF}">
-                  <a14:hiddenLine xmlns:a14="http://schemas.microsoft.com/office/drawing/2010/main" xmlns="" w="9525">
+                  <a14:hiddenLine xmlns="" xmlns:a14="http://schemas.microsoft.com/office/drawing/2010/main" w="9525">
                     <a:solidFill>
                       <a:srgbClr val="000000"/>
                     </a:solidFill>
@@ -10173,7 +10172,7 @@
               </a:ln>
               <a:extLst>
                 <a:ext uri="{91240B29-F687-4f45-9708-019B960494DF}">
-                  <a14:hiddenLine xmlns:a14="http://schemas.microsoft.com/office/drawing/2010/main" xmlns="" w="9525">
+                  <a14:hiddenLine xmlns="" xmlns:a14="http://schemas.microsoft.com/office/drawing/2010/main" w="9525">
                     <a:solidFill>
                       <a:srgbClr val="000000"/>
                     </a:solidFill>
@@ -10207,7 +10206,7 @@
               </a:ln>
               <a:extLst>
                 <a:ext uri="{91240B29-F687-4f45-9708-019B960494DF}">
-                  <a14:hiddenLine xmlns:a14="http://schemas.microsoft.com/office/drawing/2010/main" xmlns="" w="9525">
+                  <a14:hiddenLine xmlns="" xmlns:a14="http://schemas.microsoft.com/office/drawing/2010/main" w="9525">
                     <a:solidFill>
                       <a:srgbClr val="000000"/>
                     </a:solidFill>
@@ -10272,7 +10271,7 @@
               </a:ln>
               <a:extLst>
                 <a:ext uri="{91240B29-F687-4f45-9708-019B960494DF}">
-                  <a14:hiddenLine xmlns:a14="http://schemas.microsoft.com/office/drawing/2010/main" xmlns="" w="9525">
+                  <a14:hiddenLine xmlns="" xmlns:a14="http://schemas.microsoft.com/office/drawing/2010/main" w="9525">
                     <a:solidFill>
                       <a:srgbClr val="000000"/>
                     </a:solidFill>
@@ -10362,7 +10361,7 @@
               </a:ln>
               <a:extLst>
                 <a:ext uri="{91240B29-F687-4f45-9708-019B960494DF}">
-                  <a14:hiddenLine xmlns:a14="http://schemas.microsoft.com/office/drawing/2010/main" xmlns="" w="9525">
+                  <a14:hiddenLine xmlns="" xmlns:a14="http://schemas.microsoft.com/office/drawing/2010/main" w="9525">
                     <a:solidFill>
                       <a:srgbClr val="000000"/>
                     </a:solidFill>
@@ -10424,7 +10423,7 @@
               </a:ln>
               <a:extLst>
                 <a:ext uri="{91240B29-F687-4f45-9708-019B960494DF}">
-                  <a14:hiddenLine xmlns:a14="http://schemas.microsoft.com/office/drawing/2010/main" xmlns="" w="9525">
+                  <a14:hiddenLine xmlns="" xmlns:a14="http://schemas.microsoft.com/office/drawing/2010/main" w="9525">
                     <a:solidFill>
                       <a:srgbClr val="000000"/>
                     </a:solidFill>
@@ -10514,7 +10513,7 @@
               </a:ln>
               <a:extLst>
                 <a:ext uri="{91240B29-F687-4f45-9708-019B960494DF}">
-                  <a14:hiddenLine xmlns:a14="http://schemas.microsoft.com/office/drawing/2010/main" xmlns="" w="9525">
+                  <a14:hiddenLine xmlns="" xmlns:a14="http://schemas.microsoft.com/office/drawing/2010/main" w="9525">
                     <a:solidFill>
                       <a:srgbClr val="000000"/>
                     </a:solidFill>
@@ -10579,7 +10578,7 @@
               </a:ln>
               <a:extLst>
                 <a:ext uri="{91240B29-F687-4f45-9708-019B960494DF}">
-                  <a14:hiddenLine xmlns:a14="http://schemas.microsoft.com/office/drawing/2010/main" xmlns="" w="9525">
+                  <a14:hiddenLine xmlns="" xmlns:a14="http://schemas.microsoft.com/office/drawing/2010/main" w="9525">
                     <a:solidFill>
                       <a:srgbClr val="000000"/>
                     </a:solidFill>
@@ -10641,7 +10640,7 @@
               </a:ln>
               <a:extLst>
                 <a:ext uri="{91240B29-F687-4f45-9708-019B960494DF}">
-                  <a14:hiddenLine xmlns:a14="http://schemas.microsoft.com/office/drawing/2010/main" xmlns="" w="9525">
+                  <a14:hiddenLine xmlns="" xmlns:a14="http://schemas.microsoft.com/office/drawing/2010/main" w="9525">
                     <a:solidFill>
                       <a:srgbClr val="000000"/>
                     </a:solidFill>
@@ -10731,7 +10730,7 @@
               </a:ln>
               <a:extLst>
                 <a:ext uri="{91240B29-F687-4f45-9708-019B960494DF}">
-                  <a14:hiddenLine xmlns:a14="http://schemas.microsoft.com/office/drawing/2010/main" xmlns="" w="9525">
+                  <a14:hiddenLine xmlns="" xmlns:a14="http://schemas.microsoft.com/office/drawing/2010/main" w="9525">
                     <a:solidFill>
                       <a:srgbClr val="000000"/>
                     </a:solidFill>
@@ -10821,7 +10820,7 @@
               </a:ln>
               <a:extLst>
                 <a:ext uri="{91240B29-F687-4f45-9708-019B960494DF}">
-                  <a14:hiddenLine xmlns:a14="http://schemas.microsoft.com/office/drawing/2010/main" xmlns="" w="9525">
+                  <a14:hiddenLine xmlns="" xmlns:a14="http://schemas.microsoft.com/office/drawing/2010/main" w="9525">
                     <a:solidFill>
                       <a:srgbClr val="000000"/>
                     </a:solidFill>
@@ -10886,7 +10885,7 @@
               </a:ln>
               <a:extLst>
                 <a:ext uri="{91240B29-F687-4f45-9708-019B960494DF}">
-                  <a14:hiddenLine xmlns:a14="http://schemas.microsoft.com/office/drawing/2010/main" xmlns="" w="9525">
+                  <a14:hiddenLine xmlns="" xmlns:a14="http://schemas.microsoft.com/office/drawing/2010/main" w="9525">
                     <a:solidFill>
                       <a:srgbClr val="000000"/>
                     </a:solidFill>
@@ -11006,7 +11005,7 @@
               </a:ln>
               <a:extLst>
                 <a:ext uri="{91240B29-F687-4f45-9708-019B960494DF}">
-                  <a14:hiddenLine xmlns:a14="http://schemas.microsoft.com/office/drawing/2010/main" xmlns="" w="9525">
+                  <a14:hiddenLine xmlns="" xmlns:a14="http://schemas.microsoft.com/office/drawing/2010/main" w="9525">
                     <a:solidFill>
                       <a:srgbClr val="000000"/>
                     </a:solidFill>
@@ -11104,7 +11103,7 @@
               </a:ln>
               <a:extLst>
                 <a:ext uri="{91240B29-F687-4f45-9708-019B960494DF}">
-                  <a14:hiddenLine xmlns:a14="http://schemas.microsoft.com/office/drawing/2010/main" xmlns="" w="9525">
+                  <a14:hiddenLine xmlns="" xmlns:a14="http://schemas.microsoft.com/office/drawing/2010/main" w="9525">
                     <a:solidFill>
                       <a:srgbClr val="000000"/>
                     </a:solidFill>
@@ -11219,7 +11218,7 @@
               </a:ln>
               <a:extLst>
                 <a:ext uri="{91240B29-F687-4f45-9708-019B960494DF}">
-                  <a14:hiddenLine xmlns:a14="http://schemas.microsoft.com/office/drawing/2010/main" xmlns="" w="9525">
+                  <a14:hiddenLine xmlns="" xmlns:a14="http://schemas.microsoft.com/office/drawing/2010/main" w="9525">
                     <a:solidFill>
                       <a:srgbClr val="000000"/>
                     </a:solidFill>
@@ -11309,7 +11308,7 @@
               </a:ln>
               <a:extLst>
                 <a:ext uri="{91240B29-F687-4f45-9708-019B960494DF}">
-                  <a14:hiddenLine xmlns:a14="http://schemas.microsoft.com/office/drawing/2010/main" xmlns="" w="9525">
+                  <a14:hiddenLine xmlns="" xmlns:a14="http://schemas.microsoft.com/office/drawing/2010/main" w="9525">
                     <a:solidFill>
                       <a:srgbClr val="000000"/>
                     </a:solidFill>
@@ -11374,7 +11373,7 @@
               </a:ln>
               <a:extLst>
                 <a:ext uri="{91240B29-F687-4f45-9708-019B960494DF}">
-                  <a14:hiddenLine xmlns:a14="http://schemas.microsoft.com/office/drawing/2010/main" xmlns="" w="9525">
+                  <a14:hiddenLine xmlns="" xmlns:a14="http://schemas.microsoft.com/office/drawing/2010/main" w="9525">
                     <a:solidFill>
                       <a:srgbClr val="000000"/>
                     </a:solidFill>
@@ -11464,7 +11463,7 @@
               </a:ln>
               <a:extLst>
                 <a:ext uri="{91240B29-F687-4f45-9708-019B960494DF}">
-                  <a14:hiddenLine xmlns:a14="http://schemas.microsoft.com/office/drawing/2010/main" xmlns="" w="9525">
+                  <a14:hiddenLine xmlns="" xmlns:a14="http://schemas.microsoft.com/office/drawing/2010/main" w="9525">
                     <a:solidFill>
                       <a:srgbClr val="000000"/>
                     </a:solidFill>
@@ -11532,7 +11531,7 @@
               </a:ln>
               <a:extLst>
                 <a:ext uri="{91240B29-F687-4f45-9708-019B960494DF}">
-                  <a14:hiddenLine xmlns:a14="http://schemas.microsoft.com/office/drawing/2010/main" xmlns="" w="9525">
+                  <a14:hiddenLine xmlns="" xmlns:a14="http://schemas.microsoft.com/office/drawing/2010/main" w="9525">
                     <a:solidFill>
                       <a:srgbClr val="000000"/>
                     </a:solidFill>
@@ -11622,7 +11621,7 @@
               </a:ln>
               <a:extLst>
                 <a:ext uri="{91240B29-F687-4f45-9708-019B960494DF}">
-                  <a14:hiddenLine xmlns:a14="http://schemas.microsoft.com/office/drawing/2010/main" xmlns="" w="9525">
+                  <a14:hiddenLine xmlns="" xmlns:a14="http://schemas.microsoft.com/office/drawing/2010/main" w="9525">
                     <a:solidFill>
                       <a:srgbClr val="000000"/>
                     </a:solidFill>
@@ -11690,7 +11689,7 @@
               </a:ln>
               <a:extLst>
                 <a:ext uri="{91240B29-F687-4f45-9708-019B960494DF}">
-                  <a14:hiddenLine xmlns:a14="http://schemas.microsoft.com/office/drawing/2010/main" xmlns="" w="9525">
+                  <a14:hiddenLine xmlns="" xmlns:a14="http://schemas.microsoft.com/office/drawing/2010/main" w="9525">
                     <a:solidFill>
                       <a:srgbClr val="000000"/>
                     </a:solidFill>
@@ -11780,7 +11779,7 @@
               </a:ln>
               <a:extLst>
                 <a:ext uri="{91240B29-F687-4f45-9708-019B960494DF}">
-                  <a14:hiddenLine xmlns:a14="http://schemas.microsoft.com/office/drawing/2010/main" xmlns="" w="9525">
+                  <a14:hiddenLine xmlns="" xmlns:a14="http://schemas.microsoft.com/office/drawing/2010/main" w="9525">
                     <a:solidFill>
                       <a:srgbClr val="000000"/>
                     </a:solidFill>
@@ -11814,7 +11813,7 @@
               </a:ln>
               <a:extLst>
                 <a:ext uri="{91240B29-F687-4f45-9708-019B960494DF}">
-                  <a14:hiddenLine xmlns:a14="http://schemas.microsoft.com/office/drawing/2010/main" xmlns="" w="9525">
+                  <a14:hiddenLine xmlns="" xmlns:a14="http://schemas.microsoft.com/office/drawing/2010/main" w="9525">
                     <a:solidFill>
                       <a:srgbClr val="000000"/>
                     </a:solidFill>
@@ -12679,8 +12678,12 @@
               <a:t> </a:t>
             </a:r>
             <a:r>
+              <a:rPr lang="de-DE" dirty="0" err="1"/>
+              <a:t>v</a:t>
+            </a:r>
+            <a:r>
               <a:rPr lang="de-DE" dirty="0" err="1" smtClean="0"/>
-              <a:t>Vaadin</a:t>
+              <a:t>aadin</a:t>
             </a:r>
             <a:r>
               <a:rPr lang="de-DE" dirty="0" smtClean="0"/>
@@ -12752,11 +12755,11 @@
             </a:r>
             <a:r>
               <a:rPr lang="de-DE" dirty="0" smtClean="0"/>
-              <a:t>: </a:t>
+              <a:t> / Feedback : </a:t>
             </a:r>
             <a:r>
               <a:rPr lang="de-DE" dirty="0" err="1" smtClean="0"/>
-              <a:t>TeaM</a:t>
+              <a:t>Course</a:t>
             </a:r>
             <a:endParaRPr lang="en-US" dirty="0"/>
           </a:p>
@@ -12780,126 +12783,6 @@
           <a:lstStyle/>
           <a:p>
             <a:r>
-              <a:rPr lang="en-US" sz="3200" dirty="0" err="1" smtClean="0"/>
-              <a:t>Vaadin</a:t>
-            </a:r>
-            <a:endParaRPr lang="en-US" sz="3200" dirty="0" smtClean="0"/>
-          </a:p>
-          <a:p>
-            <a:r>
-              <a:rPr lang="en-US" sz="3200" dirty="0" err="1" smtClean="0"/>
-              <a:t>Git</a:t>
-            </a:r>
-            <a:endParaRPr lang="en-US" sz="3200" dirty="0" smtClean="0"/>
-          </a:p>
-          <a:p>
-            <a:r>
-              <a:rPr lang="en-US" sz="3200" dirty="0" smtClean="0"/>
-              <a:t>Hard to manage a team of 6 people</a:t>
-            </a:r>
-          </a:p>
-          <a:p>
-            <a:endParaRPr lang="en-US" sz="3200" dirty="0" smtClean="0"/>
-          </a:p>
-          <a:p>
-            <a:endParaRPr lang="en-US" sz="3200" dirty="0"/>
-          </a:p>
-        </p:txBody>
-      </p:sp>
-    </p:spTree>
-    <p:extLst>
-      <p:ext uri="{BB962C8B-B14F-4D97-AF65-F5344CB8AC3E}">
-        <p14:creationId xmlns:p14="http://schemas.microsoft.com/office/powerpoint/2010/main" val="1974664191"/>
-      </p:ext>
-    </p:extLst>
-  </p:cSld>
-  <p:clrMapOvr>
-    <a:masterClrMapping/>
-  </p:clrMapOvr>
-  <p:timing>
-    <p:tnLst>
-      <p:par>
-        <p:cTn id="1" dur="indefinite" restart="never" nodeType="tmRoot"/>
-      </p:par>
-    </p:tnLst>
-  </p:timing>
-</p:sld>
-</file>
-
-<file path=ppt/slides/slide12.xml><?xml version="1.0" encoding="utf-8"?>
-<p:sld xmlns:a="http://schemas.openxmlformats.org/drawingml/2006/main" xmlns:r="http://schemas.openxmlformats.org/officeDocument/2006/relationships" xmlns:p="http://schemas.openxmlformats.org/presentationml/2006/main">
-  <p:cSld>
-    <p:spTree>
-      <p:nvGrpSpPr>
-        <p:cNvPr id="1" name=""/>
-        <p:cNvGrpSpPr/>
-        <p:nvPr/>
-      </p:nvGrpSpPr>
-      <p:grpSpPr>
-        <a:xfrm>
-          <a:off x="0" y="0"/>
-          <a:ext cx="0" cy="0"/>
-          <a:chOff x="0" y="0"/>
-          <a:chExt cx="0" cy="0"/>
-        </a:xfrm>
-      </p:grpSpPr>
-      <p:sp>
-        <p:nvSpPr>
-          <p:cNvPr id="2" name="Title 1"/>
-          <p:cNvSpPr>
-            <a:spLocks noGrp="1"/>
-          </p:cNvSpPr>
-          <p:nvPr>
-            <p:ph type="title"/>
-          </p:nvPr>
-        </p:nvSpPr>
-        <p:spPr/>
-        <p:txBody>
-          <a:bodyPr/>
-          <a:lstStyle/>
-          <a:p>
-            <a:r>
-              <a:rPr lang="de-DE" dirty="0" err="1"/>
-              <a:t>lessons</a:t>
-            </a:r>
-            <a:r>
-              <a:rPr lang="de-DE" dirty="0"/>
-              <a:t> </a:t>
-            </a:r>
-            <a:r>
-              <a:rPr lang="de-DE" dirty="0" err="1" smtClean="0"/>
-              <a:t>learnt</a:t>
-            </a:r>
-            <a:r>
-              <a:rPr lang="de-DE" dirty="0" smtClean="0"/>
-              <a:t> / Feedback : </a:t>
-            </a:r>
-            <a:r>
-              <a:rPr lang="de-DE" dirty="0" err="1" smtClean="0"/>
-              <a:t>Course</a:t>
-            </a:r>
-            <a:endParaRPr lang="en-US" dirty="0"/>
-          </a:p>
-        </p:txBody>
-      </p:sp>
-      <p:sp>
-        <p:nvSpPr>
-          <p:cNvPr id="3" name="Content Placeholder 2"/>
-          <p:cNvSpPr>
-            <a:spLocks noGrp="1"/>
-          </p:cNvSpPr>
-          <p:nvPr>
-            <p:ph idx="1"/>
-          </p:nvPr>
-        </p:nvSpPr>
-        <p:spPr/>
-        <p:txBody>
-          <a:bodyPr>
-            <a:normAutofit/>
-          </a:bodyPr>
-          <a:lstStyle/>
-          <a:p>
-            <a:r>
               <a:rPr lang="en-US" sz="3200" dirty="0" smtClean="0"/>
               <a:t>Project only 25% of final grade </a:t>
             </a:r>
@@ -12915,8 +12798,17 @@
               <a:rPr lang="en-US" sz="3200" dirty="0" smtClean="0">
                 <a:sym typeface="Wingdings"/>
               </a:rPr>
-              <a:t>More “real-world” project appreciated</a:t>
-            </a:r>
+              <a:t>More “real-world” project </a:t>
+            </a:r>
+            <a:r>
+              <a:rPr lang="en-US" sz="3200" dirty="0" smtClean="0">
+                <a:sym typeface="Wingdings"/>
+              </a:rPr>
+              <a:t>appreciated (or something you can identify with…)</a:t>
+            </a:r>
+            <a:endParaRPr lang="en-US" sz="3200" dirty="0" smtClean="0">
+              <a:sym typeface="Wingdings"/>
+            </a:endParaRPr>
           </a:p>
           <a:p>
             <a:r>
@@ -12967,7 +12859,7 @@
 </p:sld>
 </file>
 
-<file path=ppt/slides/slide13.xml><?xml version="1.0" encoding="utf-8"?>
+<file path=ppt/slides/slide12.xml><?xml version="1.0" encoding="utf-8"?>
 <p:sld xmlns:a="http://schemas.openxmlformats.org/drawingml/2006/main" xmlns:r="http://schemas.openxmlformats.org/officeDocument/2006/relationships" xmlns:p="http://schemas.openxmlformats.org/presentationml/2006/main">
   <p:cSld>
     <p:spTree>
@@ -13376,11 +13268,41 @@
           </a:p>
           <a:p>
             <a:r>
+              <a:rPr lang="de-DE" dirty="0" err="1" smtClean="0"/>
+              <a:t>Entities</a:t>
+            </a:r>
+            <a:r>
               <a:rPr lang="de-DE" dirty="0" smtClean="0"/>
-              <a:t>...</a:t>
-            </a:r>
-          </a:p>
-          <a:p>
+              <a:t> (Database)</a:t>
+            </a:r>
+          </a:p>
+          <a:p>
+            <a:r>
+              <a:rPr lang="de-DE" dirty="0" smtClean="0"/>
+              <a:t> </a:t>
+            </a:r>
+            <a:r>
+              <a:rPr lang="de-DE" dirty="0" err="1" smtClean="0"/>
+              <a:t>google</a:t>
+            </a:r>
+            <a:r>
+              <a:rPr lang="de-DE" dirty="0" smtClean="0"/>
+              <a:t> </a:t>
+            </a:r>
+            <a:r>
+              <a:rPr lang="de-DE" dirty="0" err="1" smtClean="0"/>
+              <a:t>maps</a:t>
+            </a:r>
+            <a:r>
+              <a:rPr lang="de-DE" dirty="0" smtClean="0"/>
+              <a:t> route</a:t>
+            </a:r>
+          </a:p>
+          <a:p>
+            <a:r>
+              <a:rPr lang="de-DE" dirty="0" err="1" smtClean="0"/>
+              <a:t>calendar</a:t>
+            </a:r>
             <a:endParaRPr lang="de-DE" dirty="0"/>
           </a:p>
           <a:p>
@@ -13395,8 +13317,32 @@
           <a:p>
             <a:r>
               <a:rPr lang="de-DE" dirty="0" smtClean="0"/>
-              <a:t>...</a:t>
-            </a:r>
+              <a:t>JPA</a:t>
+            </a:r>
+          </a:p>
+          <a:p>
+            <a:r>
+              <a:rPr lang="de-DE" dirty="0" smtClean="0"/>
+              <a:t>Google </a:t>
+            </a:r>
+            <a:r>
+              <a:rPr lang="de-DE" dirty="0" err="1" smtClean="0"/>
+              <a:t>Maps</a:t>
+            </a:r>
+            <a:r>
+              <a:rPr lang="de-DE" dirty="0" smtClean="0"/>
+              <a:t> API</a:t>
+            </a:r>
+          </a:p>
+          <a:p>
+            <a:r>
+              <a:rPr lang="de-DE" dirty="0" err="1" smtClean="0"/>
+              <a:t>vaadins</a:t>
+            </a:r>
+            <a:endParaRPr lang="de-DE" dirty="0" smtClean="0"/>
+          </a:p>
+          <a:p>
+            <a:endParaRPr lang="de-DE" dirty="0" smtClean="0"/>
           </a:p>
         </p:txBody>
       </p:sp>
@@ -13512,10 +13458,25 @@
           <a:p>
             <a:r>
               <a:rPr lang="de-DE" dirty="0" smtClean="0"/>
-              <a:t>...</a:t>
-            </a:r>
-          </a:p>
-          <a:p>
+              <a:t>Patient (Entity, View), </a:t>
+            </a:r>
+            <a:r>
+              <a:rPr lang="de-DE" dirty="0" err="1" smtClean="0"/>
+              <a:t>PatientList</a:t>
+            </a:r>
+            <a:r>
+              <a:rPr lang="de-DE" dirty="0" smtClean="0"/>
+              <a:t> (View)</a:t>
+            </a:r>
+          </a:p>
+          <a:p>
+            <a:pPr marL="0" indent="0">
+              <a:buNone/>
+            </a:pPr>
+            <a:r>
+              <a:rPr lang="de-DE" dirty="0" smtClean="0"/>
+              <a:t> </a:t>
+            </a:r>
             <a:endParaRPr lang="de-DE" dirty="0"/>
           </a:p>
           <a:p>
@@ -13529,9 +13490,43 @@
           </a:p>
           <a:p>
             <a:r>
+              <a:rPr lang="de-DE" dirty="0" err="1" smtClean="0"/>
+              <a:t>Persistence</a:t>
+            </a:r>
+            <a:r>
               <a:rPr lang="de-DE" dirty="0" smtClean="0"/>
-              <a:t>...</a:t>
-            </a:r>
+              <a:t>, </a:t>
+            </a:r>
+            <a:r>
+              <a:rPr lang="de-DE" dirty="0" err="1" smtClean="0"/>
+              <a:t>Entities</a:t>
+            </a:r>
+            <a:endParaRPr lang="de-DE" dirty="0" smtClean="0"/>
+          </a:p>
+          <a:p>
+            <a:r>
+              <a:rPr lang="de-DE" dirty="0" err="1" smtClean="0"/>
+              <a:t>Git</a:t>
+            </a:r>
+            <a:endParaRPr lang="de-DE" dirty="0" smtClean="0"/>
+          </a:p>
+          <a:p>
+            <a:r>
+              <a:rPr lang="de-DE" dirty="0" err="1" smtClean="0"/>
+              <a:t>Vaadin</a:t>
+            </a:r>
+            <a:endParaRPr lang="de-DE" dirty="0" smtClean="0"/>
+          </a:p>
+          <a:p>
+            <a:r>
+              <a:rPr lang="de-DE" dirty="0" smtClean="0"/>
+              <a:t>SCRUM-</a:t>
+            </a:r>
+            <a:r>
+              <a:rPr lang="de-DE" dirty="0" err="1" smtClean="0"/>
+              <a:t>method</a:t>
+            </a:r>
+            <a:endParaRPr lang="de-DE" dirty="0" smtClean="0"/>
           </a:p>
         </p:txBody>
       </p:sp>

--- a/doc/task14/final_presentation.pptx
+++ b/doc/task14/final_presentation.pptx
@@ -13642,7 +13642,11 @@
           <a:p>
             <a:r>
               <a:rPr lang="de-DE" dirty="0" smtClean="0"/>
-              <a:t>Drugs, </a:t>
+              <a:t>Drugs</a:t>
+            </a:r>
+            <a:r>
+              <a:rPr lang="de-DE" dirty="0" smtClean="0"/>
+              <a:t>, </a:t>
             </a:r>
             <a:r>
               <a:rPr lang="de-DE" dirty="0" err="1" smtClean="0"/>
@@ -13652,9 +13656,32 @@
               <a:rPr lang="de-DE" dirty="0" smtClean="0"/>
               <a:t> (Model, View, Entity), </a:t>
             </a:r>
+            <a:endParaRPr lang="de-DE" dirty="0" smtClean="0"/>
+          </a:p>
+          <a:p>
             <a:r>
               <a:rPr lang="de-DE" dirty="0" err="1" smtClean="0"/>
               <a:t>DrugCart</a:t>
+            </a:r>
+            <a:r>
+              <a:rPr lang="de-DE" dirty="0" smtClean="0"/>
+              <a:t>, send </a:t>
+            </a:r>
+            <a:r>
+              <a:rPr lang="de-DE" dirty="0" err="1" smtClean="0"/>
+              <a:t>DrugOrder</a:t>
+            </a:r>
+            <a:r>
+              <a:rPr lang="de-DE" dirty="0" smtClean="0"/>
+              <a:t> </a:t>
+            </a:r>
+            <a:r>
+              <a:rPr lang="de-DE" dirty="0" err="1" smtClean="0"/>
+              <a:t>by</a:t>
+            </a:r>
+            <a:r>
+              <a:rPr lang="de-DE" dirty="0" smtClean="0"/>
+              <a:t> Email</a:t>
             </a:r>
             <a:endParaRPr lang="de-DE" dirty="0" smtClean="0"/>
           </a:p>
@@ -13885,15 +13912,41 @@
               <a:buNone/>
             </a:pPr>
             <a:r>
+              <a:rPr lang="de-DE" dirty="0"/>
+              <a:t>CONTRIBUTIONS</a:t>
+            </a:r>
+            <a:r>
               <a:rPr lang="de-DE" dirty="0" smtClean="0"/>
-              <a:t>CONTRIBUTIONS:</a:t>
-            </a:r>
-          </a:p>
-          <a:p>
+              <a:t>:</a:t>
+            </a:r>
+            <a:endParaRPr lang="de-DE" dirty="0" smtClean="0"/>
+          </a:p>
+          <a:p>
+            <a:r>
+              <a:rPr lang="de-DE" dirty="0" err="1" smtClean="0"/>
+              <a:t>PatientVisitHistoryListView</a:t>
+            </a:r>
             <a:r>
               <a:rPr lang="de-DE" dirty="0" smtClean="0"/>
-              <a:t>...</a:t>
-            </a:r>
+              <a:t>, </a:t>
+            </a:r>
+            <a:r>
+              <a:rPr lang="de-DE" dirty="0" err="1" smtClean="0"/>
+              <a:t>EmergencyContactView</a:t>
+            </a:r>
+            <a:r>
+              <a:rPr lang="de-DE" dirty="0" smtClean="0"/>
+              <a:t>/Edit (</a:t>
+            </a:r>
+            <a:r>
+              <a:rPr lang="de-DE" dirty="0" err="1" smtClean="0"/>
+              <a:t>Model,View,Entity</a:t>
+            </a:r>
+            <a:r>
+              <a:rPr lang="de-DE" dirty="0" smtClean="0"/>
+              <a:t>)</a:t>
+            </a:r>
+            <a:endParaRPr lang="de-DE" dirty="0" smtClean="0"/>
           </a:p>
           <a:p>
             <a:endParaRPr lang="de-DE" dirty="0"/>
@@ -13909,9 +13962,175 @@
           </a:p>
           <a:p>
             <a:r>
+              <a:rPr lang="de-DE" dirty="0" err="1" smtClean="0"/>
+              <a:t>How</a:t>
+            </a:r>
+            <a:r>
               <a:rPr lang="de-DE" dirty="0" smtClean="0"/>
-              <a:t>...</a:t>
-            </a:r>
+              <a:t> </a:t>
+            </a:r>
+            <a:r>
+              <a:rPr lang="de-DE" dirty="0" err="1" smtClean="0"/>
+              <a:t>Repositories</a:t>
+            </a:r>
+            <a:r>
+              <a:rPr lang="de-DE" dirty="0" smtClean="0"/>
+              <a:t> </a:t>
+            </a:r>
+            <a:r>
+              <a:rPr lang="de-DE" dirty="0" err="1" smtClean="0"/>
+              <a:t>work</a:t>
+            </a:r>
+            <a:r>
+              <a:rPr lang="de-DE" dirty="0" smtClean="0"/>
+              <a:t>... </a:t>
+            </a:r>
+            <a:r>
+              <a:rPr lang="de-DE" dirty="0" err="1" smtClean="0"/>
+              <a:t>Several</a:t>
+            </a:r>
+            <a:r>
+              <a:rPr lang="de-DE" dirty="0" smtClean="0"/>
+              <a:t> </a:t>
+            </a:r>
+            <a:r>
+              <a:rPr lang="de-DE" dirty="0" err="1" smtClean="0"/>
+              <a:t>people</a:t>
+            </a:r>
+            <a:r>
+              <a:rPr lang="de-DE" dirty="0" smtClean="0"/>
+              <a:t> </a:t>
+            </a:r>
+            <a:r>
+              <a:rPr lang="de-DE" dirty="0" err="1" smtClean="0"/>
+              <a:t>working</a:t>
+            </a:r>
+            <a:r>
+              <a:rPr lang="de-DE" dirty="0" smtClean="0"/>
+              <a:t> at </a:t>
+            </a:r>
+            <a:r>
+              <a:rPr lang="de-DE" dirty="0" err="1" smtClean="0"/>
+              <a:t>the</a:t>
+            </a:r>
+            <a:r>
+              <a:rPr lang="de-DE" dirty="0" smtClean="0"/>
+              <a:t> same Project</a:t>
+            </a:r>
+            <a:endParaRPr lang="de-DE" dirty="0"/>
+          </a:p>
+          <a:p>
+            <a:r>
+              <a:rPr lang="de-DE" dirty="0" err="1" smtClean="0"/>
+              <a:t>How</a:t>
+            </a:r>
+            <a:r>
+              <a:rPr lang="de-DE" dirty="0" smtClean="0"/>
+              <a:t> a Project </a:t>
+            </a:r>
+            <a:r>
+              <a:rPr lang="de-DE" dirty="0" err="1" smtClean="0"/>
+              <a:t>is</a:t>
+            </a:r>
+            <a:r>
+              <a:rPr lang="de-DE" dirty="0" smtClean="0"/>
+              <a:t> </a:t>
+            </a:r>
+            <a:r>
+              <a:rPr lang="de-DE" dirty="0" err="1" smtClean="0"/>
+              <a:t>structured</a:t>
+            </a:r>
+            <a:r>
+              <a:rPr lang="de-DE" dirty="0" smtClean="0"/>
+              <a:t> (</a:t>
+            </a:r>
+            <a:r>
+              <a:rPr lang="de-DE" dirty="0" err="1" smtClean="0"/>
+              <a:t>Scrum</a:t>
+            </a:r>
+            <a:r>
+              <a:rPr lang="de-DE" dirty="0" smtClean="0"/>
+              <a:t>)</a:t>
+            </a:r>
+          </a:p>
+          <a:p>
+            <a:r>
+              <a:rPr lang="de-DE" dirty="0" err="1" smtClean="0"/>
+              <a:t>Using</a:t>
+            </a:r>
+            <a:r>
+              <a:rPr lang="de-DE" dirty="0" smtClean="0"/>
+              <a:t> </a:t>
+            </a:r>
+            <a:r>
+              <a:rPr lang="de-DE" dirty="0" err="1" smtClean="0"/>
+              <a:t>API‘s</a:t>
+            </a:r>
+            <a:r>
+              <a:rPr lang="de-DE" dirty="0" smtClean="0"/>
+              <a:t> </a:t>
+            </a:r>
+            <a:r>
+              <a:rPr lang="de-DE" dirty="0" err="1" smtClean="0"/>
+              <a:t>isn‘t</a:t>
+            </a:r>
+            <a:r>
+              <a:rPr lang="de-DE" dirty="0" smtClean="0"/>
+              <a:t> </a:t>
+            </a:r>
+            <a:r>
+              <a:rPr lang="de-DE" dirty="0" err="1" smtClean="0"/>
+              <a:t>always</a:t>
+            </a:r>
+            <a:r>
+              <a:rPr lang="de-DE" dirty="0" smtClean="0"/>
+              <a:t> </a:t>
+            </a:r>
+            <a:r>
+              <a:rPr lang="de-DE" dirty="0" err="1" smtClean="0"/>
+              <a:t>more</a:t>
+            </a:r>
+            <a:r>
+              <a:rPr lang="de-DE" dirty="0" smtClean="0"/>
+              <a:t> </a:t>
+            </a:r>
+            <a:r>
+              <a:rPr lang="de-DE" dirty="0" err="1" smtClean="0"/>
+              <a:t>comfortable</a:t>
+            </a:r>
+            <a:r>
+              <a:rPr lang="de-DE" dirty="0" smtClean="0"/>
+              <a:t>, but </a:t>
+            </a:r>
+            <a:r>
+              <a:rPr lang="de-DE" dirty="0" err="1" smtClean="0"/>
+              <a:t>it</a:t>
+            </a:r>
+            <a:r>
+              <a:rPr lang="de-DE" dirty="0" smtClean="0"/>
+              <a:t> </a:t>
+            </a:r>
+            <a:r>
+              <a:rPr lang="de-DE" dirty="0" err="1" smtClean="0"/>
+              <a:t>makes</a:t>
+            </a:r>
+            <a:r>
+              <a:rPr lang="de-DE" dirty="0" smtClean="0"/>
+              <a:t> </a:t>
+            </a:r>
+            <a:r>
+              <a:rPr lang="de-DE" dirty="0" err="1" smtClean="0"/>
+              <a:t>life</a:t>
+            </a:r>
+            <a:r>
+              <a:rPr lang="de-DE" dirty="0" smtClean="0"/>
+              <a:t> </a:t>
+            </a:r>
+            <a:r>
+              <a:rPr lang="de-DE" dirty="0" err="1" smtClean="0"/>
+              <a:t>easier</a:t>
+            </a:r>
+            <a:endParaRPr lang="de-DE" dirty="0" smtClean="0"/>
           </a:p>
         </p:txBody>
       </p:sp>

--- a/doc/task14/final_presentation.pptx
+++ b/doc/task14/final_presentation.pptx
@@ -6,17 +6,16 @@
   </p:sldMasterIdLst>
   <p:sldIdLst>
     <p:sldId id="256" r:id="rId2"/>
-    <p:sldId id="260" r:id="rId3"/>
-    <p:sldId id="267" r:id="rId4"/>
-    <p:sldId id="268" r:id="rId5"/>
-    <p:sldId id="269" r:id="rId6"/>
-    <p:sldId id="270" r:id="rId7"/>
-    <p:sldId id="271" r:id="rId8"/>
-    <p:sldId id="266" r:id="rId9"/>
-    <p:sldId id="262" r:id="rId10"/>
-    <p:sldId id="263" r:id="rId11"/>
-    <p:sldId id="264" r:id="rId12"/>
-    <p:sldId id="265" r:id="rId13"/>
+    <p:sldId id="267" r:id="rId3"/>
+    <p:sldId id="268" r:id="rId4"/>
+    <p:sldId id="269" r:id="rId5"/>
+    <p:sldId id="270" r:id="rId6"/>
+    <p:sldId id="271" r:id="rId7"/>
+    <p:sldId id="266" r:id="rId8"/>
+    <p:sldId id="262" r:id="rId9"/>
+    <p:sldId id="263" r:id="rId10"/>
+    <p:sldId id="264" r:id="rId11"/>
+    <p:sldId id="265" r:id="rId12"/>
   </p:sldIdLst>
   <p:sldSz cx="12192000" cy="6858000"/>
   <p:notesSz cx="6858000" cy="9144000"/>
@@ -184,7 +183,7 @@
           <a:noFill/>
           <a:extLst>
             <a:ext uri="{909E8E84-426E-40dd-AFC4-6F175D3DCCD1}">
-              <a14:hiddenFill xmlns="" xmlns:a14="http://schemas.microsoft.com/office/drawing/2010/main">
+              <a14:hiddenFill xmlns:a14="http://schemas.microsoft.com/office/drawing/2010/main" xmlns="">
                 <a:solidFill>
                   <a:srgbClr val="FFFFFF"/>
                 </a:solidFill>
@@ -244,7 +243,7 @@
             </a:ln>
             <a:extLst>
               <a:ext uri="{91240B29-F687-4f45-9708-019B960494DF}">
-                <a14:hiddenLine xmlns="" xmlns:a14="http://schemas.microsoft.com/office/drawing/2010/main" w="9525">
+                <a14:hiddenLine xmlns:a14="http://schemas.microsoft.com/office/drawing/2010/main" xmlns="" w="9525">
                   <a:solidFill>
                     <a:srgbClr val="000000"/>
                   </a:solidFill>
@@ -334,7 +333,7 @@
             </a:ln>
             <a:extLst>
               <a:ext uri="{91240B29-F687-4f45-9708-019B960494DF}">
-                <a14:hiddenLine xmlns="" xmlns:a14="http://schemas.microsoft.com/office/drawing/2010/main" w="9525">
+                <a14:hiddenLine xmlns:a14="http://schemas.microsoft.com/office/drawing/2010/main" xmlns="" w="9525">
                   <a:solidFill>
                     <a:srgbClr val="000000"/>
                   </a:solidFill>
@@ -424,7 +423,7 @@
             </a:ln>
             <a:extLst>
               <a:ext uri="{91240B29-F687-4f45-9708-019B960494DF}">
-                <a14:hiddenLine xmlns="" xmlns:a14="http://schemas.microsoft.com/office/drawing/2010/main" w="9525">
+                <a14:hiddenLine xmlns:a14="http://schemas.microsoft.com/office/drawing/2010/main" xmlns="" w="9525">
                   <a:solidFill>
                     <a:srgbClr val="000000"/>
                   </a:solidFill>
@@ -458,7 +457,7 @@
             </a:ln>
             <a:extLst>
               <a:ext uri="{91240B29-F687-4f45-9708-019B960494DF}">
-                <a14:hiddenLine xmlns="" xmlns:a14="http://schemas.microsoft.com/office/drawing/2010/main" w="9525">
+                <a14:hiddenLine xmlns:a14="http://schemas.microsoft.com/office/drawing/2010/main" xmlns="" w="9525">
                   <a:solidFill>
                     <a:srgbClr val="000000"/>
                   </a:solidFill>
@@ -548,7 +547,7 @@
             </a:ln>
             <a:extLst>
               <a:ext uri="{91240B29-F687-4f45-9708-019B960494DF}">
-                <a14:hiddenLine xmlns="" xmlns:a14="http://schemas.microsoft.com/office/drawing/2010/main" w="9525">
+                <a14:hiddenLine xmlns:a14="http://schemas.microsoft.com/office/drawing/2010/main" xmlns="" w="9525">
                   <a:solidFill>
                     <a:srgbClr val="000000"/>
                   </a:solidFill>
@@ -610,7 +609,7 @@
             </a:ln>
             <a:extLst>
               <a:ext uri="{91240B29-F687-4f45-9708-019B960494DF}">
-                <a14:hiddenLine xmlns="" xmlns:a14="http://schemas.microsoft.com/office/drawing/2010/main" w="9525">
+                <a14:hiddenLine xmlns:a14="http://schemas.microsoft.com/office/drawing/2010/main" xmlns="" w="9525">
                   <a:solidFill>
                     <a:srgbClr val="000000"/>
                   </a:solidFill>
@@ -672,7 +671,7 @@
             </a:ln>
             <a:extLst>
               <a:ext uri="{91240B29-F687-4f45-9708-019B960494DF}">
-                <a14:hiddenLine xmlns="" xmlns:a14="http://schemas.microsoft.com/office/drawing/2010/main" w="9525">
+                <a14:hiddenLine xmlns:a14="http://schemas.microsoft.com/office/drawing/2010/main" xmlns="" w="9525">
                   <a:solidFill>
                     <a:srgbClr val="000000"/>
                   </a:solidFill>
@@ -762,7 +761,7 @@
             </a:ln>
             <a:extLst>
               <a:ext uri="{91240B29-F687-4f45-9708-019B960494DF}">
-                <a14:hiddenLine xmlns="" xmlns:a14="http://schemas.microsoft.com/office/drawing/2010/main" w="9525">
+                <a14:hiddenLine xmlns:a14="http://schemas.microsoft.com/office/drawing/2010/main" xmlns="" w="9525">
                   <a:solidFill>
                     <a:srgbClr val="000000"/>
                   </a:solidFill>
@@ -824,7 +823,7 @@
             </a:ln>
             <a:extLst>
               <a:ext uri="{91240B29-F687-4f45-9708-019B960494DF}">
-                <a14:hiddenLine xmlns="" xmlns:a14="http://schemas.microsoft.com/office/drawing/2010/main" w="9525">
+                <a14:hiddenLine xmlns:a14="http://schemas.microsoft.com/office/drawing/2010/main" xmlns="" w="9525">
                   <a:solidFill>
                     <a:srgbClr val="000000"/>
                   </a:solidFill>
@@ -886,7 +885,7 @@
             </a:ln>
             <a:extLst>
               <a:ext uri="{91240B29-F687-4f45-9708-019B960494DF}">
-                <a14:hiddenLine xmlns="" xmlns:a14="http://schemas.microsoft.com/office/drawing/2010/main" w="9525">
+                <a14:hiddenLine xmlns:a14="http://schemas.microsoft.com/office/drawing/2010/main" xmlns="" w="9525">
                   <a:solidFill>
                     <a:srgbClr val="000000"/>
                   </a:solidFill>
@@ -976,7 +975,7 @@
             </a:ln>
             <a:extLst>
               <a:ext uri="{91240B29-F687-4f45-9708-019B960494DF}">
-                <a14:hiddenLine xmlns="" xmlns:a14="http://schemas.microsoft.com/office/drawing/2010/main" w="9525">
+                <a14:hiddenLine xmlns:a14="http://schemas.microsoft.com/office/drawing/2010/main" xmlns="" w="9525">
                   <a:solidFill>
                     <a:srgbClr val="000000"/>
                   </a:solidFill>
@@ -1066,7 +1065,7 @@
             </a:ln>
             <a:extLst>
               <a:ext uri="{91240B29-F687-4f45-9708-019B960494DF}">
-                <a14:hiddenLine xmlns="" xmlns:a14="http://schemas.microsoft.com/office/drawing/2010/main" w="9525">
+                <a14:hiddenLine xmlns:a14="http://schemas.microsoft.com/office/drawing/2010/main" xmlns="" w="9525">
                   <a:solidFill>
                     <a:srgbClr val="000000"/>
                   </a:solidFill>
@@ -1128,7 +1127,7 @@
             </a:ln>
             <a:extLst>
               <a:ext uri="{91240B29-F687-4f45-9708-019B960494DF}">
-                <a14:hiddenLine xmlns="" xmlns:a14="http://schemas.microsoft.com/office/drawing/2010/main" w="9525">
+                <a14:hiddenLine xmlns:a14="http://schemas.microsoft.com/office/drawing/2010/main" xmlns="" w="9525">
                   <a:solidFill>
                     <a:srgbClr val="000000"/>
                   </a:solidFill>
@@ -1238,7 +1237,7 @@
             </a:ln>
             <a:extLst>
               <a:ext uri="{91240B29-F687-4f45-9708-019B960494DF}">
-                <a14:hiddenLine xmlns="" xmlns:a14="http://schemas.microsoft.com/office/drawing/2010/main" w="9525">
+                <a14:hiddenLine xmlns:a14="http://schemas.microsoft.com/office/drawing/2010/main" xmlns="" w="9525">
                   <a:solidFill>
                     <a:srgbClr val="000000"/>
                   </a:solidFill>
@@ -1300,7 +1299,7 @@
             </a:ln>
             <a:extLst>
               <a:ext uri="{91240B29-F687-4f45-9708-019B960494DF}">
-                <a14:hiddenLine xmlns="" xmlns:a14="http://schemas.microsoft.com/office/drawing/2010/main" w="9525">
+                <a14:hiddenLine xmlns:a14="http://schemas.microsoft.com/office/drawing/2010/main" xmlns="" w="9525">
                   <a:solidFill>
                     <a:srgbClr val="000000"/>
                   </a:solidFill>
@@ -1390,7 +1389,7 @@
             </a:ln>
             <a:extLst>
               <a:ext uri="{91240B29-F687-4f45-9708-019B960494DF}">
-                <a14:hiddenLine xmlns="" xmlns:a14="http://schemas.microsoft.com/office/drawing/2010/main" w="9525">
+                <a14:hiddenLine xmlns:a14="http://schemas.microsoft.com/office/drawing/2010/main" xmlns="" w="9525">
                   <a:solidFill>
                     <a:srgbClr val="000000"/>
                   </a:solidFill>
@@ -1480,7 +1479,7 @@
             </a:ln>
             <a:extLst>
               <a:ext uri="{91240B29-F687-4f45-9708-019B960494DF}">
-                <a14:hiddenLine xmlns="" xmlns:a14="http://schemas.microsoft.com/office/drawing/2010/main" w="9525">
+                <a14:hiddenLine xmlns:a14="http://schemas.microsoft.com/office/drawing/2010/main" xmlns="" w="9525">
                   <a:solidFill>
                     <a:srgbClr val="000000"/>
                   </a:solidFill>
@@ -1542,7 +1541,7 @@
             </a:ln>
             <a:extLst>
               <a:ext uri="{91240B29-F687-4f45-9708-019B960494DF}">
-                <a14:hiddenLine xmlns="" xmlns:a14="http://schemas.microsoft.com/office/drawing/2010/main" w="9525">
+                <a14:hiddenLine xmlns:a14="http://schemas.microsoft.com/office/drawing/2010/main" xmlns="" w="9525">
                   <a:solidFill>
                     <a:srgbClr val="000000"/>
                   </a:solidFill>
@@ -1632,7 +1631,7 @@
             </a:ln>
             <a:extLst>
               <a:ext uri="{91240B29-F687-4f45-9708-019B960494DF}">
-                <a14:hiddenLine xmlns="" xmlns:a14="http://schemas.microsoft.com/office/drawing/2010/main" w="9525">
+                <a14:hiddenLine xmlns:a14="http://schemas.microsoft.com/office/drawing/2010/main" xmlns="" w="9525">
                   <a:solidFill>
                     <a:srgbClr val="000000"/>
                   </a:solidFill>
@@ -1722,7 +1721,7 @@
             </a:ln>
             <a:extLst>
               <a:ext uri="{91240B29-F687-4f45-9708-019B960494DF}">
-                <a14:hiddenLine xmlns="" xmlns:a14="http://schemas.microsoft.com/office/drawing/2010/main" w="9525">
+                <a14:hiddenLine xmlns:a14="http://schemas.microsoft.com/office/drawing/2010/main" xmlns="" w="9525">
                   <a:solidFill>
                     <a:srgbClr val="000000"/>
                   </a:solidFill>
@@ -1778,7 +1777,7 @@
             </a:ln>
             <a:extLst>
               <a:ext uri="{91240B29-F687-4f45-9708-019B960494DF}">
-                <a14:hiddenLine xmlns="" xmlns:a14="http://schemas.microsoft.com/office/drawing/2010/main" w="9525">
+                <a14:hiddenLine xmlns:a14="http://schemas.microsoft.com/office/drawing/2010/main" xmlns="" w="9525">
                   <a:solidFill>
                     <a:srgbClr val="000000"/>
                   </a:solidFill>
@@ -1868,7 +1867,7 @@
             </a:ln>
             <a:extLst>
               <a:ext uri="{91240B29-F687-4f45-9708-019B960494DF}">
-                <a14:hiddenLine xmlns="" xmlns:a14="http://schemas.microsoft.com/office/drawing/2010/main" w="9525">
+                <a14:hiddenLine xmlns:a14="http://schemas.microsoft.com/office/drawing/2010/main" xmlns="" w="9525">
                   <a:solidFill>
                     <a:srgbClr val="000000"/>
                   </a:solidFill>
@@ -1924,7 +1923,7 @@
             </a:ln>
             <a:extLst>
               <a:ext uri="{91240B29-F687-4f45-9708-019B960494DF}">
-                <a14:hiddenLine xmlns="" xmlns:a14="http://schemas.microsoft.com/office/drawing/2010/main" w="9525">
+                <a14:hiddenLine xmlns:a14="http://schemas.microsoft.com/office/drawing/2010/main" xmlns="" w="9525">
                   <a:solidFill>
                     <a:srgbClr val="000000"/>
                   </a:solidFill>
@@ -2014,7 +2013,7 @@
             </a:ln>
             <a:extLst>
               <a:ext uri="{91240B29-F687-4f45-9708-019B960494DF}">
-                <a14:hiddenLine xmlns="" xmlns:a14="http://schemas.microsoft.com/office/drawing/2010/main" w="9525">
+                <a14:hiddenLine xmlns:a14="http://schemas.microsoft.com/office/drawing/2010/main" xmlns="" w="9525">
                   <a:solidFill>
                     <a:srgbClr val="000000"/>
                   </a:solidFill>
@@ -2082,7 +2081,7 @@
             </a:ln>
             <a:extLst>
               <a:ext uri="{91240B29-F687-4f45-9708-019B960494DF}">
-                <a14:hiddenLine xmlns="" xmlns:a14="http://schemas.microsoft.com/office/drawing/2010/main" w="9525">
+                <a14:hiddenLine xmlns:a14="http://schemas.microsoft.com/office/drawing/2010/main" xmlns="" w="9525">
                   <a:solidFill>
                     <a:srgbClr val="000000"/>
                   </a:solidFill>
@@ -2172,7 +2171,7 @@
             </a:ln>
             <a:extLst>
               <a:ext uri="{91240B29-F687-4f45-9708-019B960494DF}">
-                <a14:hiddenLine xmlns="" xmlns:a14="http://schemas.microsoft.com/office/drawing/2010/main" w="9525">
+                <a14:hiddenLine xmlns:a14="http://schemas.microsoft.com/office/drawing/2010/main" xmlns="" w="9525">
                   <a:solidFill>
                     <a:srgbClr val="000000"/>
                   </a:solidFill>
@@ -2240,7 +2239,7 @@
             </a:ln>
             <a:extLst>
               <a:ext uri="{91240B29-F687-4f45-9708-019B960494DF}">
-                <a14:hiddenLine xmlns="" xmlns:a14="http://schemas.microsoft.com/office/drawing/2010/main" w="9525">
+                <a14:hiddenLine xmlns:a14="http://schemas.microsoft.com/office/drawing/2010/main" xmlns="" w="9525">
                   <a:solidFill>
                     <a:srgbClr val="000000"/>
                   </a:solidFill>
@@ -2330,7 +2329,7 @@
             </a:ln>
             <a:extLst>
               <a:ext uri="{91240B29-F687-4f45-9708-019B960494DF}">
-                <a14:hiddenLine xmlns="" xmlns:a14="http://schemas.microsoft.com/office/drawing/2010/main" w="9525">
+                <a14:hiddenLine xmlns:a14="http://schemas.microsoft.com/office/drawing/2010/main" xmlns="" w="9525">
                   <a:solidFill>
                     <a:srgbClr val="000000"/>
                   </a:solidFill>
@@ -2364,7 +2363,7 @@
             </a:ln>
             <a:extLst>
               <a:ext uri="{91240B29-F687-4f45-9708-019B960494DF}">
-                <a14:hiddenLine xmlns="" xmlns:a14="http://schemas.microsoft.com/office/drawing/2010/main" w="9525">
+                <a14:hiddenLine xmlns:a14="http://schemas.microsoft.com/office/drawing/2010/main" xmlns="" w="9525">
                   <a:solidFill>
                     <a:srgbClr val="000000"/>
                   </a:solidFill>
@@ -2454,7 +2453,7 @@
             </a:ln>
             <a:extLst>
               <a:ext uri="{91240B29-F687-4f45-9708-019B960494DF}">
-                <a14:hiddenLine xmlns="" xmlns:a14="http://schemas.microsoft.com/office/drawing/2010/main" w="9525">
+                <a14:hiddenLine xmlns:a14="http://schemas.microsoft.com/office/drawing/2010/main" xmlns="" w="9525">
                   <a:solidFill>
                     <a:srgbClr val="000000"/>
                   </a:solidFill>
@@ -2516,7 +2515,7 @@
             </a:ln>
             <a:extLst>
               <a:ext uri="{91240B29-F687-4f45-9708-019B960494DF}">
-                <a14:hiddenLine xmlns="" xmlns:a14="http://schemas.microsoft.com/office/drawing/2010/main" w="9525">
+                <a14:hiddenLine xmlns:a14="http://schemas.microsoft.com/office/drawing/2010/main" xmlns="" w="9525">
                   <a:solidFill>
                     <a:srgbClr val="000000"/>
                   </a:solidFill>
@@ -2578,7 +2577,7 @@
             </a:ln>
             <a:extLst>
               <a:ext uri="{91240B29-F687-4f45-9708-019B960494DF}">
-                <a14:hiddenLine xmlns="" xmlns:a14="http://schemas.microsoft.com/office/drawing/2010/main" w="9525">
+                <a14:hiddenLine xmlns:a14="http://schemas.microsoft.com/office/drawing/2010/main" xmlns="" w="9525">
                   <a:solidFill>
                     <a:srgbClr val="000000"/>
                   </a:solidFill>
@@ -2668,7 +2667,7 @@
             </a:ln>
             <a:extLst>
               <a:ext uri="{91240B29-F687-4f45-9708-019B960494DF}">
-                <a14:hiddenLine xmlns="" xmlns:a14="http://schemas.microsoft.com/office/drawing/2010/main" w="9525">
+                <a14:hiddenLine xmlns:a14="http://schemas.microsoft.com/office/drawing/2010/main" xmlns="" w="9525">
                   <a:solidFill>
                     <a:srgbClr val="000000"/>
                   </a:solidFill>
@@ -2736,7 +2735,7 @@
             </a:ln>
             <a:extLst>
               <a:ext uri="{91240B29-F687-4f45-9708-019B960494DF}">
-                <a14:hiddenLine xmlns="" xmlns:a14="http://schemas.microsoft.com/office/drawing/2010/main" w="9525">
+                <a14:hiddenLine xmlns:a14="http://schemas.microsoft.com/office/drawing/2010/main" xmlns="" w="9525">
                   <a:solidFill>
                     <a:srgbClr val="000000"/>
                   </a:solidFill>
@@ -2798,7 +2797,7 @@
             </a:ln>
             <a:extLst>
               <a:ext uri="{91240B29-F687-4f45-9708-019B960494DF}">
-                <a14:hiddenLine xmlns="" xmlns:a14="http://schemas.microsoft.com/office/drawing/2010/main" w="9525">
+                <a14:hiddenLine xmlns:a14="http://schemas.microsoft.com/office/drawing/2010/main" xmlns="" w="9525">
                   <a:solidFill>
                     <a:srgbClr val="000000"/>
                   </a:solidFill>
@@ -2888,7 +2887,7 @@
             </a:ln>
             <a:extLst>
               <a:ext uri="{91240B29-F687-4f45-9708-019B960494DF}">
-                <a14:hiddenLine xmlns="" xmlns:a14="http://schemas.microsoft.com/office/drawing/2010/main" w="9525">
+                <a14:hiddenLine xmlns:a14="http://schemas.microsoft.com/office/drawing/2010/main" xmlns="" w="9525">
                   <a:solidFill>
                     <a:srgbClr val="000000"/>
                   </a:solidFill>
@@ -2950,7 +2949,7 @@
             </a:ln>
             <a:extLst>
               <a:ext uri="{91240B29-F687-4f45-9708-019B960494DF}">
-                <a14:hiddenLine xmlns="" xmlns:a14="http://schemas.microsoft.com/office/drawing/2010/main" w="9525">
+                <a14:hiddenLine xmlns:a14="http://schemas.microsoft.com/office/drawing/2010/main" xmlns="" w="9525">
                   <a:solidFill>
                     <a:srgbClr val="000000"/>
                   </a:solidFill>
@@ -3040,7 +3039,7 @@
             </a:ln>
             <a:extLst>
               <a:ext uri="{91240B29-F687-4f45-9708-019B960494DF}">
-                <a14:hiddenLine xmlns="" xmlns:a14="http://schemas.microsoft.com/office/drawing/2010/main" w="9525">
+                <a14:hiddenLine xmlns:a14="http://schemas.microsoft.com/office/drawing/2010/main" xmlns="" w="9525">
                   <a:solidFill>
                     <a:srgbClr val="000000"/>
                   </a:solidFill>
@@ -3102,7 +3101,7 @@
             </a:ln>
             <a:extLst>
               <a:ext uri="{91240B29-F687-4f45-9708-019B960494DF}">
-                <a14:hiddenLine xmlns="" xmlns:a14="http://schemas.microsoft.com/office/drawing/2010/main" w="9525">
+                <a14:hiddenLine xmlns:a14="http://schemas.microsoft.com/office/drawing/2010/main" xmlns="" w="9525">
                   <a:solidFill>
                     <a:srgbClr val="000000"/>
                   </a:solidFill>
@@ -3192,7 +3191,7 @@
             </a:ln>
             <a:extLst>
               <a:ext uri="{91240B29-F687-4f45-9708-019B960494DF}">
-                <a14:hiddenLine xmlns="" xmlns:a14="http://schemas.microsoft.com/office/drawing/2010/main" w="9525">
+                <a14:hiddenLine xmlns:a14="http://schemas.microsoft.com/office/drawing/2010/main" xmlns="" w="9525">
                   <a:solidFill>
                     <a:srgbClr val="000000"/>
                   </a:solidFill>
@@ -3226,7 +3225,7 @@
             </a:ln>
             <a:extLst>
               <a:ext uri="{91240B29-F687-4f45-9708-019B960494DF}">
-                <a14:hiddenLine xmlns="" xmlns:a14="http://schemas.microsoft.com/office/drawing/2010/main" w="9525">
+                <a14:hiddenLine xmlns:a14="http://schemas.microsoft.com/office/drawing/2010/main" xmlns="" w="9525">
                   <a:solidFill>
                     <a:srgbClr val="000000"/>
                   </a:solidFill>
@@ -3291,7 +3290,7 @@
             </a:ln>
             <a:extLst>
               <a:ext uri="{91240B29-F687-4f45-9708-019B960494DF}">
-                <a14:hiddenLine xmlns="" xmlns:a14="http://schemas.microsoft.com/office/drawing/2010/main" w="9525">
+                <a14:hiddenLine xmlns:a14="http://schemas.microsoft.com/office/drawing/2010/main" xmlns="" w="9525">
                   <a:solidFill>
                     <a:srgbClr val="000000"/>
                   </a:solidFill>
@@ -3381,7 +3380,7 @@
             </a:ln>
             <a:extLst>
               <a:ext uri="{91240B29-F687-4f45-9708-019B960494DF}">
-                <a14:hiddenLine xmlns="" xmlns:a14="http://schemas.microsoft.com/office/drawing/2010/main" w="9525">
+                <a14:hiddenLine xmlns:a14="http://schemas.microsoft.com/office/drawing/2010/main" xmlns="" w="9525">
                   <a:solidFill>
                     <a:srgbClr val="000000"/>
                   </a:solidFill>
@@ -3443,7 +3442,7 @@
             </a:ln>
             <a:extLst>
               <a:ext uri="{91240B29-F687-4f45-9708-019B960494DF}">
-                <a14:hiddenLine xmlns="" xmlns:a14="http://schemas.microsoft.com/office/drawing/2010/main" w="9525">
+                <a14:hiddenLine xmlns:a14="http://schemas.microsoft.com/office/drawing/2010/main" xmlns="" w="9525">
                   <a:solidFill>
                     <a:srgbClr val="000000"/>
                   </a:solidFill>
@@ -3533,7 +3532,7 @@
             </a:ln>
             <a:extLst>
               <a:ext uri="{91240B29-F687-4f45-9708-019B960494DF}">
-                <a14:hiddenLine xmlns="" xmlns:a14="http://schemas.microsoft.com/office/drawing/2010/main" w="9525">
+                <a14:hiddenLine xmlns:a14="http://schemas.microsoft.com/office/drawing/2010/main" xmlns="" w="9525">
                   <a:solidFill>
                     <a:srgbClr val="000000"/>
                   </a:solidFill>
@@ -3623,7 +3622,7 @@
             </a:ln>
             <a:extLst>
               <a:ext uri="{91240B29-F687-4f45-9708-019B960494DF}">
-                <a14:hiddenLine xmlns="" xmlns:a14="http://schemas.microsoft.com/office/drawing/2010/main" w="9525">
+                <a14:hiddenLine xmlns:a14="http://schemas.microsoft.com/office/drawing/2010/main" xmlns="" w="9525">
                   <a:solidFill>
                     <a:srgbClr val="000000"/>
                   </a:solidFill>
@@ -3688,7 +3687,7 @@
             </a:ln>
             <a:extLst>
               <a:ext uri="{91240B29-F687-4f45-9708-019B960494DF}">
-                <a14:hiddenLine xmlns="" xmlns:a14="http://schemas.microsoft.com/office/drawing/2010/main" w="9525">
+                <a14:hiddenLine xmlns:a14="http://schemas.microsoft.com/office/drawing/2010/main" xmlns="" w="9525">
                   <a:solidFill>
                     <a:srgbClr val="000000"/>
                   </a:solidFill>
@@ -3750,7 +3749,7 @@
             </a:ln>
             <a:extLst>
               <a:ext uri="{91240B29-F687-4f45-9708-019B960494DF}">
-                <a14:hiddenLine xmlns="" xmlns:a14="http://schemas.microsoft.com/office/drawing/2010/main" w="9525">
+                <a14:hiddenLine xmlns:a14="http://schemas.microsoft.com/office/drawing/2010/main" xmlns="" w="9525">
                   <a:solidFill>
                     <a:srgbClr val="000000"/>
                   </a:solidFill>
@@ -3840,7 +3839,7 @@
             </a:ln>
             <a:extLst>
               <a:ext uri="{91240B29-F687-4f45-9708-019B960494DF}">
-                <a14:hiddenLine xmlns="" xmlns:a14="http://schemas.microsoft.com/office/drawing/2010/main" w="9525">
+                <a14:hiddenLine xmlns:a14="http://schemas.microsoft.com/office/drawing/2010/main" xmlns="" w="9525">
                   <a:solidFill>
                     <a:srgbClr val="000000"/>
                   </a:solidFill>
@@ -3930,7 +3929,7 @@
             </a:ln>
             <a:extLst>
               <a:ext uri="{91240B29-F687-4f45-9708-019B960494DF}">
-                <a14:hiddenLine xmlns="" xmlns:a14="http://schemas.microsoft.com/office/drawing/2010/main" w="9525">
+                <a14:hiddenLine xmlns:a14="http://schemas.microsoft.com/office/drawing/2010/main" xmlns="" w="9525">
                   <a:solidFill>
                     <a:srgbClr val="000000"/>
                   </a:solidFill>
@@ -3992,7 +3991,7 @@
             </a:ln>
             <a:extLst>
               <a:ext uri="{91240B29-F687-4f45-9708-019B960494DF}">
-                <a14:hiddenLine xmlns="" xmlns:a14="http://schemas.microsoft.com/office/drawing/2010/main" w="9525">
+                <a14:hiddenLine xmlns:a14="http://schemas.microsoft.com/office/drawing/2010/main" xmlns="" w="9525">
                   <a:solidFill>
                     <a:srgbClr val="000000"/>
                   </a:solidFill>
@@ -4112,7 +4111,7 @@
             </a:ln>
             <a:extLst>
               <a:ext uri="{91240B29-F687-4f45-9708-019B960494DF}">
-                <a14:hiddenLine xmlns="" xmlns:a14="http://schemas.microsoft.com/office/drawing/2010/main" w="9525">
+                <a14:hiddenLine xmlns:a14="http://schemas.microsoft.com/office/drawing/2010/main" xmlns="" w="9525">
                   <a:solidFill>
                     <a:srgbClr val="000000"/>
                   </a:solidFill>
@@ -4180,7 +4179,7 @@
             </a:ln>
             <a:extLst>
               <a:ext uri="{91240B29-F687-4f45-9708-019B960494DF}">
-                <a14:hiddenLine xmlns="" xmlns:a14="http://schemas.microsoft.com/office/drawing/2010/main" w="9525">
+                <a14:hiddenLine xmlns:a14="http://schemas.microsoft.com/office/drawing/2010/main" xmlns="" w="9525">
                   <a:solidFill>
                     <a:srgbClr val="000000"/>
                   </a:solidFill>
@@ -4270,7 +4269,7 @@
             </a:ln>
             <a:extLst>
               <a:ext uri="{91240B29-F687-4f45-9708-019B960494DF}">
-                <a14:hiddenLine xmlns="" xmlns:a14="http://schemas.microsoft.com/office/drawing/2010/main" w="9525">
+                <a14:hiddenLine xmlns:a14="http://schemas.microsoft.com/office/drawing/2010/main" xmlns="" w="9525">
                   <a:solidFill>
                     <a:srgbClr val="000000"/>
                   </a:solidFill>
@@ -8992,7 +8991,7 @@
           <a:noFill/>
           <a:extLst>
             <a:ext uri="{909E8E84-426E-40dd-AFC4-6F175D3DCCD1}">
-              <a14:hiddenFill xmlns="" xmlns:a14="http://schemas.microsoft.com/office/drawing/2010/main">
+              <a14:hiddenFill xmlns:a14="http://schemas.microsoft.com/office/drawing/2010/main" xmlns="">
                 <a:solidFill>
                   <a:srgbClr val="FFFFFF"/>
                 </a:solidFill>
@@ -9066,7 +9065,7 @@
               </a:ln>
               <a:extLst>
                 <a:ext uri="{91240B29-F687-4f45-9708-019B960494DF}">
-                  <a14:hiddenLine xmlns="" xmlns:a14="http://schemas.microsoft.com/office/drawing/2010/main" w="9525">
+                  <a14:hiddenLine xmlns:a14="http://schemas.microsoft.com/office/drawing/2010/main" xmlns="" w="9525">
                     <a:solidFill>
                       <a:srgbClr val="000000"/>
                     </a:solidFill>
@@ -9156,7 +9155,7 @@
               </a:ln>
               <a:extLst>
                 <a:ext uri="{91240B29-F687-4f45-9708-019B960494DF}">
-                  <a14:hiddenLine xmlns="" xmlns:a14="http://schemas.microsoft.com/office/drawing/2010/main" w="9525">
+                  <a14:hiddenLine xmlns:a14="http://schemas.microsoft.com/office/drawing/2010/main" xmlns="" w="9525">
                     <a:solidFill>
                       <a:srgbClr val="000000"/>
                     </a:solidFill>
@@ -9246,7 +9245,7 @@
               </a:ln>
               <a:extLst>
                 <a:ext uri="{91240B29-F687-4f45-9708-019B960494DF}">
-                  <a14:hiddenLine xmlns="" xmlns:a14="http://schemas.microsoft.com/office/drawing/2010/main" w="9525">
+                  <a14:hiddenLine xmlns:a14="http://schemas.microsoft.com/office/drawing/2010/main" xmlns="" w="9525">
                     <a:solidFill>
                       <a:srgbClr val="000000"/>
                     </a:solidFill>
@@ -9308,7 +9307,7 @@
               </a:ln>
               <a:extLst>
                 <a:ext uri="{91240B29-F687-4f45-9708-019B960494DF}">
-                  <a14:hiddenLine xmlns="" xmlns:a14="http://schemas.microsoft.com/office/drawing/2010/main" w="9525">
+                  <a14:hiddenLine xmlns:a14="http://schemas.microsoft.com/office/drawing/2010/main" xmlns="" w="9525">
                     <a:solidFill>
                       <a:srgbClr val="000000"/>
                     </a:solidFill>
@@ -9398,7 +9397,7 @@
               </a:ln>
               <a:extLst>
                 <a:ext uri="{91240B29-F687-4f45-9708-019B960494DF}">
-                  <a14:hiddenLine xmlns="" xmlns:a14="http://schemas.microsoft.com/office/drawing/2010/main" w="9525">
+                  <a14:hiddenLine xmlns:a14="http://schemas.microsoft.com/office/drawing/2010/main" xmlns="" w="9525">
                     <a:solidFill>
                       <a:srgbClr val="000000"/>
                     </a:solidFill>
@@ -9460,7 +9459,7 @@
               </a:ln>
               <a:extLst>
                 <a:ext uri="{91240B29-F687-4f45-9708-019B960494DF}">
-                  <a14:hiddenLine xmlns="" xmlns:a14="http://schemas.microsoft.com/office/drawing/2010/main" w="9525">
+                  <a14:hiddenLine xmlns:a14="http://schemas.microsoft.com/office/drawing/2010/main" xmlns="" w="9525">
                     <a:solidFill>
                       <a:srgbClr val="000000"/>
                     </a:solidFill>
@@ -9522,7 +9521,7 @@
               </a:ln>
               <a:extLst>
                 <a:ext uri="{91240B29-F687-4f45-9708-019B960494DF}">
-                  <a14:hiddenLine xmlns="" xmlns:a14="http://schemas.microsoft.com/office/drawing/2010/main" w="9525">
+                  <a14:hiddenLine xmlns:a14="http://schemas.microsoft.com/office/drawing/2010/main" xmlns="" w="9525">
                     <a:solidFill>
                       <a:srgbClr val="000000"/>
                     </a:solidFill>
@@ -9612,7 +9611,7 @@
               </a:ln>
               <a:extLst>
                 <a:ext uri="{91240B29-F687-4f45-9708-019B960494DF}">
-                  <a14:hiddenLine xmlns="" xmlns:a14="http://schemas.microsoft.com/office/drawing/2010/main" w="9525">
+                  <a14:hiddenLine xmlns:a14="http://schemas.microsoft.com/office/drawing/2010/main" xmlns="" w="9525">
                     <a:solidFill>
                       <a:srgbClr val="000000"/>
                     </a:solidFill>
@@ -9702,7 +9701,7 @@
               </a:ln>
               <a:extLst>
                 <a:ext uri="{91240B29-F687-4f45-9708-019B960494DF}">
-                  <a14:hiddenLine xmlns="" xmlns:a14="http://schemas.microsoft.com/office/drawing/2010/main" w="9525">
+                  <a14:hiddenLine xmlns:a14="http://schemas.microsoft.com/office/drawing/2010/main" xmlns="" w="9525">
                     <a:solidFill>
                       <a:srgbClr val="000000"/>
                     </a:solidFill>
@@ -9764,7 +9763,7 @@
               </a:ln>
               <a:extLst>
                 <a:ext uri="{91240B29-F687-4f45-9708-019B960494DF}">
-                  <a14:hiddenLine xmlns="" xmlns:a14="http://schemas.microsoft.com/office/drawing/2010/main" w="9525">
+                  <a14:hiddenLine xmlns:a14="http://schemas.microsoft.com/office/drawing/2010/main" xmlns="" w="9525">
                     <a:solidFill>
                       <a:srgbClr val="000000"/>
                     </a:solidFill>
@@ -9874,7 +9873,7 @@
               </a:ln>
               <a:extLst>
                 <a:ext uri="{91240B29-F687-4f45-9708-019B960494DF}">
-                  <a14:hiddenLine xmlns="" xmlns:a14="http://schemas.microsoft.com/office/drawing/2010/main" w="9525">
+                  <a14:hiddenLine xmlns:a14="http://schemas.microsoft.com/office/drawing/2010/main" xmlns="" w="9525">
                     <a:solidFill>
                       <a:srgbClr val="000000"/>
                     </a:solidFill>
@@ -9958,7 +9957,7 @@
               </a:ln>
               <a:extLst>
                 <a:ext uri="{91240B29-F687-4f45-9708-019B960494DF}">
-                  <a14:hiddenLine xmlns="" xmlns:a14="http://schemas.microsoft.com/office/drawing/2010/main" w="9525">
+                  <a14:hiddenLine xmlns:a14="http://schemas.microsoft.com/office/drawing/2010/main" xmlns="" w="9525">
                     <a:solidFill>
                       <a:srgbClr val="000000"/>
                     </a:solidFill>
@@ -10020,7 +10019,7 @@
               </a:ln>
               <a:extLst>
                 <a:ext uri="{91240B29-F687-4f45-9708-019B960494DF}">
-                  <a14:hiddenLine xmlns="" xmlns:a14="http://schemas.microsoft.com/office/drawing/2010/main" w="9525">
+                  <a14:hiddenLine xmlns:a14="http://schemas.microsoft.com/office/drawing/2010/main" xmlns="" w="9525">
                     <a:solidFill>
                       <a:srgbClr val="000000"/>
                     </a:solidFill>
@@ -10082,7 +10081,7 @@
               </a:ln>
               <a:extLst>
                 <a:ext uri="{91240B29-F687-4f45-9708-019B960494DF}">
-                  <a14:hiddenLine xmlns="" xmlns:a14="http://schemas.microsoft.com/office/drawing/2010/main" w="9525">
+                  <a14:hiddenLine xmlns:a14="http://schemas.microsoft.com/office/drawing/2010/main" xmlns="" w="9525">
                     <a:solidFill>
                       <a:srgbClr val="000000"/>
                     </a:solidFill>
@@ -10172,7 +10171,7 @@
               </a:ln>
               <a:extLst>
                 <a:ext uri="{91240B29-F687-4f45-9708-019B960494DF}">
-                  <a14:hiddenLine xmlns="" xmlns:a14="http://schemas.microsoft.com/office/drawing/2010/main" w="9525">
+                  <a14:hiddenLine xmlns:a14="http://schemas.microsoft.com/office/drawing/2010/main" xmlns="" w="9525">
                     <a:solidFill>
                       <a:srgbClr val="000000"/>
                     </a:solidFill>
@@ -10206,7 +10205,7 @@
               </a:ln>
               <a:extLst>
                 <a:ext uri="{91240B29-F687-4f45-9708-019B960494DF}">
-                  <a14:hiddenLine xmlns="" xmlns:a14="http://schemas.microsoft.com/office/drawing/2010/main" w="9525">
+                  <a14:hiddenLine xmlns:a14="http://schemas.microsoft.com/office/drawing/2010/main" xmlns="" w="9525">
                     <a:solidFill>
                       <a:srgbClr val="000000"/>
                     </a:solidFill>
@@ -10271,7 +10270,7 @@
               </a:ln>
               <a:extLst>
                 <a:ext uri="{91240B29-F687-4f45-9708-019B960494DF}">
-                  <a14:hiddenLine xmlns="" xmlns:a14="http://schemas.microsoft.com/office/drawing/2010/main" w="9525">
+                  <a14:hiddenLine xmlns:a14="http://schemas.microsoft.com/office/drawing/2010/main" xmlns="" w="9525">
                     <a:solidFill>
                       <a:srgbClr val="000000"/>
                     </a:solidFill>
@@ -10361,7 +10360,7 @@
               </a:ln>
               <a:extLst>
                 <a:ext uri="{91240B29-F687-4f45-9708-019B960494DF}">
-                  <a14:hiddenLine xmlns="" xmlns:a14="http://schemas.microsoft.com/office/drawing/2010/main" w="9525">
+                  <a14:hiddenLine xmlns:a14="http://schemas.microsoft.com/office/drawing/2010/main" xmlns="" w="9525">
                     <a:solidFill>
                       <a:srgbClr val="000000"/>
                     </a:solidFill>
@@ -10423,7 +10422,7 @@
               </a:ln>
               <a:extLst>
                 <a:ext uri="{91240B29-F687-4f45-9708-019B960494DF}">
-                  <a14:hiddenLine xmlns="" xmlns:a14="http://schemas.microsoft.com/office/drawing/2010/main" w="9525">
+                  <a14:hiddenLine xmlns:a14="http://schemas.microsoft.com/office/drawing/2010/main" xmlns="" w="9525">
                     <a:solidFill>
                       <a:srgbClr val="000000"/>
                     </a:solidFill>
@@ -10513,7 +10512,7 @@
               </a:ln>
               <a:extLst>
                 <a:ext uri="{91240B29-F687-4f45-9708-019B960494DF}">
-                  <a14:hiddenLine xmlns="" xmlns:a14="http://schemas.microsoft.com/office/drawing/2010/main" w="9525">
+                  <a14:hiddenLine xmlns:a14="http://schemas.microsoft.com/office/drawing/2010/main" xmlns="" w="9525">
                     <a:solidFill>
                       <a:srgbClr val="000000"/>
                     </a:solidFill>
@@ -10578,7 +10577,7 @@
               </a:ln>
               <a:extLst>
                 <a:ext uri="{91240B29-F687-4f45-9708-019B960494DF}">
-                  <a14:hiddenLine xmlns="" xmlns:a14="http://schemas.microsoft.com/office/drawing/2010/main" w="9525">
+                  <a14:hiddenLine xmlns:a14="http://schemas.microsoft.com/office/drawing/2010/main" xmlns="" w="9525">
                     <a:solidFill>
                       <a:srgbClr val="000000"/>
                     </a:solidFill>
@@ -10640,7 +10639,7 @@
               </a:ln>
               <a:extLst>
                 <a:ext uri="{91240B29-F687-4f45-9708-019B960494DF}">
-                  <a14:hiddenLine xmlns="" xmlns:a14="http://schemas.microsoft.com/office/drawing/2010/main" w="9525">
+                  <a14:hiddenLine xmlns:a14="http://schemas.microsoft.com/office/drawing/2010/main" xmlns="" w="9525">
                     <a:solidFill>
                       <a:srgbClr val="000000"/>
                     </a:solidFill>
@@ -10730,7 +10729,7 @@
               </a:ln>
               <a:extLst>
                 <a:ext uri="{91240B29-F687-4f45-9708-019B960494DF}">
-                  <a14:hiddenLine xmlns="" xmlns:a14="http://schemas.microsoft.com/office/drawing/2010/main" w="9525">
+                  <a14:hiddenLine xmlns:a14="http://schemas.microsoft.com/office/drawing/2010/main" xmlns="" w="9525">
                     <a:solidFill>
                       <a:srgbClr val="000000"/>
                     </a:solidFill>
@@ -10820,7 +10819,7 @@
               </a:ln>
               <a:extLst>
                 <a:ext uri="{91240B29-F687-4f45-9708-019B960494DF}">
-                  <a14:hiddenLine xmlns="" xmlns:a14="http://schemas.microsoft.com/office/drawing/2010/main" w="9525">
+                  <a14:hiddenLine xmlns:a14="http://schemas.microsoft.com/office/drawing/2010/main" xmlns="" w="9525">
                     <a:solidFill>
                       <a:srgbClr val="000000"/>
                     </a:solidFill>
@@ -10885,7 +10884,7 @@
               </a:ln>
               <a:extLst>
                 <a:ext uri="{91240B29-F687-4f45-9708-019B960494DF}">
-                  <a14:hiddenLine xmlns="" xmlns:a14="http://schemas.microsoft.com/office/drawing/2010/main" w="9525">
+                  <a14:hiddenLine xmlns:a14="http://schemas.microsoft.com/office/drawing/2010/main" xmlns="" w="9525">
                     <a:solidFill>
                       <a:srgbClr val="000000"/>
                     </a:solidFill>
@@ -11005,7 +11004,7 @@
               </a:ln>
               <a:extLst>
                 <a:ext uri="{91240B29-F687-4f45-9708-019B960494DF}">
-                  <a14:hiddenLine xmlns="" xmlns:a14="http://schemas.microsoft.com/office/drawing/2010/main" w="9525">
+                  <a14:hiddenLine xmlns:a14="http://schemas.microsoft.com/office/drawing/2010/main" xmlns="" w="9525">
                     <a:solidFill>
                       <a:srgbClr val="000000"/>
                     </a:solidFill>
@@ -11103,7 +11102,7 @@
               </a:ln>
               <a:extLst>
                 <a:ext uri="{91240B29-F687-4f45-9708-019B960494DF}">
-                  <a14:hiddenLine xmlns="" xmlns:a14="http://schemas.microsoft.com/office/drawing/2010/main" w="9525">
+                  <a14:hiddenLine xmlns:a14="http://schemas.microsoft.com/office/drawing/2010/main" xmlns="" w="9525">
                     <a:solidFill>
                       <a:srgbClr val="000000"/>
                     </a:solidFill>
@@ -11218,7 +11217,7 @@
               </a:ln>
               <a:extLst>
                 <a:ext uri="{91240B29-F687-4f45-9708-019B960494DF}">
-                  <a14:hiddenLine xmlns="" xmlns:a14="http://schemas.microsoft.com/office/drawing/2010/main" w="9525">
+                  <a14:hiddenLine xmlns:a14="http://schemas.microsoft.com/office/drawing/2010/main" xmlns="" w="9525">
                     <a:solidFill>
                       <a:srgbClr val="000000"/>
                     </a:solidFill>
@@ -11308,7 +11307,7 @@
               </a:ln>
               <a:extLst>
                 <a:ext uri="{91240B29-F687-4f45-9708-019B960494DF}">
-                  <a14:hiddenLine xmlns="" xmlns:a14="http://schemas.microsoft.com/office/drawing/2010/main" w="9525">
+                  <a14:hiddenLine xmlns:a14="http://schemas.microsoft.com/office/drawing/2010/main" xmlns="" w="9525">
                     <a:solidFill>
                       <a:srgbClr val="000000"/>
                     </a:solidFill>
@@ -11373,7 +11372,7 @@
               </a:ln>
               <a:extLst>
                 <a:ext uri="{91240B29-F687-4f45-9708-019B960494DF}">
-                  <a14:hiddenLine xmlns="" xmlns:a14="http://schemas.microsoft.com/office/drawing/2010/main" w="9525">
+                  <a14:hiddenLine xmlns:a14="http://schemas.microsoft.com/office/drawing/2010/main" xmlns="" w="9525">
                     <a:solidFill>
                       <a:srgbClr val="000000"/>
                     </a:solidFill>
@@ -11463,7 +11462,7 @@
               </a:ln>
               <a:extLst>
                 <a:ext uri="{91240B29-F687-4f45-9708-019B960494DF}">
-                  <a14:hiddenLine xmlns="" xmlns:a14="http://schemas.microsoft.com/office/drawing/2010/main" w="9525">
+                  <a14:hiddenLine xmlns:a14="http://schemas.microsoft.com/office/drawing/2010/main" xmlns="" w="9525">
                     <a:solidFill>
                       <a:srgbClr val="000000"/>
                     </a:solidFill>
@@ -11531,7 +11530,7 @@
               </a:ln>
               <a:extLst>
                 <a:ext uri="{91240B29-F687-4f45-9708-019B960494DF}">
-                  <a14:hiddenLine xmlns="" xmlns:a14="http://schemas.microsoft.com/office/drawing/2010/main" w="9525">
+                  <a14:hiddenLine xmlns:a14="http://schemas.microsoft.com/office/drawing/2010/main" xmlns="" w="9525">
                     <a:solidFill>
                       <a:srgbClr val="000000"/>
                     </a:solidFill>
@@ -11621,7 +11620,7 @@
               </a:ln>
               <a:extLst>
                 <a:ext uri="{91240B29-F687-4f45-9708-019B960494DF}">
-                  <a14:hiddenLine xmlns="" xmlns:a14="http://schemas.microsoft.com/office/drawing/2010/main" w="9525">
+                  <a14:hiddenLine xmlns:a14="http://schemas.microsoft.com/office/drawing/2010/main" xmlns="" w="9525">
                     <a:solidFill>
                       <a:srgbClr val="000000"/>
                     </a:solidFill>
@@ -11689,7 +11688,7 @@
               </a:ln>
               <a:extLst>
                 <a:ext uri="{91240B29-F687-4f45-9708-019B960494DF}">
-                  <a14:hiddenLine xmlns="" xmlns:a14="http://schemas.microsoft.com/office/drawing/2010/main" w="9525">
+                  <a14:hiddenLine xmlns:a14="http://schemas.microsoft.com/office/drawing/2010/main" xmlns="" w="9525">
                     <a:solidFill>
                       <a:srgbClr val="000000"/>
                     </a:solidFill>
@@ -11779,7 +11778,7 @@
               </a:ln>
               <a:extLst>
                 <a:ext uri="{91240B29-F687-4f45-9708-019B960494DF}">
-                  <a14:hiddenLine xmlns="" xmlns:a14="http://schemas.microsoft.com/office/drawing/2010/main" w="9525">
+                  <a14:hiddenLine xmlns:a14="http://schemas.microsoft.com/office/drawing/2010/main" xmlns="" w="9525">
                     <a:solidFill>
                       <a:srgbClr val="000000"/>
                     </a:solidFill>
@@ -11813,7 +11812,7 @@
               </a:ln>
               <a:extLst>
                 <a:ext uri="{91240B29-F687-4f45-9708-019B960494DF}">
-                  <a14:hiddenLine xmlns="" xmlns:a14="http://schemas.microsoft.com/office/drawing/2010/main" w="9525">
+                  <a14:hiddenLine xmlns:a14="http://schemas.microsoft.com/office/drawing/2010/main" xmlns="" w="9525">
                     <a:solidFill>
                       <a:srgbClr val="000000"/>
                     </a:solidFill>
@@ -12472,262 +12471,6 @@
       </p:grpSpPr>
       <p:sp>
         <p:nvSpPr>
-          <p:cNvPr id="2" name="Titel 1"/>
-          <p:cNvSpPr>
-            <a:spLocks noGrp="1"/>
-          </p:cNvSpPr>
-          <p:nvPr>
-            <p:ph type="title"/>
-          </p:nvPr>
-        </p:nvSpPr>
-        <p:spPr/>
-        <p:txBody>
-          <a:bodyPr/>
-          <a:lstStyle/>
-          <a:p>
-            <a:r>
-              <a:rPr lang="de-DE" dirty="0" err="1"/>
-              <a:t>lessons</a:t>
-            </a:r>
-            <a:r>
-              <a:rPr lang="de-DE" dirty="0"/>
-              <a:t> </a:t>
-            </a:r>
-            <a:r>
-              <a:rPr lang="de-DE" dirty="0" err="1" smtClean="0"/>
-              <a:t>learnt</a:t>
-            </a:r>
-            <a:r>
-              <a:rPr lang="de-DE" dirty="0" smtClean="0"/>
-              <a:t>: </a:t>
-            </a:r>
-            <a:r>
-              <a:rPr lang="de-DE" dirty="0" err="1" smtClean="0"/>
-              <a:t>Scrum</a:t>
-            </a:r>
-            <a:r>
-              <a:rPr lang="de-DE" dirty="0" smtClean="0"/>
-              <a:t> </a:t>
-            </a:r>
-            <a:r>
-              <a:rPr lang="de-DE" dirty="0" err="1" smtClean="0"/>
-              <a:t>retrospective</a:t>
-            </a:r>
-            <a:endParaRPr lang="de-DE" dirty="0"/>
-          </a:p>
-        </p:txBody>
-      </p:sp>
-      <p:sp>
-        <p:nvSpPr>
-          <p:cNvPr id="3" name="Inhaltsplatzhalter 2"/>
-          <p:cNvSpPr>
-            <a:spLocks noGrp="1"/>
-          </p:cNvSpPr>
-          <p:nvPr>
-            <p:ph idx="1"/>
-          </p:nvPr>
-        </p:nvSpPr>
-        <p:spPr/>
-        <p:txBody>
-          <a:bodyPr/>
-          <a:lstStyle/>
-          <a:p>
-            <a:pPr lvl="1">
-              <a:buFont typeface="Lucida Grande"/>
-              <a:buChar char="+"/>
-            </a:pPr>
-            <a:r>
-              <a:rPr lang="de-DE" dirty="0" smtClean="0"/>
-              <a:t>„</a:t>
-            </a:r>
-            <a:r>
-              <a:rPr lang="de-DE" dirty="0"/>
-              <a:t>D</a:t>
-            </a:r>
-            <a:r>
-              <a:rPr lang="de-DE" dirty="0" smtClean="0"/>
-              <a:t>aily </a:t>
-            </a:r>
-            <a:r>
-              <a:rPr lang="de-DE" dirty="0" err="1" smtClean="0"/>
-              <a:t>updates</a:t>
-            </a:r>
-            <a:r>
-              <a:rPr lang="de-DE" dirty="0" smtClean="0"/>
-              <a:t>“</a:t>
-            </a:r>
-          </a:p>
-          <a:p>
-            <a:pPr lvl="1">
-              <a:buFont typeface="Lucida Grande"/>
-              <a:buChar char="+"/>
-            </a:pPr>
-            <a:r>
-              <a:rPr lang="de-DE" dirty="0"/>
-              <a:t> </a:t>
-            </a:r>
-            <a:r>
-              <a:rPr lang="de-DE" dirty="0" smtClean="0"/>
-              <a:t>immediate </a:t>
-            </a:r>
-            <a:r>
-              <a:rPr lang="de-DE" dirty="0" err="1" smtClean="0"/>
-              <a:t>feedback</a:t>
-            </a:r>
-            <a:endParaRPr lang="de-DE" dirty="0" smtClean="0"/>
-          </a:p>
-          <a:p>
-            <a:pPr lvl="1">
-              <a:buFont typeface="Lucida Grande"/>
-              <a:buChar char="+"/>
-            </a:pPr>
-            <a:endParaRPr lang="de-DE" dirty="0"/>
-          </a:p>
-          <a:p>
-            <a:pPr marL="457200" lvl="1" indent="0">
-              <a:buNone/>
-            </a:pPr>
-            <a:endParaRPr lang="de-DE" dirty="0"/>
-          </a:p>
-          <a:p>
-            <a:pPr lvl="1">
-              <a:buFont typeface="Lucida Grande"/>
-              <a:buChar char="-"/>
-            </a:pPr>
-            <a:r>
-              <a:rPr lang="de-DE" dirty="0" smtClean="0"/>
-              <a:t>„expensive“ </a:t>
-            </a:r>
-            <a:r>
-              <a:rPr lang="de-DE" dirty="0" err="1" smtClean="0"/>
-              <a:t>administration</a:t>
-            </a:r>
-            <a:endParaRPr lang="de-DE" dirty="0" smtClean="0"/>
-          </a:p>
-          <a:p>
-            <a:pPr lvl="1">
-              <a:buFont typeface="Lucida Grande"/>
-              <a:buChar char="-"/>
-            </a:pPr>
-            <a:r>
-              <a:rPr lang="de-DE" dirty="0" err="1"/>
-              <a:t>d</a:t>
-            </a:r>
-            <a:r>
-              <a:rPr lang="de-DE" dirty="0" err="1" smtClean="0"/>
-              <a:t>idn‘t</a:t>
-            </a:r>
-            <a:r>
-              <a:rPr lang="de-DE" dirty="0" smtClean="0"/>
-              <a:t> </a:t>
-            </a:r>
-            <a:r>
-              <a:rPr lang="de-DE" dirty="0" err="1" smtClean="0"/>
-              <a:t>learn</a:t>
-            </a:r>
-            <a:r>
-              <a:rPr lang="de-DE" dirty="0" smtClean="0"/>
-              <a:t> a </a:t>
-            </a:r>
-            <a:r>
-              <a:rPr lang="de-DE" dirty="0" err="1" smtClean="0"/>
-              <a:t>lot</a:t>
-            </a:r>
-            <a:r>
-              <a:rPr lang="de-DE" dirty="0" smtClean="0"/>
-              <a:t> </a:t>
-            </a:r>
-            <a:r>
-              <a:rPr lang="de-DE" dirty="0" err="1" smtClean="0"/>
-              <a:t>about</a:t>
-            </a:r>
-            <a:r>
-              <a:rPr lang="de-DE" dirty="0" smtClean="0"/>
-              <a:t> </a:t>
-            </a:r>
-            <a:r>
-              <a:rPr lang="de-DE" dirty="0" err="1" smtClean="0"/>
-              <a:t>Scrum</a:t>
-            </a:r>
-            <a:r>
-              <a:rPr lang="de-DE" dirty="0" smtClean="0"/>
-              <a:t> (all </a:t>
-            </a:r>
-            <a:r>
-              <a:rPr lang="de-DE" dirty="0" err="1" smtClean="0"/>
-              <a:t>effort</a:t>
-            </a:r>
-            <a:r>
-              <a:rPr lang="de-DE" dirty="0" smtClean="0"/>
-              <a:t> was </a:t>
-            </a:r>
-            <a:r>
-              <a:rPr lang="de-DE" dirty="0" err="1" smtClean="0"/>
-              <a:t>put</a:t>
-            </a:r>
-            <a:r>
-              <a:rPr lang="de-DE" dirty="0" smtClean="0"/>
-              <a:t> </a:t>
-            </a:r>
-            <a:r>
-              <a:rPr lang="de-DE" dirty="0" err="1" smtClean="0"/>
-              <a:t>into</a:t>
-            </a:r>
-            <a:r>
-              <a:rPr lang="de-DE" dirty="0" smtClean="0"/>
-              <a:t> </a:t>
-            </a:r>
-            <a:r>
-              <a:rPr lang="de-DE" dirty="0" err="1"/>
-              <a:t>v</a:t>
-            </a:r>
-            <a:r>
-              <a:rPr lang="de-DE" dirty="0" err="1" smtClean="0"/>
-              <a:t>aadin</a:t>
-            </a:r>
-            <a:r>
-              <a:rPr lang="de-DE" dirty="0" smtClean="0"/>
-              <a:t>)</a:t>
-            </a:r>
-            <a:endParaRPr lang="de-DE" dirty="0"/>
-          </a:p>
-          <a:p>
-            <a:endParaRPr lang="de-DE" dirty="0"/>
-          </a:p>
-        </p:txBody>
-      </p:sp>
-    </p:spTree>
-    <p:extLst>
-      <p:ext uri="{BB962C8B-B14F-4D97-AF65-F5344CB8AC3E}">
-        <p14:creationId xmlns:p14="http://schemas.microsoft.com/office/powerpoint/2010/main" val="3656073540"/>
-      </p:ext>
-    </p:extLst>
-  </p:cSld>
-  <p:clrMapOvr>
-    <a:masterClrMapping/>
-  </p:clrMapOvr>
-</p:sld>
-</file>
-
-<file path=ppt/slides/slide11.xml><?xml version="1.0" encoding="utf-8"?>
-<p:sld xmlns:a="http://schemas.openxmlformats.org/drawingml/2006/main" xmlns:r="http://schemas.openxmlformats.org/officeDocument/2006/relationships" xmlns:p="http://schemas.openxmlformats.org/presentationml/2006/main">
-  <p:cSld>
-    <p:spTree>
-      <p:nvGrpSpPr>
-        <p:cNvPr id="1" name=""/>
-        <p:cNvGrpSpPr/>
-        <p:nvPr/>
-      </p:nvGrpSpPr>
-      <p:grpSpPr>
-        <a:xfrm>
-          <a:off x="0" y="0"/>
-          <a:ext cx="0" cy="0"/>
-          <a:chOff x="0" y="0"/>
-          <a:chExt cx="0" cy="0"/>
-        </a:xfrm>
-      </p:grpSpPr>
-      <p:sp>
-        <p:nvSpPr>
           <p:cNvPr id="2" name="Title 1"/>
           <p:cNvSpPr>
             <a:spLocks noGrp="1"/>
@@ -12798,17 +12541,8 @@
               <a:rPr lang="en-US" sz="3200" dirty="0" smtClean="0">
                 <a:sym typeface="Wingdings"/>
               </a:rPr>
-              <a:t>More “real-world” project </a:t>
-            </a:r>
-            <a:r>
-              <a:rPr lang="en-US" sz="3200" dirty="0" smtClean="0">
-                <a:sym typeface="Wingdings"/>
-              </a:rPr>
-              <a:t>appreciated (or something you can identify with…)</a:t>
-            </a:r>
-            <a:endParaRPr lang="en-US" sz="3200" dirty="0" smtClean="0">
-              <a:sym typeface="Wingdings"/>
-            </a:endParaRPr>
+              <a:t>More “real-world” project appreciated (or something you can identify with…)</a:t>
+            </a:r>
           </a:p>
           <a:p>
             <a:r>
@@ -12859,7 +12593,7 @@
 </p:sld>
 </file>
 
-<file path=ppt/slides/slide12.xml><?xml version="1.0" encoding="utf-8"?>
+<file path=ppt/slides/slide11.xml><?xml version="1.0" encoding="utf-8"?>
 <p:sld xmlns:a="http://schemas.openxmlformats.org/drawingml/2006/main" xmlns:r="http://schemas.openxmlformats.org/officeDocument/2006/relationships" xmlns:p="http://schemas.openxmlformats.org/presentationml/2006/main">
   <p:cSld>
     <p:spTree>
@@ -12979,53 +12713,384 @@
         </p:nvSpPr>
         <p:spPr>
           <a:xfrm>
-            <a:off x="1141413" y="618518"/>
-            <a:ext cx="9905998" cy="739564"/>
+            <a:off x="1141413" y="238922"/>
+            <a:ext cx="9905998" cy="1194609"/>
           </a:xfrm>
         </p:spPr>
         <p:txBody>
-          <a:bodyPr/>
+          <a:bodyPr>
+            <a:normAutofit/>
+          </a:bodyPr>
           <a:lstStyle/>
           <a:p>
-            <a:pPr algn="ctr"/>
             <a:r>
               <a:rPr lang="en-US" dirty="0" smtClean="0"/>
-              <a:t>DEMONSTRATION</a:t>
+              <a:t>Contributions &amp; Learnt</a:t>
+            </a:r>
+            <a:r>
+              <a:rPr lang="en-US" dirty="0"/>
+              <a:t>: </a:t>
+            </a:r>
+            <a:r>
+              <a:rPr lang="en-US" dirty="0" err="1"/>
+              <a:t>Sergii</a:t>
+            </a:r>
+            <a:r>
+              <a:rPr lang="en-US" dirty="0"/>
+              <a:t> </a:t>
+            </a:r>
+            <a:r>
+              <a:rPr lang="en-US" dirty="0" err="1" smtClean="0"/>
+              <a:t>Bilousov</a:t>
             </a:r>
             <a:endParaRPr lang="en-US" dirty="0"/>
           </a:p>
         </p:txBody>
       </p:sp>
-      <p:pic>
-        <p:nvPicPr>
-          <p:cNvPr id="10" name="Bild 9">
-            <a:hlinkClick r:id="rId2"/>
-          </p:cNvPr>
-          <p:cNvPicPr>
-            <a:picLocks noChangeAspect="1"/>
-          </p:cNvPicPr>
-          <p:nvPr/>
-        </p:nvPicPr>
-        <p:blipFill>
-          <a:blip r:embed="rId3"/>
-          <a:stretch>
-            <a:fillRect/>
-          </a:stretch>
-        </p:blipFill>
+      <p:sp>
+        <p:nvSpPr>
+          <p:cNvPr id="7" name="Inhaltsplatzhalter 6"/>
+          <p:cNvSpPr>
+            <a:spLocks noGrp="1"/>
+          </p:cNvSpPr>
+          <p:nvPr>
+            <p:ph idx="1"/>
+          </p:nvPr>
+        </p:nvSpPr>
         <p:spPr>
           <a:xfrm>
-            <a:off x="3165817" y="1463978"/>
-            <a:ext cx="5962859" cy="4823439"/>
+            <a:off x="1141412" y="1433531"/>
+            <a:ext cx="9905999" cy="4904185"/>
           </a:xfrm>
-          <a:prstGeom prst="rect">
-            <a:avLst/>
-          </a:prstGeom>
         </p:spPr>
-      </p:pic>
+        <p:txBody>
+          <a:bodyPr>
+            <a:normAutofit fontScale="92500" lnSpcReduction="20000"/>
+          </a:bodyPr>
+          <a:lstStyle/>
+          <a:p>
+            <a:pPr marL="0" indent="0">
+              <a:buNone/>
+            </a:pPr>
+            <a:r>
+              <a:rPr lang="de-DE" dirty="0" smtClean="0"/>
+              <a:t>CONTRIBUTIONS:</a:t>
+            </a:r>
+          </a:p>
+          <a:p>
+            <a:r>
+              <a:rPr lang="de-DE" dirty="0" smtClean="0"/>
+              <a:t>Initial </a:t>
+            </a:r>
+            <a:r>
+              <a:rPr lang="de-DE" dirty="0" err="1" smtClean="0"/>
+              <a:t>commit</a:t>
+            </a:r>
+            <a:r>
+              <a:rPr lang="de-DE" dirty="0" smtClean="0"/>
+              <a:t> </a:t>
+            </a:r>
+            <a:r>
+              <a:rPr lang="de-DE" dirty="0" err="1" smtClean="0"/>
+              <a:t>with</a:t>
+            </a:r>
+            <a:r>
+              <a:rPr lang="de-DE" dirty="0" smtClean="0"/>
+              <a:t> Navigator / Menu / Basic Layouts</a:t>
+            </a:r>
+          </a:p>
+          <a:p>
+            <a:r>
+              <a:rPr lang="de-DE" dirty="0" smtClean="0"/>
+              <a:t>Initial </a:t>
+            </a:r>
+            <a:r>
+              <a:rPr lang="de-DE" dirty="0" err="1" smtClean="0"/>
+              <a:t>entities</a:t>
+            </a:r>
+            <a:r>
+              <a:rPr lang="de-DE" dirty="0" smtClean="0"/>
+              <a:t> </a:t>
+            </a:r>
+            <a:r>
+              <a:rPr lang="de-DE" dirty="0" err="1" smtClean="0"/>
+              <a:t>and</a:t>
+            </a:r>
+            <a:r>
+              <a:rPr lang="de-DE" dirty="0" smtClean="0"/>
+              <a:t> </a:t>
+            </a:r>
+            <a:r>
+              <a:rPr lang="de-DE" dirty="0" err="1" smtClean="0"/>
+              <a:t>authentication</a:t>
+            </a:r>
+            <a:r>
+              <a:rPr lang="de-DE" dirty="0" smtClean="0"/>
+              <a:t> / </a:t>
+            </a:r>
+            <a:r>
+              <a:rPr lang="de-DE" dirty="0" err="1" smtClean="0"/>
+              <a:t>session</a:t>
+            </a:r>
+            <a:r>
+              <a:rPr lang="de-DE" dirty="0" smtClean="0"/>
+              <a:t> </a:t>
+            </a:r>
+            <a:r>
+              <a:rPr lang="de-DE" dirty="0" err="1" smtClean="0"/>
+              <a:t>manager</a:t>
+            </a:r>
+            <a:endParaRPr lang="de-DE" dirty="0" smtClean="0"/>
+          </a:p>
+          <a:p>
+            <a:r>
+              <a:rPr lang="de-DE" dirty="0" smtClean="0"/>
+              <a:t>User </a:t>
+            </a:r>
+            <a:r>
+              <a:rPr lang="de-DE" dirty="0" err="1" smtClean="0"/>
+              <a:t>workflow</a:t>
+            </a:r>
+            <a:endParaRPr lang="de-DE" dirty="0" smtClean="0"/>
+          </a:p>
+          <a:p>
+            <a:r>
+              <a:rPr lang="de-DE" dirty="0" err="1" smtClean="0"/>
+              <a:t>Bugfixes</a:t>
+            </a:r>
+            <a:r>
+              <a:rPr lang="de-DE" dirty="0" smtClean="0"/>
+              <a:t> </a:t>
+            </a:r>
+            <a:r>
+              <a:rPr lang="de-DE" dirty="0" err="1" smtClean="0"/>
+              <a:t>and</a:t>
+            </a:r>
+            <a:r>
+              <a:rPr lang="de-DE" dirty="0" smtClean="0"/>
+              <a:t> Layout Fixes </a:t>
+            </a:r>
+            <a:r>
+              <a:rPr lang="de-DE" dirty="0" err="1" smtClean="0"/>
+              <a:t>of</a:t>
+            </a:r>
+            <a:r>
+              <a:rPr lang="de-DE" dirty="0" smtClean="0"/>
+              <a:t> </a:t>
+            </a:r>
+            <a:r>
+              <a:rPr lang="de-DE" dirty="0" err="1" smtClean="0"/>
+              <a:t>other</a:t>
+            </a:r>
+            <a:r>
+              <a:rPr lang="de-DE" dirty="0" smtClean="0"/>
+              <a:t> </a:t>
+            </a:r>
+            <a:r>
+              <a:rPr lang="de-DE" dirty="0" err="1" smtClean="0"/>
+              <a:t>members</a:t>
+            </a:r>
+            <a:endParaRPr lang="de-DE" dirty="0" smtClean="0"/>
+          </a:p>
+          <a:p>
+            <a:endParaRPr lang="de-DE" dirty="0"/>
+          </a:p>
+          <a:p>
+            <a:pPr marL="0" indent="0">
+              <a:buNone/>
+            </a:pPr>
+            <a:r>
+              <a:rPr lang="de-DE" dirty="0" smtClean="0"/>
+              <a:t>LEARNT:</a:t>
+            </a:r>
+          </a:p>
+          <a:p>
+            <a:r>
+              <a:rPr lang="de-DE" dirty="0" smtClean="0"/>
+              <a:t>Working in a </a:t>
+            </a:r>
+            <a:r>
+              <a:rPr lang="de-DE" dirty="0" err="1" smtClean="0"/>
+              <a:t>good</a:t>
+            </a:r>
+            <a:r>
+              <a:rPr lang="de-DE" dirty="0" smtClean="0"/>
+              <a:t> </a:t>
+            </a:r>
+            <a:r>
+              <a:rPr lang="de-DE" dirty="0" err="1" smtClean="0"/>
+              <a:t>team</a:t>
+            </a:r>
+            <a:r>
+              <a:rPr lang="de-DE" dirty="0" smtClean="0"/>
+              <a:t> – </a:t>
+            </a:r>
+            <a:r>
+              <a:rPr lang="de-DE" dirty="0" err="1" smtClean="0"/>
+              <a:t>big</a:t>
+            </a:r>
+            <a:r>
+              <a:rPr lang="de-DE" dirty="0" smtClean="0"/>
+              <a:t> </a:t>
+            </a:r>
+            <a:r>
+              <a:rPr lang="de-DE" dirty="0" err="1" smtClean="0"/>
+              <a:t>part</a:t>
+            </a:r>
+            <a:r>
+              <a:rPr lang="de-DE" dirty="0" smtClean="0"/>
+              <a:t> </a:t>
+            </a:r>
+            <a:r>
+              <a:rPr lang="de-DE" dirty="0" err="1" smtClean="0"/>
+              <a:t>of</a:t>
+            </a:r>
+            <a:r>
+              <a:rPr lang="de-DE" dirty="0" smtClean="0"/>
+              <a:t> </a:t>
+            </a:r>
+            <a:r>
+              <a:rPr lang="de-DE" dirty="0" err="1" smtClean="0"/>
+              <a:t>success</a:t>
+            </a:r>
+            <a:endParaRPr lang="de-DE" dirty="0" smtClean="0"/>
+          </a:p>
+          <a:p>
+            <a:r>
+              <a:rPr lang="de-DE" dirty="0" smtClean="0"/>
+              <a:t>Design </a:t>
+            </a:r>
+            <a:r>
+              <a:rPr lang="de-DE" dirty="0" err="1" smtClean="0"/>
+              <a:t>does</a:t>
+            </a:r>
+            <a:r>
+              <a:rPr lang="de-DE" dirty="0" smtClean="0"/>
+              <a:t> not </a:t>
+            </a:r>
+            <a:r>
+              <a:rPr lang="de-DE" dirty="0" err="1" smtClean="0"/>
+              <a:t>necessarily</a:t>
+            </a:r>
+            <a:r>
+              <a:rPr lang="de-DE" dirty="0" smtClean="0"/>
+              <a:t> </a:t>
+            </a:r>
+            <a:r>
+              <a:rPr lang="de-DE" dirty="0" err="1" smtClean="0"/>
+              <a:t>matches</a:t>
+            </a:r>
+            <a:r>
+              <a:rPr lang="de-DE" dirty="0" smtClean="0"/>
+              <a:t> final </a:t>
+            </a:r>
+            <a:r>
+              <a:rPr lang="de-DE" dirty="0" err="1" smtClean="0"/>
+              <a:t>application</a:t>
+            </a:r>
+            <a:endParaRPr lang="de-DE" dirty="0" smtClean="0"/>
+          </a:p>
+          <a:p>
+            <a:r>
+              <a:rPr lang="de-DE" dirty="0" err="1" smtClean="0"/>
+              <a:t>No</a:t>
+            </a:r>
+            <a:r>
+              <a:rPr lang="de-DE" dirty="0" smtClean="0"/>
+              <a:t> </a:t>
+            </a:r>
+            <a:r>
+              <a:rPr lang="de-DE" dirty="0" err="1" smtClean="0"/>
+              <a:t>strict</a:t>
+            </a:r>
+            <a:r>
+              <a:rPr lang="de-DE" dirty="0" smtClean="0"/>
+              <a:t> </a:t>
+            </a:r>
+            <a:r>
+              <a:rPr lang="de-DE" dirty="0" err="1" smtClean="0"/>
+              <a:t>requirements</a:t>
+            </a:r>
+            <a:r>
+              <a:rPr lang="de-DE" dirty="0" smtClean="0"/>
+              <a:t> </a:t>
+            </a:r>
+            <a:r>
+              <a:rPr lang="de-DE" dirty="0" err="1" smtClean="0"/>
+              <a:t>and</a:t>
+            </a:r>
+            <a:r>
+              <a:rPr lang="de-DE" dirty="0" smtClean="0"/>
+              <a:t> </a:t>
+            </a:r>
+            <a:r>
+              <a:rPr lang="de-DE" dirty="0" err="1" smtClean="0"/>
+              <a:t>customer</a:t>
+            </a:r>
+            <a:r>
+              <a:rPr lang="de-DE" dirty="0" smtClean="0"/>
+              <a:t> </a:t>
+            </a:r>
+            <a:r>
+              <a:rPr lang="de-DE" dirty="0" err="1" smtClean="0"/>
+              <a:t>needs</a:t>
+            </a:r>
+            <a:r>
+              <a:rPr lang="de-DE" dirty="0" smtClean="0"/>
+              <a:t> </a:t>
+            </a:r>
+            <a:r>
+              <a:rPr lang="de-DE" dirty="0" err="1" smtClean="0"/>
+              <a:t>lead</a:t>
+            </a:r>
+            <a:r>
+              <a:rPr lang="de-DE" dirty="0" smtClean="0"/>
+              <a:t> </a:t>
+            </a:r>
+            <a:r>
+              <a:rPr lang="de-DE" dirty="0" err="1" smtClean="0"/>
+              <a:t>to</a:t>
+            </a:r>
+            <a:r>
+              <a:rPr lang="de-DE" dirty="0" smtClean="0"/>
+              <a:t> </a:t>
+            </a:r>
+            <a:r>
+              <a:rPr lang="de-DE" dirty="0" err="1" smtClean="0"/>
+              <a:t>higher</a:t>
+            </a:r>
+            <a:r>
+              <a:rPr lang="de-DE" dirty="0" smtClean="0"/>
+              <a:t> </a:t>
+            </a:r>
+            <a:r>
+              <a:rPr lang="de-DE" dirty="0" err="1" smtClean="0"/>
+              <a:t>number</a:t>
+            </a:r>
+            <a:r>
+              <a:rPr lang="de-DE" dirty="0" smtClean="0"/>
+              <a:t> </a:t>
+            </a:r>
+            <a:r>
+              <a:rPr lang="de-DE" dirty="0" err="1" smtClean="0"/>
+              <a:t>of</a:t>
+            </a:r>
+            <a:r>
+              <a:rPr lang="de-DE" dirty="0" smtClean="0"/>
+              <a:t> </a:t>
+            </a:r>
+            <a:r>
+              <a:rPr lang="de-DE" dirty="0" err="1" smtClean="0"/>
+              <a:t>iterations</a:t>
+            </a:r>
+            <a:endParaRPr lang="de-DE" dirty="0" smtClean="0"/>
+          </a:p>
+        </p:txBody>
+      </p:sp>
     </p:spTree>
     <p:extLst>
       <p:ext uri="{BB962C8B-B14F-4D97-AF65-F5344CB8AC3E}">
-        <p14:creationId xmlns:p14="http://schemas.microsoft.com/office/powerpoint/2010/main" val="1264780763"/>
+        <p14:creationId xmlns:p14="http://schemas.microsoft.com/office/powerpoint/2010/main" val="1892905979"/>
       </p:ext>
     </p:extLst>
   </p:cSld>
@@ -13090,16 +13155,8 @@
               <a:t>: </a:t>
             </a:r>
             <a:r>
-              <a:rPr lang="en-US" dirty="0" err="1"/>
-              <a:t>Sergii</a:t>
-            </a:r>
-            <a:r>
-              <a:rPr lang="en-US" dirty="0"/>
-              <a:t> </a:t>
-            </a:r>
-            <a:r>
-              <a:rPr lang="en-US" dirty="0" err="1" smtClean="0"/>
-              <a:t>Bilousov</a:t>
+              <a:rPr lang="en-US" dirty="0" smtClean="0"/>
+              <a:t>Denis Shevchenko</a:t>
             </a:r>
             <a:endParaRPr lang="en-US" dirty="0"/>
           </a:p>
@@ -13137,11 +13194,41 @@
           </a:p>
           <a:p>
             <a:r>
+              <a:rPr lang="de-DE" dirty="0" err="1" smtClean="0"/>
+              <a:t>Entities</a:t>
+            </a:r>
+            <a:r>
               <a:rPr lang="de-DE" dirty="0" smtClean="0"/>
-              <a:t>...</a:t>
-            </a:r>
-          </a:p>
-          <a:p>
+              <a:t> (Database)</a:t>
+            </a:r>
+          </a:p>
+          <a:p>
+            <a:r>
+              <a:rPr lang="de-DE" dirty="0" smtClean="0"/>
+              <a:t> </a:t>
+            </a:r>
+            <a:r>
+              <a:rPr lang="de-DE" dirty="0" err="1" smtClean="0"/>
+              <a:t>google</a:t>
+            </a:r>
+            <a:r>
+              <a:rPr lang="de-DE" dirty="0" smtClean="0"/>
+              <a:t> </a:t>
+            </a:r>
+            <a:r>
+              <a:rPr lang="de-DE" dirty="0" err="1" smtClean="0"/>
+              <a:t>maps</a:t>
+            </a:r>
+            <a:r>
+              <a:rPr lang="de-DE" dirty="0" smtClean="0"/>
+              <a:t> route</a:t>
+            </a:r>
+          </a:p>
+          <a:p>
+            <a:r>
+              <a:rPr lang="de-DE" dirty="0" err="1" smtClean="0"/>
+              <a:t>calendar</a:t>
+            </a:r>
             <a:endParaRPr lang="de-DE" dirty="0"/>
           </a:p>
           <a:p>
@@ -13156,15 +13243,39 @@
           <a:p>
             <a:r>
               <a:rPr lang="de-DE" dirty="0" smtClean="0"/>
-              <a:t>...</a:t>
-            </a:r>
+              <a:t>JPA</a:t>
+            </a:r>
+          </a:p>
+          <a:p>
+            <a:r>
+              <a:rPr lang="de-DE" dirty="0" smtClean="0"/>
+              <a:t>Google </a:t>
+            </a:r>
+            <a:r>
+              <a:rPr lang="de-DE" dirty="0" err="1" smtClean="0"/>
+              <a:t>Maps</a:t>
+            </a:r>
+            <a:r>
+              <a:rPr lang="de-DE" dirty="0" smtClean="0"/>
+              <a:t> API</a:t>
+            </a:r>
+          </a:p>
+          <a:p>
+            <a:r>
+              <a:rPr lang="de-DE" dirty="0" err="1" smtClean="0"/>
+              <a:t>vaadins</a:t>
+            </a:r>
+            <a:endParaRPr lang="de-DE" dirty="0" smtClean="0"/>
+          </a:p>
+          <a:p>
+            <a:endParaRPr lang="de-DE" dirty="0" smtClean="0"/>
           </a:p>
         </p:txBody>
       </p:sp>
     </p:spTree>
     <p:extLst>
       <p:ext uri="{BB962C8B-B14F-4D97-AF65-F5344CB8AC3E}">
-        <p14:creationId xmlns:p14="http://schemas.microsoft.com/office/powerpoint/2010/main" val="1892905979"/>
+        <p14:creationId xmlns:p14="http://schemas.microsoft.com/office/powerpoint/2010/main" val="2609852949"/>
       </p:ext>
     </p:extLst>
   </p:cSld>
@@ -13230,7 +13341,11 @@
             </a:r>
             <a:r>
               <a:rPr lang="en-US" dirty="0" smtClean="0"/>
-              <a:t>Denis Shevchenko</a:t>
+              <a:t>Karol </a:t>
+            </a:r>
+            <a:r>
+              <a:rPr lang="en-US" dirty="0" err="1" smtClean="0"/>
+              <a:t>Ugorcak</a:t>
             </a:r>
             <a:endParaRPr lang="en-US" dirty="0"/>
           </a:p>
@@ -13268,80 +13383,75 @@
           </a:p>
           <a:p>
             <a:r>
+              <a:rPr lang="de-DE" dirty="0" smtClean="0"/>
+              <a:t>Patient (Entity, View), </a:t>
+            </a:r>
+            <a:r>
+              <a:rPr lang="de-DE" dirty="0" err="1" smtClean="0"/>
+              <a:t>PatientList</a:t>
+            </a:r>
+            <a:r>
+              <a:rPr lang="de-DE" dirty="0" smtClean="0"/>
+              <a:t> (View)</a:t>
+            </a:r>
+          </a:p>
+          <a:p>
+            <a:pPr marL="0" indent="0">
+              <a:buNone/>
+            </a:pPr>
+            <a:r>
+              <a:rPr lang="de-DE" dirty="0" smtClean="0"/>
+              <a:t> </a:t>
+            </a:r>
+            <a:endParaRPr lang="de-DE" dirty="0"/>
+          </a:p>
+          <a:p>
+            <a:pPr marL="0" indent="0">
+              <a:buNone/>
+            </a:pPr>
+            <a:r>
+              <a:rPr lang="de-DE" dirty="0" smtClean="0"/>
+              <a:t>LEARNT:</a:t>
+            </a:r>
+          </a:p>
+          <a:p>
+            <a:r>
+              <a:rPr lang="de-DE" dirty="0" err="1" smtClean="0"/>
+              <a:t>Persistence</a:t>
+            </a:r>
+            <a:r>
+              <a:rPr lang="de-DE" dirty="0" smtClean="0"/>
+              <a:t>, </a:t>
+            </a:r>
+            <a:r>
               <a:rPr lang="de-DE" dirty="0" err="1" smtClean="0"/>
               <a:t>Entities</a:t>
             </a:r>
+            <a:endParaRPr lang="de-DE" dirty="0" smtClean="0"/>
+          </a:p>
+          <a:p>
+            <a:r>
+              <a:rPr lang="de-DE" dirty="0" err="1" smtClean="0"/>
+              <a:t>Git</a:t>
+            </a:r>
+            <a:endParaRPr lang="de-DE" dirty="0" smtClean="0"/>
+          </a:p>
+          <a:p>
+            <a:r>
+              <a:rPr lang="de-DE" dirty="0" err="1" smtClean="0"/>
+              <a:t>Vaadin</a:t>
+            </a:r>
+            <a:endParaRPr lang="de-DE" dirty="0" smtClean="0"/>
+          </a:p>
+          <a:p>
             <a:r>
               <a:rPr lang="de-DE" dirty="0" smtClean="0"/>
-              <a:t> (Database)</a:t>
-            </a:r>
-          </a:p>
-          <a:p>
-            <a:r>
-              <a:rPr lang="de-DE" dirty="0" smtClean="0"/>
-              <a:t> </a:t>
+              <a:t>SCRUM-</a:t>
             </a:r>
             <a:r>
               <a:rPr lang="de-DE" dirty="0" err="1" smtClean="0"/>
-              <a:t>google</a:t>
-            </a:r>
-            <a:r>
-              <a:rPr lang="de-DE" dirty="0" smtClean="0"/>
-              <a:t> </a:t>
-            </a:r>
-            <a:r>
-              <a:rPr lang="de-DE" dirty="0" err="1" smtClean="0"/>
-              <a:t>maps</a:t>
-            </a:r>
-            <a:r>
-              <a:rPr lang="de-DE" dirty="0" smtClean="0"/>
-              <a:t> route</a:t>
-            </a:r>
-          </a:p>
-          <a:p>
-            <a:r>
-              <a:rPr lang="de-DE" dirty="0" err="1" smtClean="0"/>
-              <a:t>calendar</a:t>
-            </a:r>
-            <a:endParaRPr lang="de-DE" dirty="0"/>
-          </a:p>
-          <a:p>
-            <a:pPr marL="0" indent="0">
-              <a:buNone/>
-            </a:pPr>
-            <a:r>
-              <a:rPr lang="de-DE" dirty="0" smtClean="0"/>
-              <a:t>LEARNT:</a:t>
-            </a:r>
-          </a:p>
-          <a:p>
-            <a:r>
-              <a:rPr lang="de-DE" dirty="0" smtClean="0"/>
-              <a:t>JPA</a:t>
-            </a:r>
-          </a:p>
-          <a:p>
-            <a:r>
-              <a:rPr lang="de-DE" dirty="0" smtClean="0"/>
-              <a:t>Google </a:t>
-            </a:r>
-            <a:r>
-              <a:rPr lang="de-DE" dirty="0" err="1" smtClean="0"/>
-              <a:t>Maps</a:t>
-            </a:r>
-            <a:r>
-              <a:rPr lang="de-DE" dirty="0" smtClean="0"/>
-              <a:t> API</a:t>
-            </a:r>
-          </a:p>
-          <a:p>
-            <a:r>
-              <a:rPr lang="de-DE" dirty="0" err="1" smtClean="0"/>
-              <a:t>vaadins</a:t>
-            </a:r>
-            <a:endParaRPr lang="de-DE" dirty="0" smtClean="0"/>
-          </a:p>
-          <a:p>
+              <a:t>method</a:t>
+            </a:r>
             <a:endParaRPr lang="de-DE" dirty="0" smtClean="0"/>
           </a:p>
         </p:txBody>
@@ -13415,11 +13525,11 @@
             </a:r>
             <a:r>
               <a:rPr lang="en-US" dirty="0" smtClean="0"/>
-              <a:t>Karol </a:t>
+              <a:t>Michel </a:t>
             </a:r>
             <a:r>
               <a:rPr lang="en-US" dirty="0" err="1" smtClean="0"/>
-              <a:t>Ugorcak</a:t>
+              <a:t>Hosmann</a:t>
             </a:r>
             <a:endParaRPr lang="en-US" dirty="0"/>
           </a:p>
@@ -13458,25 +13568,44 @@
           <a:p>
             <a:r>
               <a:rPr lang="de-DE" dirty="0" smtClean="0"/>
-              <a:t>Patient (Entity, View), </a:t>
+              <a:t>Drugs, </a:t>
             </a:r>
             <a:r>
               <a:rPr lang="de-DE" dirty="0" err="1" smtClean="0"/>
-              <a:t>PatientList</a:t>
+              <a:t>DrugOrder</a:t>
             </a:r>
             <a:r>
               <a:rPr lang="de-DE" dirty="0" smtClean="0"/>
-              <a:t> (View)</a:t>
-            </a:r>
-          </a:p>
-          <a:p>
-            <a:pPr marL="0" indent="0">
-              <a:buNone/>
-            </a:pPr>
+              <a:t> (Model, View, Entity), </a:t>
+            </a:r>
+          </a:p>
+          <a:p>
+            <a:r>
+              <a:rPr lang="de-DE" dirty="0" err="1" smtClean="0"/>
+              <a:t>DrugCart</a:t>
+            </a:r>
+            <a:r>
+              <a:rPr lang="de-DE" dirty="0" smtClean="0"/>
+              <a:t>, send </a:t>
+            </a:r>
+            <a:r>
+              <a:rPr lang="de-DE" dirty="0" err="1" smtClean="0"/>
+              <a:t>DrugOrder</a:t>
+            </a:r>
             <a:r>
               <a:rPr lang="de-DE" dirty="0" smtClean="0"/>
               <a:t> </a:t>
             </a:r>
+            <a:r>
+              <a:rPr lang="de-DE" dirty="0" err="1" smtClean="0"/>
+              <a:t>by</a:t>
+            </a:r>
+            <a:r>
+              <a:rPr lang="de-DE" dirty="0" smtClean="0"/>
+              <a:t> Email</a:t>
+            </a:r>
+          </a:p>
+          <a:p>
             <a:endParaRPr lang="de-DE" dirty="0"/>
           </a:p>
           <a:p>
@@ -13491,19 +13620,36 @@
           <a:p>
             <a:r>
               <a:rPr lang="de-DE" dirty="0" err="1" smtClean="0"/>
-              <a:t>Persistence</a:t>
+              <a:t>How</a:t>
             </a:r>
             <a:r>
               <a:rPr lang="de-DE" dirty="0" smtClean="0"/>
-              <a:t>, </a:t>
+              <a:t> </a:t>
             </a:r>
             <a:r>
               <a:rPr lang="de-DE" dirty="0" err="1" smtClean="0"/>
-              <a:t>Entities</a:t>
-            </a:r>
-            <a:endParaRPr lang="de-DE" dirty="0" smtClean="0"/>
-          </a:p>
-          <a:p>
+              <a:t>you</a:t>
+            </a:r>
+            <a:r>
+              <a:rPr lang="de-DE" dirty="0" smtClean="0"/>
+              <a:t> (</a:t>
+            </a:r>
+            <a:r>
+              <a:rPr lang="de-DE" dirty="0" err="1" smtClean="0"/>
+              <a:t>should</a:t>
+            </a:r>
+            <a:r>
+              <a:rPr lang="de-DE" dirty="0" smtClean="0"/>
+              <a:t>) </a:t>
+            </a:r>
+            <a:r>
+              <a:rPr lang="de-DE" dirty="0" err="1" smtClean="0"/>
+              <a:t>use</a:t>
+            </a:r>
+            <a:r>
+              <a:rPr lang="de-DE" dirty="0" smtClean="0"/>
+              <a:t> </a:t>
+            </a:r>
             <a:r>
               <a:rPr lang="de-DE" dirty="0" err="1" smtClean="0"/>
               <a:t>Git</a:t>
@@ -13513,18 +13659,66 @@
           <a:p>
             <a:r>
               <a:rPr lang="de-DE" dirty="0" err="1" smtClean="0"/>
+              <a:t>How</a:t>
+            </a:r>
+            <a:r>
+              <a:rPr lang="de-DE" dirty="0" smtClean="0"/>
+              <a:t> Java </a:t>
+            </a:r>
+            <a:r>
+              <a:rPr lang="de-DE" dirty="0" err="1" smtClean="0"/>
+              <a:t>Persistence</a:t>
+            </a:r>
+            <a:r>
+              <a:rPr lang="de-DE" dirty="0" smtClean="0"/>
+              <a:t> API </a:t>
+            </a:r>
+            <a:r>
+              <a:rPr lang="de-DE" dirty="0" err="1" smtClean="0"/>
+              <a:t>works</a:t>
+            </a:r>
+            <a:endParaRPr lang="de-DE" dirty="0" smtClean="0"/>
+          </a:p>
+          <a:p>
+            <a:r>
+              <a:rPr lang="de-DE" dirty="0" smtClean="0"/>
+              <a:t>...</a:t>
+            </a:r>
+            <a:r>
+              <a:rPr lang="de-DE" dirty="0" err="1" smtClean="0"/>
+              <a:t>never</a:t>
+            </a:r>
+            <a:r>
+              <a:rPr lang="de-DE" dirty="0" smtClean="0"/>
+              <a:t> </a:t>
+            </a:r>
+            <a:r>
+              <a:rPr lang="de-DE" dirty="0" err="1" smtClean="0"/>
+              <a:t>to</a:t>
+            </a:r>
+            <a:r>
+              <a:rPr lang="de-DE" dirty="0" smtClean="0"/>
+              <a:t> </a:t>
+            </a:r>
+            <a:r>
+              <a:rPr lang="de-DE" dirty="0" err="1" smtClean="0"/>
+              <a:t>use</a:t>
+            </a:r>
+            <a:r>
+              <a:rPr lang="de-DE" dirty="0" smtClean="0"/>
+              <a:t> </a:t>
+            </a:r>
+            <a:r>
+              <a:rPr lang="de-DE" dirty="0" err="1" smtClean="0"/>
               <a:t>Vaadin</a:t>
             </a:r>
-            <a:endParaRPr lang="de-DE" dirty="0" smtClean="0"/>
-          </a:p>
-          <a:p>
             <a:r>
               <a:rPr lang="de-DE" dirty="0" smtClean="0"/>
-              <a:t>SCRUM-</a:t>
+              <a:t> </a:t>
             </a:r>
             <a:r>
               <a:rPr lang="de-DE" dirty="0" err="1" smtClean="0"/>
-              <a:t>method</a:t>
+              <a:t>again</a:t>
             </a:r>
             <a:endParaRPr lang="de-DE" dirty="0" smtClean="0"/>
           </a:p>
@@ -13598,14 +13792,17 @@
               <a:t>: </a:t>
             </a:r>
             <a:r>
+              <a:rPr lang="en-US" dirty="0" err="1" smtClean="0"/>
+              <a:t>Christoph</a:t>
+            </a:r>
+            <a:r>
               <a:rPr lang="en-US" dirty="0" smtClean="0"/>
-              <a:t>Michel </a:t>
-            </a:r>
-            <a:r>
-              <a:rPr lang="en-US" dirty="0" err="1" smtClean="0"/>
-              <a:t>Hosmann</a:t>
-            </a:r>
-            <a:endParaRPr lang="en-US" dirty="0"/>
+              <a:t> </a:t>
+            </a:r>
+            <a:r>
+              <a:rPr lang="en-US" dirty="0"/>
+              <a:t>Sutter</a:t>
+            </a:r>
           </a:p>
         </p:txBody>
       </p:sp>
@@ -13635,14 +13832,18 @@
               <a:buNone/>
             </a:pPr>
             <a:r>
+              <a:rPr lang="de-DE" dirty="0"/>
+              <a:t>CONTRIBUTIONS</a:t>
+            </a:r>
+            <a:r>
               <a:rPr lang="de-DE" dirty="0" smtClean="0"/>
-              <a:t>CONTRIBUTIONS:</a:t>
-            </a:r>
-          </a:p>
-          <a:p>
-            <a:r>
-              <a:rPr lang="de-DE" dirty="0" smtClean="0"/>
-              <a:t>Drugs</a:t>
+              <a:t>:</a:t>
+            </a:r>
+          </a:p>
+          <a:p>
+            <a:r>
+              <a:rPr lang="de-DE" dirty="0" err="1" smtClean="0"/>
+              <a:t>PatientVisitHistoryListView</a:t>
             </a:r>
             <a:r>
               <a:rPr lang="de-DE" dirty="0" smtClean="0"/>
@@ -13650,26 +13851,37 @@
             </a:r>
             <a:r>
               <a:rPr lang="de-DE" dirty="0" err="1" smtClean="0"/>
-              <a:t>DrugOrder</a:t>
+              <a:t>EmergencyContactView</a:t>
             </a:r>
             <a:r>
               <a:rPr lang="de-DE" dirty="0" smtClean="0"/>
-              <a:t> (Model, View, Entity), </a:t>
-            </a:r>
-            <a:endParaRPr lang="de-DE" dirty="0" smtClean="0"/>
-          </a:p>
-          <a:p>
+              <a:t>/Edit (</a:t>
+            </a:r>
             <a:r>
               <a:rPr lang="de-DE" dirty="0" err="1" smtClean="0"/>
-              <a:t>DrugCart</a:t>
+              <a:t>Model,View,Entity</a:t>
             </a:r>
             <a:r>
               <a:rPr lang="de-DE" dirty="0" smtClean="0"/>
-              <a:t>, send </a:t>
-            </a:r>
+              <a:t>)</a:t>
+            </a:r>
+          </a:p>
+          <a:p>
+            <a:endParaRPr lang="de-DE" dirty="0"/>
+          </a:p>
+          <a:p>
+            <a:pPr marL="0" indent="0">
+              <a:buNone/>
+            </a:pPr>
+            <a:r>
+              <a:rPr lang="de-DE" dirty="0" smtClean="0"/>
+              <a:t>LEARNT:</a:t>
+            </a:r>
+          </a:p>
+          <a:p>
             <a:r>
               <a:rPr lang="de-DE" dirty="0" err="1" smtClean="0"/>
-              <a:t>DrugOrder</a:t>
+              <a:t>How</a:t>
             </a:r>
             <a:r>
               <a:rPr lang="de-DE" dirty="0" smtClean="0"/>
@@ -13677,25 +13889,53 @@
             </a:r>
             <a:r>
               <a:rPr lang="de-DE" dirty="0" err="1" smtClean="0"/>
-              <a:t>by</a:t>
+              <a:t>Repositories</a:t>
             </a:r>
             <a:r>
               <a:rPr lang="de-DE" dirty="0" smtClean="0"/>
-              <a:t> Email</a:t>
-            </a:r>
-            <a:endParaRPr lang="de-DE" dirty="0" smtClean="0"/>
-          </a:p>
-          <a:p>
+              <a:t> </a:t>
+            </a:r>
+            <a:r>
+              <a:rPr lang="de-DE" dirty="0" err="1" smtClean="0"/>
+              <a:t>work</a:t>
+            </a:r>
+            <a:r>
+              <a:rPr lang="de-DE" dirty="0" smtClean="0"/>
+              <a:t>... </a:t>
+            </a:r>
+            <a:r>
+              <a:rPr lang="de-DE" dirty="0" err="1" smtClean="0"/>
+              <a:t>Several</a:t>
+            </a:r>
+            <a:r>
+              <a:rPr lang="de-DE" dirty="0" smtClean="0"/>
+              <a:t> </a:t>
+            </a:r>
+            <a:r>
+              <a:rPr lang="de-DE" dirty="0" err="1" smtClean="0"/>
+              <a:t>people</a:t>
+            </a:r>
+            <a:r>
+              <a:rPr lang="de-DE" dirty="0" smtClean="0"/>
+              <a:t> </a:t>
+            </a:r>
+            <a:r>
+              <a:rPr lang="de-DE" dirty="0" err="1" smtClean="0"/>
+              <a:t>working</a:t>
+            </a:r>
+            <a:r>
+              <a:rPr lang="de-DE" dirty="0" smtClean="0"/>
+              <a:t> at </a:t>
+            </a:r>
+            <a:r>
+              <a:rPr lang="de-DE" dirty="0" err="1" smtClean="0"/>
+              <a:t>the</a:t>
+            </a:r>
+            <a:r>
+              <a:rPr lang="de-DE" dirty="0" smtClean="0"/>
+              <a:t> same Project</a:t>
+            </a:r>
             <a:endParaRPr lang="de-DE" dirty="0"/>
-          </a:p>
-          <a:p>
-            <a:pPr marL="0" indent="0">
-              <a:buNone/>
-            </a:pPr>
-            <a:r>
-              <a:rPr lang="de-DE" dirty="0" smtClean="0"/>
-              <a:t>LEARNT:</a:t>
-            </a:r>
           </a:p>
           <a:p>
             <a:r>
@@ -13704,11 +13944,19 @@
             </a:r>
             <a:r>
               <a:rPr lang="de-DE" dirty="0" smtClean="0"/>
+              <a:t> a Project </a:t>
+            </a:r>
+            <a:r>
+              <a:rPr lang="de-DE" dirty="0" err="1" smtClean="0"/>
+              <a:t>is</a:t>
+            </a:r>
+            <a:r>
+              <a:rPr lang="de-DE" dirty="0" smtClean="0"/>
               <a:t> </a:t>
             </a:r>
             <a:r>
               <a:rPr lang="de-DE" dirty="0" err="1" smtClean="0"/>
-              <a:t>you</a:t>
+              <a:t>structured</a:t>
             </a:r>
             <a:r>
               <a:rPr lang="de-DE" dirty="0" smtClean="0"/>
@@ -13716,15 +13964,17 @@
             </a:r>
             <a:r>
               <a:rPr lang="de-DE" dirty="0" err="1" smtClean="0"/>
-              <a:t>should</a:t>
+              <a:t>Scrum</a:t>
             </a:r>
             <a:r>
               <a:rPr lang="de-DE" dirty="0" smtClean="0"/>
-              <a:t>) </a:t>
-            </a:r>
+              <a:t>)</a:t>
+            </a:r>
+          </a:p>
+          <a:p>
             <a:r>
               <a:rPr lang="de-DE" dirty="0" err="1" smtClean="0"/>
-              <a:t>use</a:t>
+              <a:t>Using</a:t>
             </a:r>
             <a:r>
               <a:rPr lang="de-DE" dirty="0" smtClean="0"/>
@@ -13732,41 +13982,7 @@
             </a:r>
             <a:r>
               <a:rPr lang="de-DE" dirty="0" err="1" smtClean="0"/>
-              <a:t>Git</a:t>
-            </a:r>
-            <a:endParaRPr lang="de-DE" dirty="0" smtClean="0"/>
-          </a:p>
-          <a:p>
-            <a:r>
-              <a:rPr lang="de-DE" dirty="0" err="1" smtClean="0"/>
-              <a:t>How</a:t>
-            </a:r>
-            <a:r>
-              <a:rPr lang="de-DE" dirty="0" smtClean="0"/>
-              <a:t> Java </a:t>
-            </a:r>
-            <a:r>
-              <a:rPr lang="de-DE" dirty="0" err="1" smtClean="0"/>
-              <a:t>Persistence</a:t>
-            </a:r>
-            <a:r>
-              <a:rPr lang="de-DE" dirty="0" smtClean="0"/>
-              <a:t> API </a:t>
-            </a:r>
-            <a:r>
-              <a:rPr lang="de-DE" dirty="0" err="1" smtClean="0"/>
-              <a:t>works</a:t>
-            </a:r>
-            <a:endParaRPr lang="de-DE" dirty="0" smtClean="0"/>
-          </a:p>
-          <a:p>
-            <a:r>
-              <a:rPr lang="de-DE" dirty="0" smtClean="0"/>
-              <a:t>...</a:t>
-            </a:r>
-            <a:r>
-              <a:rPr lang="de-DE" dirty="0" err="1" smtClean="0"/>
-              <a:t>never</a:t>
+              <a:t>API‘s</a:t>
             </a:r>
             <a:r>
               <a:rPr lang="de-DE" dirty="0" smtClean="0"/>
@@ -13774,7 +13990,7 @@
             </a:r>
             <a:r>
               <a:rPr lang="de-DE" dirty="0" err="1" smtClean="0"/>
-              <a:t>to</a:t>
+              <a:t>isn‘t</a:t>
             </a:r>
             <a:r>
               <a:rPr lang="de-DE" dirty="0" smtClean="0"/>
@@ -13782,7 +13998,7 @@
             </a:r>
             <a:r>
               <a:rPr lang="de-DE" dirty="0" err="1" smtClean="0"/>
-              <a:t>use</a:t>
+              <a:t>always</a:t>
             </a:r>
             <a:r>
               <a:rPr lang="de-DE" dirty="0" smtClean="0"/>
@@ -13790,7 +14006,7 @@
             </a:r>
             <a:r>
               <a:rPr lang="de-DE" dirty="0" err="1" smtClean="0"/>
-              <a:t>Vaadin</a:t>
+              <a:t>more</a:t>
             </a:r>
             <a:r>
               <a:rPr lang="de-DE" dirty="0" smtClean="0"/>
@@ -13798,7 +14014,39 @@
             </a:r>
             <a:r>
               <a:rPr lang="de-DE" dirty="0" err="1" smtClean="0"/>
-              <a:t>again</a:t>
+              <a:t>comfortable</a:t>
+            </a:r>
+            <a:r>
+              <a:rPr lang="de-DE" dirty="0" smtClean="0"/>
+              <a:t>, but </a:t>
+            </a:r>
+            <a:r>
+              <a:rPr lang="de-DE" dirty="0" err="1" smtClean="0"/>
+              <a:t>it</a:t>
+            </a:r>
+            <a:r>
+              <a:rPr lang="de-DE" dirty="0" smtClean="0"/>
+              <a:t> </a:t>
+            </a:r>
+            <a:r>
+              <a:rPr lang="de-DE" dirty="0" err="1" smtClean="0"/>
+              <a:t>makes</a:t>
+            </a:r>
+            <a:r>
+              <a:rPr lang="de-DE" dirty="0" smtClean="0"/>
+              <a:t> </a:t>
+            </a:r>
+            <a:r>
+              <a:rPr lang="de-DE" dirty="0" err="1" smtClean="0"/>
+              <a:t>life</a:t>
+            </a:r>
+            <a:r>
+              <a:rPr lang="de-DE" dirty="0" smtClean="0"/>
+              <a:t> </a:t>
+            </a:r>
+            <a:r>
+              <a:rPr lang="de-DE" dirty="0" err="1" smtClean="0"/>
+              <a:t>easier</a:t>
             </a:r>
             <a:endParaRPr lang="de-DE" dirty="0" smtClean="0"/>
           </a:p>
@@ -13858,31 +14106,18 @@
           </a:xfrm>
         </p:spPr>
         <p:txBody>
-          <a:bodyPr>
-            <a:normAutofit/>
-          </a:bodyPr>
+          <a:bodyPr/>
           <a:lstStyle/>
           <a:p>
             <a:r>
               <a:rPr lang="en-US" dirty="0" smtClean="0"/>
-              <a:t>Contributions &amp; Learnt</a:t>
-            </a:r>
-            <a:r>
-              <a:rPr lang="en-US" dirty="0"/>
-              <a:t>: </a:t>
+              <a:t>Contributions &amp; Learnt: Nicolas </a:t>
             </a:r>
             <a:r>
               <a:rPr lang="en-US" dirty="0" err="1" smtClean="0"/>
-              <a:t>Christoph</a:t>
-            </a:r>
-            <a:r>
-              <a:rPr lang="en-US" dirty="0" smtClean="0"/>
-              <a:t> </a:t>
-            </a:r>
-            <a:r>
-              <a:rPr lang="en-US" dirty="0"/>
-              <a:t>Sutter</a:t>
-            </a:r>
+              <a:t>Schmid</a:t>
+            </a:r>
+            <a:endParaRPr lang="en-US" dirty="0"/>
           </a:p>
         </p:txBody>
       </p:sp>
@@ -13904,7 +14139,7 @@
         </p:spPr>
         <p:txBody>
           <a:bodyPr>
-            <a:normAutofit/>
+            <a:normAutofit lnSpcReduction="10000"/>
           </a:bodyPr>
           <a:lstStyle/>
           <a:p>
@@ -13912,19 +14147,14 @@
               <a:buNone/>
             </a:pPr>
             <a:r>
-              <a:rPr lang="de-DE" dirty="0"/>
-              <a:t>CONTRIBUTIONS</a:t>
-            </a:r>
-            <a:r>
               <a:rPr lang="de-DE" dirty="0" smtClean="0"/>
-              <a:t>:</a:t>
-            </a:r>
-            <a:endParaRPr lang="de-DE" dirty="0" smtClean="0"/>
+              <a:t>CONTRIBUTIONS:</a:t>
+            </a:r>
           </a:p>
           <a:p>
             <a:r>
               <a:rPr lang="de-DE" dirty="0" err="1" smtClean="0"/>
-              <a:t>PatientVisitHistoryListView</a:t>
+              <a:t>Persistence</a:t>
             </a:r>
             <a:r>
               <a:rPr lang="de-DE" dirty="0" smtClean="0"/>
@@ -13932,21 +14162,83 @@
             </a:r>
             <a:r>
               <a:rPr lang="de-DE" dirty="0" err="1" smtClean="0"/>
-              <a:t>EmergencyContactView</a:t>
+              <a:t>Entities</a:t>
             </a:r>
             <a:r>
               <a:rPr lang="de-DE" dirty="0" smtClean="0"/>
-              <a:t>/Edit (</a:t>
-            </a:r>
+              <a:t>, JPA</a:t>
+            </a:r>
+          </a:p>
+          <a:p>
             <a:r>
               <a:rPr lang="de-DE" dirty="0" err="1" smtClean="0"/>
-              <a:t>Model,View,Entity</a:t>
+              <a:t>Generic</a:t>
             </a:r>
             <a:r>
               <a:rPr lang="de-DE" dirty="0" smtClean="0"/>
-              <a:t>)</a:t>
+              <a:t> Models</a:t>
+            </a:r>
+          </a:p>
+          <a:p>
+            <a:r>
+              <a:rPr lang="de-DE" dirty="0" smtClean="0"/>
+              <a:t>Visits </a:t>
+            </a:r>
+            <a:r>
+              <a:rPr lang="de-DE" dirty="0" err="1" smtClean="0"/>
+              <a:t>view</a:t>
             </a:r>
             <a:endParaRPr lang="de-DE" dirty="0" smtClean="0"/>
+          </a:p>
+          <a:p>
+            <a:r>
+              <a:rPr lang="de-DE" dirty="0" err="1" smtClean="0"/>
+              <a:t>MailService</a:t>
+            </a:r>
+            <a:r>
+              <a:rPr lang="de-DE" dirty="0" smtClean="0"/>
+              <a:t>, </a:t>
+            </a:r>
+            <a:r>
+              <a:rPr lang="de-DE" dirty="0" err="1" smtClean="0"/>
+              <a:t>Logging</a:t>
+            </a:r>
+            <a:r>
+              <a:rPr lang="de-DE" dirty="0" smtClean="0"/>
+              <a:t>, </a:t>
+            </a:r>
+            <a:r>
+              <a:rPr lang="de-DE" dirty="0" err="1" smtClean="0"/>
+              <a:t>Maven</a:t>
+            </a:r>
+            <a:r>
+              <a:rPr lang="de-DE" dirty="0" smtClean="0"/>
+              <a:t>, </a:t>
+            </a:r>
+            <a:r>
+              <a:rPr lang="de-DE" dirty="0" err="1" smtClean="0"/>
+              <a:t>general</a:t>
+            </a:r>
+            <a:r>
+              <a:rPr lang="de-DE" dirty="0" smtClean="0"/>
+              <a:t> </a:t>
+            </a:r>
+            <a:r>
+              <a:rPr lang="de-DE" dirty="0" err="1" smtClean="0"/>
+              <a:t>project</a:t>
+            </a:r>
+            <a:r>
+              <a:rPr lang="de-DE" dirty="0" smtClean="0"/>
+              <a:t> </a:t>
+            </a:r>
+            <a:r>
+              <a:rPr lang="de-DE" dirty="0" err="1" smtClean="0"/>
+              <a:t>setup</a:t>
+            </a:r>
+            <a:r>
+              <a:rPr lang="de-DE" dirty="0" smtClean="0"/>
+              <a:t>, ... </a:t>
+            </a:r>
           </a:p>
           <a:p>
             <a:endParaRPr lang="de-DE" dirty="0"/>
@@ -13962,182 +14254,23 @@
           </a:p>
           <a:p>
             <a:r>
+              <a:rPr lang="de-DE" dirty="0" smtClean="0"/>
+              <a:t>GIT</a:t>
+            </a:r>
+          </a:p>
+          <a:p>
+            <a:r>
               <a:rPr lang="de-DE" dirty="0" err="1" smtClean="0"/>
-              <a:t>How</a:t>
-            </a:r>
-            <a:r>
-              <a:rPr lang="de-DE" dirty="0" smtClean="0"/>
-              <a:t> </a:t>
-            </a:r>
-            <a:r>
-              <a:rPr lang="de-DE" dirty="0" err="1" smtClean="0"/>
-              <a:t>Repositories</a:t>
-            </a:r>
-            <a:r>
-              <a:rPr lang="de-DE" dirty="0" smtClean="0"/>
-              <a:t> </a:t>
-            </a:r>
-            <a:r>
-              <a:rPr lang="de-DE" dirty="0" err="1" smtClean="0"/>
-              <a:t>work</a:t>
-            </a:r>
-            <a:r>
-              <a:rPr lang="de-DE" dirty="0" smtClean="0"/>
-              <a:t>... </a:t>
-            </a:r>
-            <a:r>
-              <a:rPr lang="de-DE" dirty="0" err="1" smtClean="0"/>
-              <a:t>Several</a:t>
-            </a:r>
-            <a:r>
-              <a:rPr lang="de-DE" dirty="0" smtClean="0"/>
-              <a:t> </a:t>
-            </a:r>
-            <a:r>
-              <a:rPr lang="de-DE" dirty="0" err="1" smtClean="0"/>
-              <a:t>people</a:t>
-            </a:r>
-            <a:r>
-              <a:rPr lang="de-DE" dirty="0" smtClean="0"/>
-              <a:t> </a:t>
-            </a:r>
-            <a:r>
-              <a:rPr lang="de-DE" dirty="0" err="1" smtClean="0"/>
-              <a:t>working</a:t>
-            </a:r>
-            <a:r>
-              <a:rPr lang="de-DE" dirty="0" smtClean="0"/>
-              <a:t> at </a:t>
-            </a:r>
-            <a:r>
-              <a:rPr lang="de-DE" dirty="0" err="1" smtClean="0"/>
-              <a:t>the</a:t>
-            </a:r>
-            <a:r>
-              <a:rPr lang="de-DE" dirty="0" smtClean="0"/>
-              <a:t> same Project</a:t>
+              <a:t>Vaadin</a:t>
             </a:r>
             <a:endParaRPr lang="de-DE" dirty="0"/>
-          </a:p>
-          <a:p>
-            <a:r>
-              <a:rPr lang="de-DE" dirty="0" err="1" smtClean="0"/>
-              <a:t>How</a:t>
-            </a:r>
-            <a:r>
-              <a:rPr lang="de-DE" dirty="0" smtClean="0"/>
-              <a:t> a Project </a:t>
-            </a:r>
-            <a:r>
-              <a:rPr lang="de-DE" dirty="0" err="1" smtClean="0"/>
-              <a:t>is</a:t>
-            </a:r>
-            <a:r>
-              <a:rPr lang="de-DE" dirty="0" smtClean="0"/>
-              <a:t> </a:t>
-            </a:r>
-            <a:r>
-              <a:rPr lang="de-DE" dirty="0" err="1" smtClean="0"/>
-              <a:t>structured</a:t>
-            </a:r>
-            <a:r>
-              <a:rPr lang="de-DE" dirty="0" smtClean="0"/>
-              <a:t> (</a:t>
-            </a:r>
-            <a:r>
-              <a:rPr lang="de-DE" dirty="0" err="1" smtClean="0"/>
-              <a:t>Scrum</a:t>
-            </a:r>
-            <a:r>
-              <a:rPr lang="de-DE" dirty="0" smtClean="0"/>
-              <a:t>)</a:t>
-            </a:r>
-          </a:p>
-          <a:p>
-            <a:r>
-              <a:rPr lang="de-DE" dirty="0" err="1" smtClean="0"/>
-              <a:t>Using</a:t>
-            </a:r>
-            <a:r>
-              <a:rPr lang="de-DE" dirty="0" smtClean="0"/>
-              <a:t> </a:t>
-            </a:r>
-            <a:r>
-              <a:rPr lang="de-DE" dirty="0" err="1" smtClean="0"/>
-              <a:t>API‘s</a:t>
-            </a:r>
-            <a:r>
-              <a:rPr lang="de-DE" dirty="0" smtClean="0"/>
-              <a:t> </a:t>
-            </a:r>
-            <a:r>
-              <a:rPr lang="de-DE" dirty="0" err="1" smtClean="0"/>
-              <a:t>isn‘t</a:t>
-            </a:r>
-            <a:r>
-              <a:rPr lang="de-DE" dirty="0" smtClean="0"/>
-              <a:t> </a:t>
-            </a:r>
-            <a:r>
-              <a:rPr lang="de-DE" dirty="0" err="1" smtClean="0"/>
-              <a:t>always</a:t>
-            </a:r>
-            <a:r>
-              <a:rPr lang="de-DE" dirty="0" smtClean="0"/>
-              <a:t> </a:t>
-            </a:r>
-            <a:r>
-              <a:rPr lang="de-DE" dirty="0" err="1" smtClean="0"/>
-              <a:t>more</a:t>
-            </a:r>
-            <a:r>
-              <a:rPr lang="de-DE" dirty="0" smtClean="0"/>
-              <a:t> </a:t>
-            </a:r>
-            <a:r>
-              <a:rPr lang="de-DE" dirty="0" err="1" smtClean="0"/>
-              <a:t>comfortable</a:t>
-            </a:r>
-            <a:r>
-              <a:rPr lang="de-DE" dirty="0" smtClean="0"/>
-              <a:t>, but </a:t>
-            </a:r>
-            <a:r>
-              <a:rPr lang="de-DE" dirty="0" err="1" smtClean="0"/>
-              <a:t>it</a:t>
-            </a:r>
-            <a:r>
-              <a:rPr lang="de-DE" dirty="0" smtClean="0"/>
-              <a:t> </a:t>
-            </a:r>
-            <a:r>
-              <a:rPr lang="de-DE" dirty="0" err="1" smtClean="0"/>
-              <a:t>makes</a:t>
-            </a:r>
-            <a:r>
-              <a:rPr lang="de-DE" dirty="0" smtClean="0"/>
-              <a:t> </a:t>
-            </a:r>
-            <a:r>
-              <a:rPr lang="de-DE" dirty="0" err="1" smtClean="0"/>
-              <a:t>life</a:t>
-            </a:r>
-            <a:r>
-              <a:rPr lang="de-DE" dirty="0" smtClean="0"/>
-              <a:t> </a:t>
-            </a:r>
-            <a:r>
-              <a:rPr lang="de-DE" dirty="0" err="1" smtClean="0"/>
-              <a:t>easier</a:t>
-            </a:r>
-            <a:endParaRPr lang="de-DE" dirty="0" smtClean="0"/>
           </a:p>
         </p:txBody>
       </p:sp>
     </p:spTree>
     <p:extLst>
       <p:ext uri="{BB962C8B-B14F-4D97-AF65-F5344CB8AC3E}">
-        <p14:creationId xmlns:p14="http://schemas.microsoft.com/office/powerpoint/2010/main" val="2609852949"/>
+        <p14:creationId xmlns:p14="http://schemas.microsoft.com/office/powerpoint/2010/main" val="2970227199"/>
       </p:ext>
     </p:extLst>
   </p:cSld>
@@ -14173,7 +14306,7 @@
       </p:grpSpPr>
       <p:sp>
         <p:nvSpPr>
-          <p:cNvPr id="2" name="Title 1"/>
+          <p:cNvPr id="2" name="Titel 1"/>
           <p:cNvSpPr>
             <a:spLocks noGrp="1"/>
           </p:cNvSpPr>
@@ -14181,31 +14314,67 @@
             <p:ph type="title"/>
           </p:nvPr>
         </p:nvSpPr>
-        <p:spPr>
-          <a:xfrm>
-            <a:off x="1141413" y="238922"/>
-            <a:ext cx="9905998" cy="1194609"/>
-          </a:xfrm>
-        </p:spPr>
+        <p:spPr/>
         <p:txBody>
-          <a:bodyPr/>
+          <a:bodyPr>
+            <a:normAutofit fontScale="90000"/>
+          </a:bodyPr>
           <a:lstStyle/>
           <a:p>
             <a:r>
-              <a:rPr lang="en-US" dirty="0" smtClean="0"/>
-              <a:t>Contributions &amp; Learnt: Nicolas </a:t>
-            </a:r>
-            <a:r>
-              <a:rPr lang="en-US" dirty="0" err="1" smtClean="0"/>
-              <a:t>Schmid</a:t>
-            </a:r>
-            <a:endParaRPr lang="en-US" dirty="0"/>
+              <a:rPr lang="de-DE" dirty="0" err="1"/>
+              <a:t>lessons</a:t>
+            </a:r>
+            <a:r>
+              <a:rPr lang="de-DE" dirty="0"/>
+              <a:t> </a:t>
+            </a:r>
+            <a:r>
+              <a:rPr lang="de-DE" dirty="0" err="1" smtClean="0"/>
+              <a:t>learnt</a:t>
+            </a:r>
+            <a:r>
+              <a:rPr lang="de-DE" dirty="0" smtClean="0"/>
+              <a:t>:</a:t>
+            </a:r>
+            <a:r>
+              <a:rPr lang="de-DE" dirty="0"/>
+              <a:t/>
+            </a:r>
+            <a:br>
+              <a:rPr lang="de-DE" dirty="0"/>
+            </a:br>
+            <a:r>
+              <a:rPr lang="de-DE" dirty="0" err="1" smtClean="0"/>
+              <a:t>storyboard</a:t>
+            </a:r>
+            <a:r>
+              <a:rPr lang="de-DE" dirty="0" smtClean="0"/>
+              <a:t> </a:t>
+            </a:r>
+            <a:r>
+              <a:rPr lang="de-DE" dirty="0"/>
+              <a:t>↔ </a:t>
+            </a:r>
+            <a:r>
+              <a:rPr lang="de-DE" dirty="0" err="1"/>
+              <a:t>requirements</a:t>
+            </a:r>
+            <a:r>
+              <a:rPr lang="de-DE" dirty="0"/>
+              <a:t> ↔ design ↔ </a:t>
+            </a:r>
+            <a:r>
+              <a:rPr lang="de-DE" dirty="0" err="1" smtClean="0"/>
+              <a:t>implementation</a:t>
+            </a:r>
+            <a:endParaRPr lang="de-DE" dirty="0"/>
           </a:p>
         </p:txBody>
       </p:sp>
       <p:sp>
         <p:nvSpPr>
-          <p:cNvPr id="7" name="Inhaltsplatzhalter 6"/>
+          <p:cNvPr id="3" name="Inhaltsplatzhalter 2"/>
           <p:cNvSpPr>
             <a:spLocks noGrp="1"/>
           </p:cNvSpPr>
@@ -14213,30 +14382,38 @@
             <p:ph idx="1"/>
           </p:nvPr>
         </p:nvSpPr>
-        <p:spPr>
-          <a:xfrm>
-            <a:off x="1141412" y="1433531"/>
-            <a:ext cx="9905999" cy="4904185"/>
-          </a:xfrm>
-        </p:spPr>
+        <p:spPr/>
         <p:txBody>
-          <a:bodyPr>
-            <a:normAutofit lnSpcReduction="10000"/>
-          </a:bodyPr>
+          <a:bodyPr/>
           <a:lstStyle/>
           <a:p>
-            <a:pPr marL="0" indent="0">
-              <a:buNone/>
-            </a:pPr>
+            <a:r>
+              <a:rPr lang="de-DE" dirty="0" err="1" smtClean="0"/>
+              <a:t>Specifying</a:t>
+            </a:r>
             <a:r>
               <a:rPr lang="de-DE" dirty="0" smtClean="0"/>
-              <a:t>CONTRIBUTIONS:</a:t>
-            </a:r>
-          </a:p>
-          <a:p>
+              <a:t> </a:t>
+            </a:r>
             <a:r>
               <a:rPr lang="de-DE" dirty="0" err="1" smtClean="0"/>
-              <a:t>Persistence</a:t>
+              <a:t>is</a:t>
+            </a:r>
+            <a:r>
+              <a:rPr lang="de-DE" dirty="0" smtClean="0"/>
+              <a:t> a </a:t>
+            </a:r>
+            <a:r>
+              <a:rPr lang="de-DE" dirty="0" err="1" smtClean="0"/>
+              <a:t>complete</a:t>
+            </a:r>
+            <a:r>
+              <a:rPr lang="de-DE" dirty="0" smtClean="0"/>
+              <a:t> different </a:t>
+            </a:r>
+            <a:r>
+              <a:rPr lang="de-DE" dirty="0" err="1" smtClean="0"/>
+              <a:t>thing</a:t>
             </a:r>
             <a:r>
               <a:rPr lang="de-DE" dirty="0" smtClean="0"/>
@@ -14244,62 +14421,7 @@
             </a:r>
             <a:r>
               <a:rPr lang="de-DE" dirty="0" err="1" smtClean="0"/>
-              <a:t>Entities</a:t>
-            </a:r>
-            <a:r>
-              <a:rPr lang="de-DE" dirty="0" smtClean="0"/>
-              <a:t>, JPA</a:t>
-            </a:r>
-          </a:p>
-          <a:p>
-            <a:r>
-              <a:rPr lang="de-DE" dirty="0" err="1" smtClean="0"/>
-              <a:t>Generic</a:t>
-            </a:r>
-            <a:r>
-              <a:rPr lang="de-DE" dirty="0" smtClean="0"/>
-              <a:t> Models</a:t>
-            </a:r>
-          </a:p>
-          <a:p>
-            <a:r>
-              <a:rPr lang="de-DE" dirty="0" smtClean="0"/>
-              <a:t>Visits </a:t>
-            </a:r>
-            <a:r>
-              <a:rPr lang="de-DE" dirty="0" err="1" smtClean="0"/>
-              <a:t>view</a:t>
-            </a:r>
-            <a:endParaRPr lang="de-DE" dirty="0" smtClean="0"/>
-          </a:p>
-          <a:p>
-            <a:r>
-              <a:rPr lang="de-DE" dirty="0" err="1" smtClean="0"/>
-              <a:t>MailService</a:t>
-            </a:r>
-            <a:r>
-              <a:rPr lang="de-DE" dirty="0" smtClean="0"/>
-              <a:t>, </a:t>
-            </a:r>
-            <a:r>
-              <a:rPr lang="de-DE" dirty="0" err="1" smtClean="0"/>
-              <a:t>Logging</a:t>
-            </a:r>
-            <a:r>
-              <a:rPr lang="de-DE" dirty="0" smtClean="0"/>
-              <a:t>, </a:t>
-            </a:r>
-            <a:r>
-              <a:rPr lang="de-DE" dirty="0" err="1" smtClean="0"/>
-              <a:t>Maven</a:t>
-            </a:r>
-            <a:r>
-              <a:rPr lang="de-DE" dirty="0" smtClean="0"/>
-              <a:t>, </a:t>
-            </a:r>
-            <a:r>
-              <a:rPr lang="de-DE" dirty="0" err="1" smtClean="0"/>
-              <a:t>general</a:t>
+              <a:t>compared</a:t>
             </a:r>
             <a:r>
               <a:rPr lang="de-DE" dirty="0" smtClean="0"/>
@@ -14307,7 +14429,7 @@
             </a:r>
             <a:r>
               <a:rPr lang="de-DE" dirty="0" err="1" smtClean="0"/>
-              <a:t>project</a:t>
+              <a:t>to</a:t>
             </a:r>
             <a:r>
               <a:rPr lang="de-DE" dirty="0" smtClean="0"/>
@@ -14315,36 +14437,137 @@
             </a:r>
             <a:r>
               <a:rPr lang="de-DE" dirty="0" err="1" smtClean="0"/>
-              <a:t>setup</a:t>
+              <a:t>implementing</a:t>
+            </a:r>
+            <a:endParaRPr lang="de-DE" dirty="0" smtClean="0"/>
+          </a:p>
+          <a:p>
+            <a:r>
+              <a:rPr lang="de-DE" dirty="0" err="1" smtClean="0"/>
+              <a:t>If</a:t>
             </a:r>
             <a:r>
               <a:rPr lang="de-DE" dirty="0" smtClean="0"/>
-              <a:t>, ... </a:t>
-            </a:r>
-          </a:p>
-          <a:p>
-            <a:endParaRPr lang="de-DE" dirty="0"/>
-          </a:p>
-          <a:p>
-            <a:pPr marL="0" indent="0">
-              <a:buNone/>
-            </a:pPr>
+              <a:t> </a:t>
+            </a:r>
+            <a:r>
+              <a:rPr lang="de-DE" dirty="0" err="1" smtClean="0"/>
+              <a:t>doing</a:t>
+            </a:r>
             <a:r>
               <a:rPr lang="de-DE" dirty="0" smtClean="0"/>
-              <a:t>LEARNT:</a:t>
-            </a:r>
-          </a:p>
-          <a:p>
+              <a:t> so, </a:t>
+            </a:r>
+            <a:r>
+              <a:rPr lang="de-DE" dirty="0" err="1" smtClean="0"/>
+              <a:t>even</a:t>
+            </a:r>
             <a:r>
               <a:rPr lang="de-DE" dirty="0" smtClean="0"/>
-              <a:t>GIT</a:t>
-            </a:r>
-          </a:p>
-          <a:p>
+              <a:t> a </a:t>
+            </a:r>
             <a:r>
               <a:rPr lang="de-DE" dirty="0" err="1" smtClean="0"/>
-              <a:t>Vaadin</a:t>
-            </a:r>
+              <a:t>small</a:t>
+            </a:r>
+            <a:r>
+              <a:rPr lang="de-DE" dirty="0" smtClean="0"/>
+              <a:t> </a:t>
+            </a:r>
+            <a:r>
+              <a:rPr lang="de-DE" dirty="0" err="1" smtClean="0"/>
+              <a:t>project</a:t>
+            </a:r>
+            <a:r>
+              <a:rPr lang="de-DE" dirty="0" smtClean="0"/>
+              <a:t> </a:t>
+            </a:r>
+            <a:r>
+              <a:rPr lang="de-DE" dirty="0" err="1" smtClean="0"/>
+              <a:t>turns</a:t>
+            </a:r>
+            <a:r>
+              <a:rPr lang="de-DE" dirty="0" smtClean="0"/>
+              <a:t> </a:t>
+            </a:r>
+            <a:r>
+              <a:rPr lang="de-DE" dirty="0" err="1" smtClean="0"/>
+              <a:t>into</a:t>
+            </a:r>
+            <a:r>
+              <a:rPr lang="de-DE" dirty="0" smtClean="0"/>
+              <a:t> a </a:t>
+            </a:r>
+            <a:r>
+              <a:rPr lang="de-DE" dirty="0" err="1" smtClean="0"/>
+              <a:t>big</a:t>
+            </a:r>
+            <a:r>
+              <a:rPr lang="de-DE" dirty="0" smtClean="0"/>
+              <a:t> </a:t>
+            </a:r>
+            <a:r>
+              <a:rPr lang="de-DE" dirty="0" err="1" smtClean="0"/>
+              <a:t>one</a:t>
+            </a:r>
+            <a:endParaRPr lang="de-DE" dirty="0" smtClean="0"/>
+          </a:p>
+          <a:p>
+            <a:r>
+              <a:rPr lang="de-DE" dirty="0" err="1" smtClean="0"/>
+              <a:t>Learn</a:t>
+            </a:r>
+            <a:r>
+              <a:rPr lang="de-DE" dirty="0" smtClean="0"/>
+              <a:t> </a:t>
+            </a:r>
+            <a:r>
+              <a:rPr lang="de-DE" dirty="0" err="1" smtClean="0"/>
+              <a:t>about</a:t>
+            </a:r>
+            <a:r>
+              <a:rPr lang="de-DE" dirty="0" smtClean="0"/>
+              <a:t> </a:t>
+            </a:r>
+            <a:r>
+              <a:rPr lang="de-DE" dirty="0" err="1" smtClean="0"/>
+              <a:t>many</a:t>
+            </a:r>
+            <a:r>
+              <a:rPr lang="de-DE" dirty="0" smtClean="0"/>
+              <a:t> </a:t>
+            </a:r>
+            <a:r>
+              <a:rPr lang="de-DE" dirty="0" err="1" smtClean="0"/>
+              <a:t>techniques</a:t>
+            </a:r>
+            <a:r>
+              <a:rPr lang="de-DE" dirty="0" smtClean="0"/>
+              <a:t> </a:t>
+            </a:r>
+            <a:r>
+              <a:rPr lang="de-DE" dirty="0" err="1" smtClean="0"/>
+              <a:t>how</a:t>
+            </a:r>
+            <a:r>
+              <a:rPr lang="de-DE" dirty="0" smtClean="0"/>
+              <a:t> </a:t>
+            </a:r>
+            <a:r>
+              <a:rPr lang="de-DE" dirty="0" err="1" smtClean="0"/>
+              <a:t>to</a:t>
+            </a:r>
+            <a:r>
+              <a:rPr lang="de-DE" dirty="0" smtClean="0"/>
+              <a:t> </a:t>
+            </a:r>
+            <a:r>
+              <a:rPr lang="de-DE" dirty="0" err="1" smtClean="0"/>
+              <a:t>specify</a:t>
+            </a:r>
+            <a:endParaRPr lang="de-DE" dirty="0" smtClean="0"/>
+          </a:p>
+          <a:p>
             <a:endParaRPr lang="de-DE" dirty="0"/>
           </a:p>
         </p:txBody>
@@ -14352,20 +14575,13 @@
     </p:spTree>
     <p:extLst>
       <p:ext uri="{BB962C8B-B14F-4D97-AF65-F5344CB8AC3E}">
-        <p14:creationId xmlns:p14="http://schemas.microsoft.com/office/powerpoint/2010/main" val="2970227199"/>
+        <p14:creationId xmlns:p14="http://schemas.microsoft.com/office/powerpoint/2010/main" val="924765025"/>
       </p:ext>
     </p:extLst>
   </p:cSld>
   <p:clrMapOvr>
     <a:masterClrMapping/>
   </p:clrMapOvr>
-  <p:timing>
-    <p:tnLst>
-      <p:par>
-        <p:cTn id="1" dur="indefinite" restart="never" nodeType="tmRoot"/>
-      </p:par>
-    </p:tnLst>
-  </p:timing>
 </p:sld>
 </file>
 
@@ -14398,9 +14614,7 @@
         </p:nvSpPr>
         <p:spPr/>
         <p:txBody>
-          <a:bodyPr>
-            <a:normAutofit fontScale="90000"/>
-          </a:bodyPr>
+          <a:bodyPr/>
           <a:lstStyle/>
           <a:p>
             <a:r>
@@ -14417,38 +14631,19 @@
             </a:r>
             <a:r>
               <a:rPr lang="de-DE" dirty="0" smtClean="0"/>
-              <a:t>:</a:t>
-            </a:r>
-            <a:r>
-              <a:rPr lang="de-DE" dirty="0"/>
-              <a:t/>
-            </a:r>
-            <a:br>
-              <a:rPr lang="de-DE" dirty="0"/>
-            </a:br>
+              <a:t>: </a:t>
+            </a:r>
             <a:r>
               <a:rPr lang="de-DE" dirty="0" err="1" smtClean="0"/>
-              <a:t>storyboard</a:t>
+              <a:t>Scrum</a:t>
             </a:r>
             <a:r>
               <a:rPr lang="de-DE" dirty="0" smtClean="0"/>
               <a:t> </a:t>
             </a:r>
             <a:r>
-              <a:rPr lang="de-DE" dirty="0"/>
-              <a:t>↔ </a:t>
-            </a:r>
-            <a:r>
-              <a:rPr lang="de-DE" dirty="0" err="1"/>
-              <a:t>requirements</a:t>
-            </a:r>
-            <a:r>
-              <a:rPr lang="de-DE" dirty="0"/>
-              <a:t> ↔ design ↔ </a:t>
-            </a:r>
-            <a:r>
               <a:rPr lang="de-DE" dirty="0" err="1" smtClean="0"/>
-              <a:t>implementation</a:t>
+              <a:t>retrospective</a:t>
             </a:r>
             <a:endParaRPr lang="de-DE" dirty="0"/>
           </a:p>
@@ -14469,9 +14664,90 @@
           <a:bodyPr/>
           <a:lstStyle/>
           <a:p>
+            <a:pPr lvl="1">
+              <a:buFont typeface="Lucida Grande"/>
+              <a:buChar char="+"/>
+            </a:pPr>
+            <a:r>
+              <a:rPr lang="de-DE" dirty="0" smtClean="0"/>
+              <a:t>„</a:t>
+            </a:r>
+            <a:r>
+              <a:rPr lang="de-DE" dirty="0"/>
+              <a:t>D</a:t>
+            </a:r>
+            <a:r>
+              <a:rPr lang="de-DE" dirty="0" smtClean="0"/>
+              <a:t>aily </a:t>
+            </a:r>
             <a:r>
               <a:rPr lang="de-DE" dirty="0" err="1" smtClean="0"/>
-              <a:t>Specifying</a:t>
+              <a:t>updates</a:t>
+            </a:r>
+            <a:r>
+              <a:rPr lang="de-DE" dirty="0" smtClean="0"/>
+              <a:t>“</a:t>
+            </a:r>
+          </a:p>
+          <a:p>
+            <a:pPr lvl="1">
+              <a:buFont typeface="Lucida Grande"/>
+              <a:buChar char="+"/>
+            </a:pPr>
+            <a:r>
+              <a:rPr lang="de-DE" dirty="0"/>
+              <a:t> </a:t>
+            </a:r>
+            <a:r>
+              <a:rPr lang="de-DE" dirty="0" smtClean="0"/>
+              <a:t>immediate </a:t>
+            </a:r>
+            <a:r>
+              <a:rPr lang="de-DE" dirty="0" err="1" smtClean="0"/>
+              <a:t>feedback</a:t>
+            </a:r>
+            <a:endParaRPr lang="de-DE" dirty="0" smtClean="0"/>
+          </a:p>
+          <a:p>
+            <a:pPr lvl="1">
+              <a:buFont typeface="Lucida Grande"/>
+              <a:buChar char="+"/>
+            </a:pPr>
+            <a:endParaRPr lang="de-DE" dirty="0"/>
+          </a:p>
+          <a:p>
+            <a:pPr marL="457200" lvl="1" indent="0">
+              <a:buNone/>
+            </a:pPr>
+            <a:endParaRPr lang="de-DE" dirty="0"/>
+          </a:p>
+          <a:p>
+            <a:pPr lvl="1">
+              <a:buFont typeface="Lucida Grande"/>
+              <a:buChar char="-"/>
+            </a:pPr>
+            <a:r>
+              <a:rPr lang="de-DE" dirty="0" smtClean="0"/>
+              <a:t>„expensive“ </a:t>
+            </a:r>
+            <a:r>
+              <a:rPr lang="de-DE" dirty="0" err="1" smtClean="0"/>
+              <a:t>administration</a:t>
+            </a:r>
+            <a:endParaRPr lang="de-DE" dirty="0" smtClean="0"/>
+          </a:p>
+          <a:p>
+            <a:pPr lvl="1">
+              <a:buFont typeface="Lucida Grande"/>
+              <a:buChar char="-"/>
+            </a:pPr>
+            <a:r>
+              <a:rPr lang="de-DE" dirty="0" err="1"/>
+              <a:t>d</a:t>
+            </a:r>
+            <a:r>
+              <a:rPr lang="de-DE" dirty="0" err="1" smtClean="0"/>
+              <a:t>idn‘t</a:t>
             </a:r>
             <a:r>
               <a:rPr lang="de-DE" dirty="0" smtClean="0"/>
@@ -14479,7 +14755,7 @@
             </a:r>
             <a:r>
               <a:rPr lang="de-DE" dirty="0" err="1" smtClean="0"/>
-              <a:t>is</a:t>
+              <a:t>learn</a:t>
             </a:r>
             <a:r>
               <a:rPr lang="de-DE" dirty="0" smtClean="0"/>
@@ -14487,23 +14763,7 @@
             </a:r>
             <a:r>
               <a:rPr lang="de-DE" dirty="0" err="1" smtClean="0"/>
-              <a:t>complete</a:t>
-            </a:r>
-            <a:r>
-              <a:rPr lang="de-DE" dirty="0" smtClean="0"/>
-              <a:t> different </a:t>
-            </a:r>
-            <a:r>
-              <a:rPr lang="de-DE" dirty="0" err="1" smtClean="0"/>
-              <a:t>thing</a:t>
-            </a:r>
-            <a:r>
-              <a:rPr lang="de-DE" dirty="0" smtClean="0"/>
-              <a:t>, </a:t>
-            </a:r>
-            <a:r>
-              <a:rPr lang="de-DE" dirty="0" err="1" smtClean="0"/>
-              <a:t>compared</a:t>
+              <a:t>lot</a:t>
             </a:r>
             <a:r>
               <a:rPr lang="de-DE" dirty="0" smtClean="0"/>
@@ -14511,7 +14771,7 @@
             </a:r>
             <a:r>
               <a:rPr lang="de-DE" dirty="0" err="1" smtClean="0"/>
-              <a:t>to</a:t>
+              <a:t>about</a:t>
             </a:r>
             <a:r>
               <a:rPr lang="de-DE" dirty="0" smtClean="0"/>
@@ -14519,14 +14779,23 @@
             </a:r>
             <a:r>
               <a:rPr lang="de-DE" dirty="0" err="1" smtClean="0"/>
-              <a:t>implementing</a:t>
-            </a:r>
-            <a:endParaRPr lang="de-DE" dirty="0" smtClean="0"/>
-          </a:p>
-          <a:p>
+              <a:t>Scrum</a:t>
+            </a:r>
+            <a:r>
+              <a:rPr lang="de-DE" dirty="0" smtClean="0"/>
+              <a:t> (all </a:t>
+            </a:r>
             <a:r>
               <a:rPr lang="de-DE" dirty="0" err="1" smtClean="0"/>
-              <a:t>If</a:t>
+              <a:t>effort</a:t>
+            </a:r>
+            <a:r>
+              <a:rPr lang="de-DE" dirty="0" smtClean="0"/>
+              <a:t> was </a:t>
+            </a:r>
+            <a:r>
+              <a:rPr lang="de-DE" dirty="0" err="1" smtClean="0"/>
+              <a:t>put</a:t>
             </a:r>
             <a:r>
               <a:rPr lang="de-DE" dirty="0" smtClean="0"/>
@@ -14534,120 +14803,25 @@
             </a:r>
             <a:r>
               <a:rPr lang="de-DE" dirty="0" err="1" smtClean="0"/>
-              <a:t>doing</a:t>
-            </a:r>
-            <a:r>
-              <a:rPr lang="de-DE" dirty="0" smtClean="0"/>
-              <a:t> so, </a:t>
-            </a:r>
-            <a:r>
-              <a:rPr lang="de-DE" dirty="0" err="1" smtClean="0"/>
-              <a:t>even</a:t>
-            </a:r>
-            <a:r>
-              <a:rPr lang="de-DE" dirty="0" smtClean="0"/>
-              <a:t> a </a:t>
-            </a:r>
-            <a:r>
-              <a:rPr lang="de-DE" dirty="0" err="1" smtClean="0"/>
-              <a:t>small</a:t>
+              <a:t>into</a:t>
             </a:r>
             <a:r>
               <a:rPr lang="de-DE" dirty="0" smtClean="0"/>
               <a:t> </a:t>
             </a:r>
             <a:r>
+              <a:rPr lang="de-DE" dirty="0" err="1"/>
+              <a:t>v</a:t>
+            </a:r>
+            <a:r>
               <a:rPr lang="de-DE" dirty="0" err="1" smtClean="0"/>
-              <a:t>project</a:t>
+              <a:t>aadin</a:t>
             </a:r>
             <a:r>
               <a:rPr lang="de-DE" dirty="0" smtClean="0"/>
-              <a:t> </a:t>
-            </a:r>
-            <a:r>
-              <a:rPr lang="de-DE" dirty="0" err="1" smtClean="0"/>
-              <a:t>turns</a:t>
-            </a:r>
-            <a:r>
-              <a:rPr lang="de-DE" dirty="0" smtClean="0"/>
-              <a:t> </a:t>
-            </a:r>
-            <a:r>
-              <a:rPr lang="de-DE" dirty="0" err="1" smtClean="0"/>
-              <a:t>into</a:t>
-            </a:r>
-            <a:r>
-              <a:rPr lang="de-DE" dirty="0" smtClean="0"/>
-              <a:t> a </a:t>
-            </a:r>
-            <a:r>
-              <a:rPr lang="de-DE" dirty="0" err="1" smtClean="0"/>
-              <a:t>big</a:t>
-            </a:r>
-            <a:r>
-              <a:rPr lang="de-DE" dirty="0" smtClean="0"/>
-              <a:t> </a:t>
-            </a:r>
-            <a:r>
-              <a:rPr lang="de-DE" dirty="0" err="1" smtClean="0"/>
-              <a:t>one</a:t>
-            </a:r>
-            <a:endParaRPr lang="de-DE" dirty="0" smtClean="0"/>
-          </a:p>
-          <a:p>
-            <a:r>
-              <a:rPr lang="de-DE" dirty="0" err="1" smtClean="0"/>
-              <a:t>Learn</a:t>
-            </a:r>
-            <a:r>
-              <a:rPr lang="de-DE" dirty="0" smtClean="0"/>
-              <a:t> </a:t>
-            </a:r>
-            <a:r>
-              <a:rPr lang="de-DE" dirty="0" err="1" smtClean="0"/>
-              <a:t>about</a:t>
-            </a:r>
-            <a:r>
-              <a:rPr lang="de-DE" dirty="0" smtClean="0"/>
-              <a:t> </a:t>
-            </a:r>
-            <a:r>
-              <a:rPr lang="de-DE" dirty="0" err="1" smtClean="0"/>
-              <a:t>many</a:t>
-            </a:r>
-            <a:r>
-              <a:rPr lang="de-DE" dirty="0" smtClean="0"/>
-              <a:t> </a:t>
-            </a:r>
-            <a:r>
-              <a:rPr lang="de-DE" dirty="0" err="1" smtClean="0"/>
-              <a:t>techniques</a:t>
-            </a:r>
-            <a:r>
-              <a:rPr lang="de-DE" dirty="0" smtClean="0"/>
-              <a:t> </a:t>
-            </a:r>
-            <a:r>
-              <a:rPr lang="de-DE" dirty="0" err="1" smtClean="0"/>
-              <a:t>how</a:t>
-            </a:r>
-            <a:r>
-              <a:rPr lang="de-DE" dirty="0" smtClean="0"/>
-              <a:t> </a:t>
-            </a:r>
-            <a:r>
-              <a:rPr lang="de-DE" dirty="0" err="1" smtClean="0"/>
-              <a:t>to</a:t>
-            </a:r>
-            <a:r>
-              <a:rPr lang="de-DE" dirty="0" smtClean="0"/>
-              <a:t> </a:t>
-            </a:r>
-            <a:r>
-              <a:rPr lang="de-DE" dirty="0" err="1" smtClean="0"/>
-              <a:t>specify</a:t>
-            </a:r>
-            <a:endParaRPr lang="de-DE" dirty="0" smtClean="0"/>
+              <a:t>)</a:t>
+            </a:r>
+            <a:endParaRPr lang="de-DE" dirty="0"/>
           </a:p>
           <a:p>
             <a:endParaRPr lang="de-DE" dirty="0"/>
@@ -14657,7 +14831,7 @@
     </p:spTree>
     <p:extLst>
       <p:ext uri="{BB962C8B-B14F-4D97-AF65-F5344CB8AC3E}">
-        <p14:creationId xmlns:p14="http://schemas.microsoft.com/office/powerpoint/2010/main" val="924765025"/>
+        <p14:creationId xmlns:p14="http://schemas.microsoft.com/office/powerpoint/2010/main" val="3656073540"/>
       </p:ext>
     </p:extLst>
   </p:cSld>
